--- a/Unitｙとはなにか.pptx
+++ b/Unitｙとはなにか.pptx
@@ -1,45 +1,55 @@
 
 <file path=ppt/presentation.xml><?xml version="1.0" encoding="utf-8"?>
-<p:presentation xmlns:a="http://schemas.openxmlformats.org/drawingml/2006/main" xmlns:r="http://schemas.openxmlformats.org/officeDocument/2006/relationships" xmlns:mc="http://schemas.openxmlformats.org/markup-compatibility/2006" xmlns:mv="urn:schemas-microsoft-com:mac:vml" xmlns:p="http://schemas.openxmlformats.org/presentationml/2006/main" xmlns:c="http://schemas.openxmlformats.org/drawingml/2006/chart" xmlns:dgm="http://schemas.openxmlformats.org/drawingml/2006/diagram" xmlns:o="urn:schemas-microsoft-com:office:office" xmlns:v="urn:schemas-microsoft-com:vml" xmlns:pvml="urn:schemas-microsoft-com:office:powerpoint" xmlns:com="http://schemas.openxmlformats.org/drawingml/2006/compatibility" xmlns:p14="http://schemas.microsoft.com/office/powerpoint/2010/main" xmlns:p15="http://schemas.microsoft.com/office/powerpoint/2012/main" xmlns:ahyp="http://schemas.microsoft.com/office/drawing/2018/hyperlinkcolor" autoCompressPictures="0" embedTrueTypeFonts="1" strictFirstAndLastChars="0" saveSubsetFonts="1">
+<p:presentation xmlns:a="http://schemas.openxmlformats.org/drawingml/2006/main" xmlns:r="http://schemas.openxmlformats.org/officeDocument/2006/relationships" xmlns:p="http://schemas.openxmlformats.org/presentationml/2006/main" strictFirstAndLastChars="0" embedTrueTypeFonts="1" saveSubsetFonts="1" autoCompressPictures="0">
   <p:sldMasterIdLst>
-    <p:sldMasterId id="2147483659" r:id="rId4"/>
+    <p:sldMasterId id="2147483659" r:id="rId1"/>
   </p:sldMasterIdLst>
   <p:notesMasterIdLst>
-    <p:notesMasterId r:id="rId5"/>
+    <p:notesMasterId r:id="rId15"/>
   </p:notesMasterIdLst>
   <p:sldIdLst>
-    <p:sldId id="256" r:id="rId6"/>
-    <p:sldId id="257" r:id="rId7"/>
-    <p:sldId id="258" r:id="rId8"/>
-    <p:sldId id="259" r:id="rId9"/>
-    <p:sldId id="260" r:id="rId10"/>
-    <p:sldId id="261" r:id="rId11"/>
-    <p:sldId id="262" r:id="rId12"/>
-    <p:sldId id="263" r:id="rId13"/>
-    <p:sldId id="264" r:id="rId14"/>
-    <p:sldId id="265" r:id="rId15"/>
-    <p:sldId id="266" r:id="rId16"/>
+    <p:sldId id="256" r:id="rId2"/>
+    <p:sldId id="257" r:id="rId3"/>
+    <p:sldId id="258" r:id="rId4"/>
+    <p:sldId id="259" r:id="rId5"/>
+    <p:sldId id="260" r:id="rId6"/>
+    <p:sldId id="261" r:id="rId7"/>
+    <p:sldId id="262" r:id="rId8"/>
+    <p:sldId id="263" r:id="rId9"/>
+    <p:sldId id="264" r:id="rId10"/>
+    <p:sldId id="265" r:id="rId11"/>
+    <p:sldId id="267" r:id="rId12"/>
+    <p:sldId id="268" r:id="rId13"/>
+    <p:sldId id="269" r:id="rId14"/>
   </p:sldIdLst>
-  <p:sldSz cy="5143500" cx="9144000"/>
+  <p:sldSz cx="9144000" cy="5143500" type="screen16x9"/>
   <p:notesSz cx="6858000" cy="9144000"/>
   <p:embeddedFontLst>
     <p:embeddedFont>
-      <p:font typeface="Playfair Display"/>
-      <p:regular r:id="rId17"/>
-      <p:bold r:id="rId18"/>
-      <p:italic r:id="rId19"/>
-      <p:boldItalic r:id="rId20"/>
+      <p:font typeface="けいふぉんと" panose="02000600000000000000" pitchFamily="2" charset="-128"/>
+      <p:regular r:id="rId16"/>
     </p:embeddedFont>
     <p:embeddedFont>
-      <p:font typeface="Lato"/>
-      <p:regular r:id="rId21"/>
-      <p:bold r:id="rId22"/>
-      <p:italic r:id="rId23"/>
-      <p:boldItalic r:id="rId24"/>
+      <p:font typeface="ラノベPOP v2" panose="00000900000000000000" pitchFamily="50" charset="-128"/>
+      <p:bold r:id="rId17"/>
+    </p:embeddedFont>
+    <p:embeddedFont>
+      <p:font typeface="Lato" panose="020B0600070205080204" charset="0"/>
+      <p:regular r:id="rId18"/>
+      <p:bold r:id="rId19"/>
+      <p:italic r:id="rId20"/>
+      <p:boldItalic r:id="rId21"/>
+    </p:embeddedFont>
+    <p:embeddedFont>
+      <p:font typeface="Playfair Display" panose="020B0600070205080204" charset="0"/>
+      <p:regular r:id="rId22"/>
+      <p:bold r:id="rId23"/>
+      <p:italic r:id="rId24"/>
+      <p:boldItalic r:id="rId25"/>
     </p:embeddedFont>
   </p:embeddedFontLst>
   <p:defaultTextStyle>
-    <a:defPPr lvl="0" marR="0" rtl="0" algn="l">
+    <a:defPPr marR="0" lvl="0" algn="l" rtl="0">
       <a:lnSpc>
         <a:spcPct val="100000"/>
       </a:lnSpc>
@@ -50,7 +60,7 @@
         <a:spcPts val="0"/>
       </a:spcAft>
     </a:defPPr>
-    <a:lvl1pPr lvl="0" marR="0" rtl="0" algn="l">
+    <a:lvl1pPr marR="0" lvl="0" algn="l" rtl="0">
       <a:lnSpc>
         <a:spcPct val="100000"/>
       </a:lnSpc>
@@ -64,7 +74,7 @@
         <a:srgbClr val="000000"/>
       </a:buClr>
       <a:buFont typeface="Arial"/>
-      <a:defRPr b="0" i="0" sz="1400" u="none" cap="none" strike="noStrike">
+      <a:defRPr sz="1400" b="0" i="0" u="none" strike="noStrike" cap="none">
         <a:solidFill>
           <a:srgbClr val="000000"/>
         </a:solidFill>
@@ -74,7 +84,7 @@
         <a:sym typeface="Arial"/>
       </a:defRPr>
     </a:lvl1pPr>
-    <a:lvl2pPr lvl="1" marR="0" rtl="0" algn="l">
+    <a:lvl2pPr marR="0" lvl="1" algn="l" rtl="0">
       <a:lnSpc>
         <a:spcPct val="100000"/>
       </a:lnSpc>
@@ -88,7 +98,7 @@
         <a:srgbClr val="000000"/>
       </a:buClr>
       <a:buFont typeface="Arial"/>
-      <a:defRPr b="0" i="0" sz="1400" u="none" cap="none" strike="noStrike">
+      <a:defRPr sz="1400" b="0" i="0" u="none" strike="noStrike" cap="none">
         <a:solidFill>
           <a:srgbClr val="000000"/>
         </a:solidFill>
@@ -98,7 +108,7 @@
         <a:sym typeface="Arial"/>
       </a:defRPr>
     </a:lvl2pPr>
-    <a:lvl3pPr lvl="2" marR="0" rtl="0" algn="l">
+    <a:lvl3pPr marR="0" lvl="2" algn="l" rtl="0">
       <a:lnSpc>
         <a:spcPct val="100000"/>
       </a:lnSpc>
@@ -112,7 +122,7 @@
         <a:srgbClr val="000000"/>
       </a:buClr>
       <a:buFont typeface="Arial"/>
-      <a:defRPr b="0" i="0" sz="1400" u="none" cap="none" strike="noStrike">
+      <a:defRPr sz="1400" b="0" i="0" u="none" strike="noStrike" cap="none">
         <a:solidFill>
           <a:srgbClr val="000000"/>
         </a:solidFill>
@@ -122,7 +132,7 @@
         <a:sym typeface="Arial"/>
       </a:defRPr>
     </a:lvl3pPr>
-    <a:lvl4pPr lvl="3" marR="0" rtl="0" algn="l">
+    <a:lvl4pPr marR="0" lvl="3" algn="l" rtl="0">
       <a:lnSpc>
         <a:spcPct val="100000"/>
       </a:lnSpc>
@@ -136,7 +146,7 @@
         <a:srgbClr val="000000"/>
       </a:buClr>
       <a:buFont typeface="Arial"/>
-      <a:defRPr b="0" i="0" sz="1400" u="none" cap="none" strike="noStrike">
+      <a:defRPr sz="1400" b="0" i="0" u="none" strike="noStrike" cap="none">
         <a:solidFill>
           <a:srgbClr val="000000"/>
         </a:solidFill>
@@ -146,7 +156,7 @@
         <a:sym typeface="Arial"/>
       </a:defRPr>
     </a:lvl4pPr>
-    <a:lvl5pPr lvl="4" marR="0" rtl="0" algn="l">
+    <a:lvl5pPr marR="0" lvl="4" algn="l" rtl="0">
       <a:lnSpc>
         <a:spcPct val="100000"/>
       </a:lnSpc>
@@ -160,7 +170,7 @@
         <a:srgbClr val="000000"/>
       </a:buClr>
       <a:buFont typeface="Arial"/>
-      <a:defRPr b="0" i="0" sz="1400" u="none" cap="none" strike="noStrike">
+      <a:defRPr sz="1400" b="0" i="0" u="none" strike="noStrike" cap="none">
         <a:solidFill>
           <a:srgbClr val="000000"/>
         </a:solidFill>
@@ -170,7 +180,7 @@
         <a:sym typeface="Arial"/>
       </a:defRPr>
     </a:lvl5pPr>
-    <a:lvl6pPr lvl="5" marR="0" rtl="0" algn="l">
+    <a:lvl6pPr marR="0" lvl="5" algn="l" rtl="0">
       <a:lnSpc>
         <a:spcPct val="100000"/>
       </a:lnSpc>
@@ -184,7 +194,7 @@
         <a:srgbClr val="000000"/>
       </a:buClr>
       <a:buFont typeface="Arial"/>
-      <a:defRPr b="0" i="0" sz="1400" u="none" cap="none" strike="noStrike">
+      <a:defRPr sz="1400" b="0" i="0" u="none" strike="noStrike" cap="none">
         <a:solidFill>
           <a:srgbClr val="000000"/>
         </a:solidFill>
@@ -194,7 +204,7 @@
         <a:sym typeface="Arial"/>
       </a:defRPr>
     </a:lvl6pPr>
-    <a:lvl7pPr lvl="6" marR="0" rtl="0" algn="l">
+    <a:lvl7pPr marR="0" lvl="6" algn="l" rtl="0">
       <a:lnSpc>
         <a:spcPct val="100000"/>
       </a:lnSpc>
@@ -208,7 +218,7 @@
         <a:srgbClr val="000000"/>
       </a:buClr>
       <a:buFont typeface="Arial"/>
-      <a:defRPr b="0" i="0" sz="1400" u="none" cap="none" strike="noStrike">
+      <a:defRPr sz="1400" b="0" i="0" u="none" strike="noStrike" cap="none">
         <a:solidFill>
           <a:srgbClr val="000000"/>
         </a:solidFill>
@@ -218,7 +228,7 @@
         <a:sym typeface="Arial"/>
       </a:defRPr>
     </a:lvl7pPr>
-    <a:lvl8pPr lvl="7" marR="0" rtl="0" algn="l">
+    <a:lvl8pPr marR="0" lvl="7" algn="l" rtl="0">
       <a:lnSpc>
         <a:spcPct val="100000"/>
       </a:lnSpc>
@@ -232,7 +242,7 @@
         <a:srgbClr val="000000"/>
       </a:buClr>
       <a:buFont typeface="Arial"/>
-      <a:defRPr b="0" i="0" sz="1400" u="none" cap="none" strike="noStrike">
+      <a:defRPr sz="1400" b="0" i="0" u="none" strike="noStrike" cap="none">
         <a:solidFill>
           <a:srgbClr val="000000"/>
         </a:solidFill>
@@ -242,7 +252,7 @@
         <a:sym typeface="Arial"/>
       </a:defRPr>
     </a:lvl8pPr>
-    <a:lvl9pPr lvl="8" marR="0" rtl="0" algn="l">
+    <a:lvl9pPr marR="0" lvl="8" algn="l" rtl="0">
       <a:lnSpc>
         <a:spcPct val="100000"/>
       </a:lnSpc>
@@ -256,7 +266,7 @@
         <a:srgbClr val="000000"/>
       </a:buClr>
       <a:buFont typeface="Arial"/>
-      <a:defRPr b="0" i="0" sz="1400" u="none" cap="none" strike="noStrike">
+      <a:defRPr sz="1400" b="0" i="0" u="none" strike="noStrike" cap="none">
         <a:solidFill>
           <a:srgbClr val="000000"/>
         </a:solidFill>
@@ -269,7 +279,7 @@
   </p:defaultTextStyle>
   <p:extLst>
     <p:ext uri="{EFAFB233-063F-42B5-8137-9DF3F51BA10A}">
-      <p15:sldGuideLst>
+      <p15:sldGuideLst xmlns:p15="http://schemas.microsoft.com/office/powerpoint/2012/main">
         <p15:guide id="1" orient="horz" pos="1620">
           <p15:clr>
             <a:srgbClr val="A4A3A4"/>
@@ -287,11 +297,16 @@
 </file>
 
 <file path=ppt/notesMasters/notesMaster1.xml><?xml version="1.0" encoding="utf-8"?>
-<p:notesMaster xmlns:a="http://schemas.openxmlformats.org/drawingml/2006/main" xmlns:r="http://schemas.openxmlformats.org/officeDocument/2006/relationships" xmlns:mc="http://schemas.openxmlformats.org/markup-compatibility/2006" xmlns:mv="urn:schemas-microsoft-com:mac:vml" xmlns:p="http://schemas.openxmlformats.org/presentationml/2006/main" xmlns:c="http://schemas.openxmlformats.org/drawingml/2006/chart" xmlns:dgm="http://schemas.openxmlformats.org/drawingml/2006/diagram" xmlns:o="urn:schemas-microsoft-com:office:office" xmlns:v="urn:schemas-microsoft-com:vml" xmlns:pvml="urn:schemas-microsoft-com:office:powerpoint" xmlns:com="http://schemas.openxmlformats.org/drawingml/2006/compatibility" xmlns:p14="http://schemas.microsoft.com/office/powerpoint/2010/main" xmlns:p15="http://schemas.microsoft.com/office/powerpoint/2012/main" xmlns:ahyp="http://schemas.microsoft.com/office/drawing/2018/hyperlinkcolor">
+<p:notesMaster xmlns:a="http://schemas.openxmlformats.org/drawingml/2006/main" xmlns:r="http://schemas.openxmlformats.org/officeDocument/2006/relationships" xmlns:p="http://schemas.openxmlformats.org/presentationml/2006/main">
   <p:cSld>
+    <p:bg>
+      <p:bgRef idx="1001">
+        <a:schemeClr val="bg1"/>
+      </p:bgRef>
+    </p:bg>
     <p:spTree>
       <p:nvGrpSpPr>
-        <p:cNvPr id="2" name="Shape 2"/>
+        <p:cNvPr id="1" name="Shape 2"/>
         <p:cNvGrpSpPr/>
         <p:nvPr/>
       </p:nvGrpSpPr>
@@ -306,9 +321,11 @@
       <p:sp>
         <p:nvSpPr>
           <p:cNvPr id="3" name="Google Shape;3;n"/>
-          <p:cNvSpPr/>
+          <p:cNvSpPr>
+            <a:spLocks noGrp="1" noRot="1" noChangeAspect="1"/>
+          </p:cNvSpPr>
           <p:nvPr>
-            <p:ph idx="2" type="sldImg"/>
+            <p:ph type="sldImg" idx="2"/>
           </p:nvPr>
         </p:nvSpPr>
         <p:spPr>
@@ -317,9 +334,13 @@
             <a:ext cx="6096075" cy="3429000"/>
           </a:xfrm>
           <a:custGeom>
-            <a:rect b="b" l="l" r="r" t="t"/>
+            <a:avLst/>
+            <a:gdLst/>
+            <a:ahLst/>
+            <a:cxnLst/>
+            <a:rect l="l" t="t" r="r" b="b"/>
             <a:pathLst>
-              <a:path extrusionOk="0" h="120000" w="120000">
+              <a:path w="120000" h="120000" extrusionOk="0">
                 <a:moveTo>
                   <a:pt x="0" y="0"/>
                 </a:moveTo>
@@ -337,23 +358,25 @@
             </a:pathLst>
           </a:custGeom>
           <a:noFill/>
-          <a:ln cap="flat" cmpd="sng" w="9525">
+          <a:ln w="9525" cap="flat" cmpd="sng">
             <a:solidFill>
               <a:srgbClr val="000000"/>
             </a:solidFill>
             <a:prstDash val="solid"/>
             <a:round/>
-            <a:headEnd len="sm" w="sm" type="none"/>
-            <a:tailEnd len="sm" w="sm" type="none"/>
+            <a:headEnd type="none" w="sm" len="sm"/>
+            <a:tailEnd type="none" w="sm" len="sm"/>
           </a:ln>
         </p:spPr>
       </p:sp>
       <p:sp>
         <p:nvSpPr>
           <p:cNvPr id="4" name="Google Shape;4;n"/>
-          <p:cNvSpPr txBox="1"/>
+          <p:cNvSpPr txBox="1">
+            <a:spLocks noGrp="1"/>
+          </p:cNvSpPr>
           <p:nvPr>
-            <p:ph idx="1" type="body"/>
+            <p:ph type="body" idx="1"/>
           </p:nvPr>
         </p:nvSpPr>
         <p:spPr>
@@ -370,11 +393,11 @@
           </a:ln>
         </p:spPr>
         <p:txBody>
-          <a:bodyPr anchorCtr="0" anchor="t" bIns="91425" lIns="91425" spcFirstLastPara="1" rIns="91425" wrap="square" tIns="91425">
+          <a:bodyPr spcFirstLastPara="1" wrap="square" lIns="91425" tIns="91425" rIns="91425" bIns="91425" anchor="t" anchorCtr="0">
             <a:noAutofit/>
           </a:bodyPr>
           <a:lstStyle>
-            <a:lvl1pPr indent="-298450" lvl="0" marL="457200">
+            <a:lvl1pPr marL="457200" lvl="0" indent="-298450">
               <a:spcBef>
                 <a:spcPts val="0"/>
               </a:spcBef>
@@ -385,7 +408,7 @@
               <a:buChar char="●"/>
               <a:defRPr sz="1100"/>
             </a:lvl1pPr>
-            <a:lvl2pPr indent="-298450" lvl="1" marL="914400">
+            <a:lvl2pPr marL="914400" lvl="1" indent="-298450">
               <a:spcBef>
                 <a:spcPts val="0"/>
               </a:spcBef>
@@ -396,7 +419,7 @@
               <a:buChar char="○"/>
               <a:defRPr sz="1100"/>
             </a:lvl2pPr>
-            <a:lvl3pPr indent="-298450" lvl="2" marL="1371600">
+            <a:lvl3pPr marL="1371600" lvl="2" indent="-298450">
               <a:spcBef>
                 <a:spcPts val="0"/>
               </a:spcBef>
@@ -407,7 +430,7 @@
               <a:buChar char="■"/>
               <a:defRPr sz="1100"/>
             </a:lvl3pPr>
-            <a:lvl4pPr indent="-298450" lvl="3" marL="1828800">
+            <a:lvl4pPr marL="1828800" lvl="3" indent="-298450">
               <a:spcBef>
                 <a:spcPts val="0"/>
               </a:spcBef>
@@ -418,7 +441,7 @@
               <a:buChar char="●"/>
               <a:defRPr sz="1100"/>
             </a:lvl4pPr>
-            <a:lvl5pPr indent="-298450" lvl="4" marL="2286000">
+            <a:lvl5pPr marL="2286000" lvl="4" indent="-298450">
               <a:spcBef>
                 <a:spcPts val="0"/>
               </a:spcBef>
@@ -429,7 +452,7 @@
               <a:buChar char="○"/>
               <a:defRPr sz="1100"/>
             </a:lvl5pPr>
-            <a:lvl6pPr indent="-298450" lvl="5" marL="2743200">
+            <a:lvl6pPr marL="2743200" lvl="5" indent="-298450">
               <a:spcBef>
                 <a:spcPts val="0"/>
               </a:spcBef>
@@ -440,7 +463,7 @@
               <a:buChar char="■"/>
               <a:defRPr sz="1100"/>
             </a:lvl6pPr>
-            <a:lvl7pPr indent="-298450" lvl="6" marL="3200400">
+            <a:lvl7pPr marL="3200400" lvl="6" indent="-298450">
               <a:spcBef>
                 <a:spcPts val="0"/>
               </a:spcBef>
@@ -451,7 +474,7 @@
               <a:buChar char="●"/>
               <a:defRPr sz="1100"/>
             </a:lvl7pPr>
-            <a:lvl8pPr indent="-298450" lvl="7" marL="3657600">
+            <a:lvl8pPr marL="3657600" lvl="7" indent="-298450">
               <a:spcBef>
                 <a:spcPts val="0"/>
               </a:spcBef>
@@ -462,7 +485,7 @@
               <a:buChar char="○"/>
               <a:defRPr sz="1100"/>
             </a:lvl8pPr>
-            <a:lvl9pPr indent="-298450" lvl="8" marL="4114800">
+            <a:lvl9pPr marL="4114800" lvl="8" indent="-298450">
               <a:spcBef>
                 <a:spcPts val="0"/>
               </a:spcBef>
@@ -474,14 +497,16 @@
               <a:defRPr sz="1100"/>
             </a:lvl9pPr>
           </a:lstStyle>
-          <a:p/>
+          <a:p>
+            <a:endParaRPr/>
+          </a:p>
         </p:txBody>
       </p:sp>
     </p:spTree>
   </p:cSld>
-  <p:clrMap accent1="accent1" accent2="accent2" accent3="accent3" accent4="accent4" accent5="accent5" accent6="accent6" bg1="lt1" bg2="dk2" tx1="dk1" tx2="lt2" folHlink="folHlink" hlink="hlink"/>
+  <p:clrMap bg1="lt1" tx1="dk1" bg2="dk2" tx2="lt2" accent1="accent1" accent2="accent2" accent3="accent3" accent4="accent4" accent5="accent5" accent6="accent6" hlink="hlink" folHlink="folHlink"/>
   <p:notesStyle>
-    <a:defPPr lvl="0" marR="0" rtl="0" algn="l">
+    <a:defPPr marR="0" lvl="0" algn="l" rtl="0">
       <a:lnSpc>
         <a:spcPct val="100000"/>
       </a:lnSpc>
@@ -492,7 +517,7 @@
         <a:spcPts val="0"/>
       </a:spcAft>
     </a:defPPr>
-    <a:lvl1pPr lvl="0" marR="0" rtl="0" algn="l">
+    <a:lvl1pPr marR="0" lvl="0" algn="l" rtl="0">
       <a:lnSpc>
         <a:spcPct val="100000"/>
       </a:lnSpc>
@@ -506,7 +531,7 @@
         <a:srgbClr val="000000"/>
       </a:buClr>
       <a:buFont typeface="Arial"/>
-      <a:defRPr b="0" i="0" sz="1400" u="none" cap="none" strike="noStrike">
+      <a:defRPr sz="1400" b="0" i="0" u="none" strike="noStrike" cap="none">
         <a:solidFill>
           <a:srgbClr val="000000"/>
         </a:solidFill>
@@ -516,7 +541,7 @@
         <a:sym typeface="Arial"/>
       </a:defRPr>
     </a:lvl1pPr>
-    <a:lvl2pPr lvl="1" marR="0" rtl="0" algn="l">
+    <a:lvl2pPr marR="0" lvl="1" algn="l" rtl="0">
       <a:lnSpc>
         <a:spcPct val="100000"/>
       </a:lnSpc>
@@ -530,7 +555,7 @@
         <a:srgbClr val="000000"/>
       </a:buClr>
       <a:buFont typeface="Arial"/>
-      <a:defRPr b="0" i="0" sz="1400" u="none" cap="none" strike="noStrike">
+      <a:defRPr sz="1400" b="0" i="0" u="none" strike="noStrike" cap="none">
         <a:solidFill>
           <a:srgbClr val="000000"/>
         </a:solidFill>
@@ -540,7 +565,7 @@
         <a:sym typeface="Arial"/>
       </a:defRPr>
     </a:lvl2pPr>
-    <a:lvl3pPr lvl="2" marR="0" rtl="0" algn="l">
+    <a:lvl3pPr marR="0" lvl="2" algn="l" rtl="0">
       <a:lnSpc>
         <a:spcPct val="100000"/>
       </a:lnSpc>
@@ -554,7 +579,7 @@
         <a:srgbClr val="000000"/>
       </a:buClr>
       <a:buFont typeface="Arial"/>
-      <a:defRPr b="0" i="0" sz="1400" u="none" cap="none" strike="noStrike">
+      <a:defRPr sz="1400" b="0" i="0" u="none" strike="noStrike" cap="none">
         <a:solidFill>
           <a:srgbClr val="000000"/>
         </a:solidFill>
@@ -564,7 +589,7 @@
         <a:sym typeface="Arial"/>
       </a:defRPr>
     </a:lvl3pPr>
-    <a:lvl4pPr lvl="3" marR="0" rtl="0" algn="l">
+    <a:lvl4pPr marR="0" lvl="3" algn="l" rtl="0">
       <a:lnSpc>
         <a:spcPct val="100000"/>
       </a:lnSpc>
@@ -578,7 +603,7 @@
         <a:srgbClr val="000000"/>
       </a:buClr>
       <a:buFont typeface="Arial"/>
-      <a:defRPr b="0" i="0" sz="1400" u="none" cap="none" strike="noStrike">
+      <a:defRPr sz="1400" b="0" i="0" u="none" strike="noStrike" cap="none">
         <a:solidFill>
           <a:srgbClr val="000000"/>
         </a:solidFill>
@@ -588,7 +613,7 @@
         <a:sym typeface="Arial"/>
       </a:defRPr>
     </a:lvl4pPr>
-    <a:lvl5pPr lvl="4" marR="0" rtl="0" algn="l">
+    <a:lvl5pPr marR="0" lvl="4" algn="l" rtl="0">
       <a:lnSpc>
         <a:spcPct val="100000"/>
       </a:lnSpc>
@@ -602,7 +627,7 @@
         <a:srgbClr val="000000"/>
       </a:buClr>
       <a:buFont typeface="Arial"/>
-      <a:defRPr b="0" i="0" sz="1400" u="none" cap="none" strike="noStrike">
+      <a:defRPr sz="1400" b="0" i="0" u="none" strike="noStrike" cap="none">
         <a:solidFill>
           <a:srgbClr val="000000"/>
         </a:solidFill>
@@ -612,7 +637,7 @@
         <a:sym typeface="Arial"/>
       </a:defRPr>
     </a:lvl5pPr>
-    <a:lvl6pPr lvl="5" marR="0" rtl="0" algn="l">
+    <a:lvl6pPr marR="0" lvl="5" algn="l" rtl="0">
       <a:lnSpc>
         <a:spcPct val="100000"/>
       </a:lnSpc>
@@ -626,7 +651,7 @@
         <a:srgbClr val="000000"/>
       </a:buClr>
       <a:buFont typeface="Arial"/>
-      <a:defRPr b="0" i="0" sz="1400" u="none" cap="none" strike="noStrike">
+      <a:defRPr sz="1400" b="0" i="0" u="none" strike="noStrike" cap="none">
         <a:solidFill>
           <a:srgbClr val="000000"/>
         </a:solidFill>
@@ -636,7 +661,7 @@
         <a:sym typeface="Arial"/>
       </a:defRPr>
     </a:lvl6pPr>
-    <a:lvl7pPr lvl="6" marR="0" rtl="0" algn="l">
+    <a:lvl7pPr marR="0" lvl="6" algn="l" rtl="0">
       <a:lnSpc>
         <a:spcPct val="100000"/>
       </a:lnSpc>
@@ -650,7 +675,7 @@
         <a:srgbClr val="000000"/>
       </a:buClr>
       <a:buFont typeface="Arial"/>
-      <a:defRPr b="0" i="0" sz="1400" u="none" cap="none" strike="noStrike">
+      <a:defRPr sz="1400" b="0" i="0" u="none" strike="noStrike" cap="none">
         <a:solidFill>
           <a:srgbClr val="000000"/>
         </a:solidFill>
@@ -660,7 +685,7 @@
         <a:sym typeface="Arial"/>
       </a:defRPr>
     </a:lvl7pPr>
-    <a:lvl8pPr lvl="7" marR="0" rtl="0" algn="l">
+    <a:lvl8pPr marR="0" lvl="7" algn="l" rtl="0">
       <a:lnSpc>
         <a:spcPct val="100000"/>
       </a:lnSpc>
@@ -674,7 +699,7 @@
         <a:srgbClr val="000000"/>
       </a:buClr>
       <a:buFont typeface="Arial"/>
-      <a:defRPr b="0" i="0" sz="1400" u="none" cap="none" strike="noStrike">
+      <a:defRPr sz="1400" b="0" i="0" u="none" strike="noStrike" cap="none">
         <a:solidFill>
           <a:srgbClr val="000000"/>
         </a:solidFill>
@@ -684,7 +709,7 @@
         <a:sym typeface="Arial"/>
       </a:defRPr>
     </a:lvl8pPr>
-    <a:lvl9pPr lvl="8" marR="0" rtl="0" algn="l">
+    <a:lvl9pPr marR="0" lvl="8" algn="l" rtl="0">
       <a:lnSpc>
         <a:spcPct val="100000"/>
       </a:lnSpc>
@@ -698,7 +723,7 @@
         <a:srgbClr val="000000"/>
       </a:buClr>
       <a:buFont typeface="Arial"/>
-      <a:defRPr b="0" i="0" sz="1400" u="none" cap="none" strike="noStrike">
+      <a:defRPr sz="1400" b="0" i="0" u="none" strike="noStrike" cap="none">
         <a:solidFill>
           <a:srgbClr val="000000"/>
         </a:solidFill>
@@ -713,11 +738,11 @@
 </file>
 
 <file path=ppt/notesSlides/notesSlide1.xml><?xml version="1.0" encoding="utf-8"?>
-<p:notes xmlns:a="http://schemas.openxmlformats.org/drawingml/2006/main" xmlns:r="http://schemas.openxmlformats.org/officeDocument/2006/relationships" xmlns:mc="http://schemas.openxmlformats.org/markup-compatibility/2006" xmlns:mv="urn:schemas-microsoft-com:mac:vml" xmlns:p="http://schemas.openxmlformats.org/presentationml/2006/main" xmlns:c="http://schemas.openxmlformats.org/drawingml/2006/chart" xmlns:dgm="http://schemas.openxmlformats.org/drawingml/2006/diagram" xmlns:o="urn:schemas-microsoft-com:office:office" xmlns:v="urn:schemas-microsoft-com:vml" xmlns:pvml="urn:schemas-microsoft-com:office:powerpoint" xmlns:com="http://schemas.openxmlformats.org/drawingml/2006/compatibility" xmlns:p14="http://schemas.microsoft.com/office/powerpoint/2010/main" xmlns:p15="http://schemas.microsoft.com/office/powerpoint/2012/main" xmlns:ahyp="http://schemas.microsoft.com/office/drawing/2018/hyperlinkcolor" showMasterPhAnim="0" showMasterSp="0">
+<p:notes xmlns:a="http://schemas.openxmlformats.org/drawingml/2006/main" xmlns:r="http://schemas.openxmlformats.org/officeDocument/2006/relationships" xmlns:p="http://schemas.openxmlformats.org/presentationml/2006/main" showMasterSp="0" showMasterPhAnim="0">
   <p:cSld>
     <p:spTree>
       <p:nvGrpSpPr>
-        <p:cNvPr id="64" name="Shape 64"/>
+        <p:cNvPr id="1" name="Shape 64"/>
         <p:cNvGrpSpPr/>
         <p:nvPr/>
       </p:nvGrpSpPr>
@@ -732,9 +757,11 @@
       <p:sp>
         <p:nvSpPr>
           <p:cNvPr id="65" name="Google Shape;65;p:notes"/>
-          <p:cNvSpPr/>
+          <p:cNvSpPr>
+            <a:spLocks noGrp="1" noRot="1" noChangeAspect="1"/>
+          </p:cNvSpPr>
           <p:nvPr>
-            <p:ph idx="2" type="sldImg"/>
+            <p:ph type="sldImg" idx="2"/>
           </p:nvPr>
         </p:nvSpPr>
         <p:spPr>
@@ -743,9 +770,13 @@
             <a:ext cx="6096075" cy="3429000"/>
           </a:xfrm>
           <a:custGeom>
-            <a:rect b="b" l="l" r="r" t="t"/>
+            <a:avLst/>
+            <a:gdLst/>
+            <a:ahLst/>
+            <a:cxnLst/>
+            <a:rect l="l" t="t" r="r" b="b"/>
             <a:pathLst>
-              <a:path extrusionOk="0" h="120000" w="120000">
+              <a:path w="120000" h="120000" extrusionOk="0">
                 <a:moveTo>
                   <a:pt x="0" y="0"/>
                 </a:moveTo>
@@ -767,9 +798,11 @@
       <p:sp>
         <p:nvSpPr>
           <p:cNvPr id="66" name="Google Shape;66;p:notes"/>
-          <p:cNvSpPr txBox="1"/>
+          <p:cNvSpPr txBox="1">
+            <a:spLocks noGrp="1"/>
+          </p:cNvSpPr>
           <p:nvPr>
-            <p:ph idx="1" type="body"/>
+            <p:ph type="body" idx="1"/>
           </p:nvPr>
         </p:nvSpPr>
         <p:spPr>
@@ -782,12 +815,12 @@
           </a:prstGeom>
         </p:spPr>
         <p:txBody>
-          <a:bodyPr anchorCtr="0" anchor="t" bIns="91425" lIns="91425" spcFirstLastPara="1" rIns="91425" wrap="square" tIns="91425">
+          <a:bodyPr spcFirstLastPara="1" wrap="square" lIns="91425" tIns="91425" rIns="91425" bIns="91425" anchor="t" anchorCtr="0">
             <a:noAutofit/>
           </a:bodyPr>
           <a:lstStyle/>
           <a:p>
-            <a:pPr indent="0" lvl="0" marL="0" rtl="0" algn="l">
+            <a:pPr marL="0" lvl="0" indent="0" algn="l" rtl="0">
               <a:spcBef>
                 <a:spcPts val="0"/>
               </a:spcBef>
@@ -796,9 +829,6 @@
               </a:spcAft>
               <a:buNone/>
             </a:pPr>
-            <a:r>
-              <a:t/>
-            </a:r>
             <a:endParaRPr/>
           </a:p>
         </p:txBody>
@@ -812,11 +842,11 @@
 </file>
 
 <file path=ppt/notesSlides/notesSlide10.xml><?xml version="1.0" encoding="utf-8"?>
-<p:notes xmlns:a="http://schemas.openxmlformats.org/drawingml/2006/main" xmlns:r="http://schemas.openxmlformats.org/officeDocument/2006/relationships" xmlns:mc="http://schemas.openxmlformats.org/markup-compatibility/2006" xmlns:mv="urn:schemas-microsoft-com:mac:vml" xmlns:p="http://schemas.openxmlformats.org/presentationml/2006/main" xmlns:c="http://schemas.openxmlformats.org/drawingml/2006/chart" xmlns:dgm="http://schemas.openxmlformats.org/drawingml/2006/diagram" xmlns:o="urn:schemas-microsoft-com:office:office" xmlns:v="urn:schemas-microsoft-com:vml" xmlns:pvml="urn:schemas-microsoft-com:office:powerpoint" xmlns:com="http://schemas.openxmlformats.org/drawingml/2006/compatibility" xmlns:p14="http://schemas.microsoft.com/office/powerpoint/2010/main" xmlns:p15="http://schemas.microsoft.com/office/powerpoint/2012/main" xmlns:ahyp="http://schemas.microsoft.com/office/drawing/2018/hyperlinkcolor" showMasterPhAnim="0" showMasterSp="0">
+<p:notes xmlns:a="http://schemas.openxmlformats.org/drawingml/2006/main" xmlns:r="http://schemas.openxmlformats.org/officeDocument/2006/relationships" xmlns:p="http://schemas.openxmlformats.org/presentationml/2006/main" showMasterSp="0" showMasterPhAnim="0">
   <p:cSld>
     <p:spTree>
       <p:nvGrpSpPr>
-        <p:cNvPr id="122" name="Shape 122"/>
+        <p:cNvPr id="1" name="Shape 122"/>
         <p:cNvGrpSpPr/>
         <p:nvPr/>
       </p:nvGrpSpPr>
@@ -831,20 +861,26 @@
       <p:sp>
         <p:nvSpPr>
           <p:cNvPr id="123" name="Google Shape;123;gc46cd0dcea_0_57:notes"/>
-          <p:cNvSpPr/>
+          <p:cNvSpPr>
+            <a:spLocks noGrp="1" noRot="1" noChangeAspect="1"/>
+          </p:cNvSpPr>
           <p:nvPr>
-            <p:ph idx="2" type="sldImg"/>
+            <p:ph type="sldImg" idx="2"/>
           </p:nvPr>
         </p:nvSpPr>
         <p:spPr>
           <a:xfrm>
-            <a:off x="381300" y="685800"/>
+            <a:off x="381000" y="685800"/>
             <a:ext cx="6096000" cy="3429000"/>
           </a:xfrm>
           <a:custGeom>
-            <a:rect b="b" l="l" r="r" t="t"/>
+            <a:avLst/>
+            <a:gdLst/>
+            <a:ahLst/>
+            <a:cxnLst/>
+            <a:rect l="l" t="t" r="r" b="b"/>
             <a:pathLst>
-              <a:path extrusionOk="0" h="120000" w="120000">
+              <a:path w="120000" h="120000" extrusionOk="0">
                 <a:moveTo>
                   <a:pt x="0" y="0"/>
                 </a:moveTo>
@@ -866,9 +902,11 @@
       <p:sp>
         <p:nvSpPr>
           <p:cNvPr id="124" name="Google Shape;124;gc46cd0dcea_0_57:notes"/>
-          <p:cNvSpPr txBox="1"/>
+          <p:cNvSpPr txBox="1">
+            <a:spLocks noGrp="1"/>
+          </p:cNvSpPr>
           <p:nvPr>
-            <p:ph idx="1" type="body"/>
+            <p:ph type="body" idx="1"/>
           </p:nvPr>
         </p:nvSpPr>
         <p:spPr>
@@ -881,12 +919,12 @@
           </a:prstGeom>
         </p:spPr>
         <p:txBody>
-          <a:bodyPr anchorCtr="0" anchor="t" bIns="91425" lIns="91425" spcFirstLastPara="1" rIns="91425" wrap="square" tIns="91425">
+          <a:bodyPr spcFirstLastPara="1" wrap="square" lIns="91425" tIns="91425" rIns="91425" bIns="91425" anchor="t" anchorCtr="0">
             <a:noAutofit/>
           </a:bodyPr>
           <a:lstStyle/>
           <a:p>
-            <a:pPr indent="0" lvl="0" marL="0" rtl="0" algn="l">
+            <a:pPr marL="0" lvl="0" indent="0" algn="l" rtl="0">
               <a:spcBef>
                 <a:spcPts val="0"/>
               </a:spcBef>
@@ -895,108 +933,6 @@
               </a:spcAft>
               <a:buNone/>
             </a:pPr>
-            <a:r>
-              <a:t/>
-            </a:r>
-            <a:endParaRPr/>
-          </a:p>
-        </p:txBody>
-      </p:sp>
-    </p:spTree>
-  </p:cSld>
-  <p:clrMapOvr>
-    <a:masterClrMapping/>
-  </p:clrMapOvr>
-</p:notes>
-</file>
-
-<file path=ppt/notesSlides/notesSlide11.xml><?xml version="1.0" encoding="utf-8"?>
-<p:notes xmlns:a="http://schemas.openxmlformats.org/drawingml/2006/main" xmlns:r="http://schemas.openxmlformats.org/officeDocument/2006/relationships" xmlns:mc="http://schemas.openxmlformats.org/markup-compatibility/2006" xmlns:mv="urn:schemas-microsoft-com:mac:vml" xmlns:p="http://schemas.openxmlformats.org/presentationml/2006/main" xmlns:c="http://schemas.openxmlformats.org/drawingml/2006/chart" xmlns:dgm="http://schemas.openxmlformats.org/drawingml/2006/diagram" xmlns:o="urn:schemas-microsoft-com:office:office" xmlns:v="urn:schemas-microsoft-com:vml" xmlns:pvml="urn:schemas-microsoft-com:office:powerpoint" xmlns:com="http://schemas.openxmlformats.org/drawingml/2006/compatibility" xmlns:p14="http://schemas.microsoft.com/office/powerpoint/2010/main" xmlns:p15="http://schemas.microsoft.com/office/powerpoint/2012/main" xmlns:ahyp="http://schemas.microsoft.com/office/drawing/2018/hyperlinkcolor" showMasterPhAnim="0" showMasterSp="0">
-  <p:cSld>
-    <p:spTree>
-      <p:nvGrpSpPr>
-        <p:cNvPr id="134" name="Shape 134"/>
-        <p:cNvGrpSpPr/>
-        <p:nvPr/>
-      </p:nvGrpSpPr>
-      <p:grpSpPr>
-        <a:xfrm>
-          <a:off x="0" y="0"/>
-          <a:ext cx="0" cy="0"/>
-          <a:chOff x="0" y="0"/>
-          <a:chExt cx="0" cy="0"/>
-        </a:xfrm>
-      </p:grpSpPr>
-      <p:sp>
-        <p:nvSpPr>
-          <p:cNvPr id="135" name="Google Shape;135;gc65ee3b679_0_0:notes"/>
-          <p:cNvSpPr/>
-          <p:nvPr>
-            <p:ph idx="2" type="sldImg"/>
-          </p:nvPr>
-        </p:nvSpPr>
-        <p:spPr>
-          <a:xfrm>
-            <a:off x="381300" y="685800"/>
-            <a:ext cx="6096000" cy="3429000"/>
-          </a:xfrm>
-          <a:custGeom>
-            <a:rect b="b" l="l" r="r" t="t"/>
-            <a:pathLst>
-              <a:path extrusionOk="0" h="120000" w="120000">
-                <a:moveTo>
-                  <a:pt x="0" y="0"/>
-                </a:moveTo>
-                <a:lnTo>
-                  <a:pt x="120000" y="0"/>
-                </a:lnTo>
-                <a:lnTo>
-                  <a:pt x="120000" y="120000"/>
-                </a:lnTo>
-                <a:lnTo>
-                  <a:pt x="0" y="120000"/>
-                </a:lnTo>
-                <a:close/>
-              </a:path>
-            </a:pathLst>
-          </a:custGeom>
-        </p:spPr>
-      </p:sp>
-      <p:sp>
-        <p:nvSpPr>
-          <p:cNvPr id="136" name="Google Shape;136;gc65ee3b679_0_0:notes"/>
-          <p:cNvSpPr txBox="1"/>
-          <p:nvPr>
-            <p:ph idx="1" type="body"/>
-          </p:nvPr>
-        </p:nvSpPr>
-        <p:spPr>
-          <a:xfrm>
-            <a:off x="685800" y="4343400"/>
-            <a:ext cx="5486400" cy="4114800"/>
-          </a:xfrm>
-          <a:prstGeom prst="rect">
-            <a:avLst/>
-          </a:prstGeom>
-        </p:spPr>
-        <p:txBody>
-          <a:bodyPr anchorCtr="0" anchor="t" bIns="91425" lIns="91425" spcFirstLastPara="1" rIns="91425" wrap="square" tIns="91425">
-            <a:noAutofit/>
-          </a:bodyPr>
-          <a:lstStyle/>
-          <a:p>
-            <a:pPr indent="0" lvl="0" marL="0" rtl="0" algn="l">
-              <a:spcBef>
-                <a:spcPts val="0"/>
-              </a:spcBef>
-              <a:spcAft>
-                <a:spcPts val="0"/>
-              </a:spcAft>
-              <a:buNone/>
-            </a:pPr>
-            <a:r>
-              <a:t/>
-            </a:r>
             <a:endParaRPr/>
           </a:p>
         </p:txBody>
@@ -1010,11 +946,11 @@
 </file>
 
 <file path=ppt/notesSlides/notesSlide2.xml><?xml version="1.0" encoding="utf-8"?>
-<p:notes xmlns:a="http://schemas.openxmlformats.org/drawingml/2006/main" xmlns:r="http://schemas.openxmlformats.org/officeDocument/2006/relationships" xmlns:mc="http://schemas.openxmlformats.org/markup-compatibility/2006" xmlns:mv="urn:schemas-microsoft-com:mac:vml" xmlns:p="http://schemas.openxmlformats.org/presentationml/2006/main" xmlns:c="http://schemas.openxmlformats.org/drawingml/2006/chart" xmlns:dgm="http://schemas.openxmlformats.org/drawingml/2006/diagram" xmlns:o="urn:schemas-microsoft-com:office:office" xmlns:v="urn:schemas-microsoft-com:vml" xmlns:pvml="urn:schemas-microsoft-com:office:powerpoint" xmlns:com="http://schemas.openxmlformats.org/drawingml/2006/compatibility" xmlns:p14="http://schemas.microsoft.com/office/powerpoint/2010/main" xmlns:p15="http://schemas.microsoft.com/office/powerpoint/2012/main" xmlns:ahyp="http://schemas.microsoft.com/office/drawing/2018/hyperlinkcolor" showMasterPhAnim="0" showMasterSp="0">
+<p:notes xmlns:a="http://schemas.openxmlformats.org/drawingml/2006/main" xmlns:r="http://schemas.openxmlformats.org/officeDocument/2006/relationships" xmlns:p="http://schemas.openxmlformats.org/presentationml/2006/main" showMasterSp="0" showMasterPhAnim="0">
   <p:cSld>
     <p:spTree>
       <p:nvGrpSpPr>
-        <p:cNvPr id="70" name="Shape 70"/>
+        <p:cNvPr id="1" name="Shape 70"/>
         <p:cNvGrpSpPr/>
         <p:nvPr/>
       </p:nvGrpSpPr>
@@ -1029,9 +965,11 @@
       <p:sp>
         <p:nvSpPr>
           <p:cNvPr id="71" name="Google Shape;71;g8050e62730_0_500:notes"/>
-          <p:cNvSpPr/>
+          <p:cNvSpPr>
+            <a:spLocks noGrp="1" noRot="1" noChangeAspect="1"/>
+          </p:cNvSpPr>
           <p:nvPr>
-            <p:ph idx="2" type="sldImg"/>
+            <p:ph type="sldImg" idx="2"/>
           </p:nvPr>
         </p:nvSpPr>
         <p:spPr>
@@ -1040,9 +978,13 @@
             <a:ext cx="6096000" cy="3429000"/>
           </a:xfrm>
           <a:custGeom>
-            <a:rect b="b" l="l" r="r" t="t"/>
+            <a:avLst/>
+            <a:gdLst/>
+            <a:ahLst/>
+            <a:cxnLst/>
+            <a:rect l="l" t="t" r="r" b="b"/>
             <a:pathLst>
-              <a:path extrusionOk="0" h="120000" w="120000">
+              <a:path w="120000" h="120000" extrusionOk="0">
                 <a:moveTo>
                   <a:pt x="0" y="0"/>
                 </a:moveTo>
@@ -1064,9 +1006,11 @@
       <p:sp>
         <p:nvSpPr>
           <p:cNvPr id="72" name="Google Shape;72;g8050e62730_0_500:notes"/>
-          <p:cNvSpPr txBox="1"/>
+          <p:cNvSpPr txBox="1">
+            <a:spLocks noGrp="1"/>
+          </p:cNvSpPr>
           <p:nvPr>
-            <p:ph idx="1" type="body"/>
+            <p:ph type="body" idx="1"/>
           </p:nvPr>
         </p:nvSpPr>
         <p:spPr>
@@ -1079,12 +1023,12 @@
           </a:prstGeom>
         </p:spPr>
         <p:txBody>
-          <a:bodyPr anchorCtr="0" anchor="t" bIns="91425" lIns="91425" spcFirstLastPara="1" rIns="91425" wrap="square" tIns="91425">
+          <a:bodyPr spcFirstLastPara="1" wrap="square" lIns="91425" tIns="91425" rIns="91425" bIns="91425" anchor="t" anchorCtr="0">
             <a:noAutofit/>
           </a:bodyPr>
           <a:lstStyle/>
           <a:p>
-            <a:pPr indent="0" lvl="0" marL="0" rtl="0" algn="l">
+            <a:pPr marL="0" lvl="0" indent="0" algn="l" rtl="0">
               <a:spcBef>
                 <a:spcPts val="0"/>
               </a:spcBef>
@@ -1100,7 +1044,7 @@
             <a:endParaRPr/>
           </a:p>
           <a:p>
-            <a:pPr indent="0" lvl="0" marL="0" rtl="0" algn="l">
+            <a:pPr marL="0" lvl="0" indent="0" algn="l" rtl="0">
               <a:spcBef>
                 <a:spcPts val="0"/>
               </a:spcBef>
@@ -1116,7 +1060,7 @@
             <a:endParaRPr/>
           </a:p>
           <a:p>
-            <a:pPr indent="0" lvl="0" marL="0" rtl="0" algn="l">
+            <a:pPr marL="0" lvl="0" indent="0" algn="l" rtl="0">
               <a:spcBef>
                 <a:spcPts val="0"/>
               </a:spcBef>
@@ -1125,13 +1069,10 @@
               </a:spcAft>
               <a:buNone/>
             </a:pPr>
-            <a:r>
-              <a:t/>
-            </a:r>
             <a:endParaRPr/>
           </a:p>
           <a:p>
-            <a:pPr indent="0" lvl="0" marL="0" rtl="0" algn="l">
+            <a:pPr marL="0" lvl="0" indent="0" algn="l" rtl="0">
               <a:spcBef>
                 <a:spcPts val="0"/>
               </a:spcBef>
@@ -1147,7 +1088,7 @@
             <a:endParaRPr/>
           </a:p>
           <a:p>
-            <a:pPr indent="0" lvl="0" marL="0" rtl="0" algn="l">
+            <a:pPr marL="0" lvl="0" indent="0" algn="l" rtl="0">
               <a:spcBef>
                 <a:spcPts val="0"/>
               </a:spcBef>
@@ -1180,11 +1121,11 @@
 </file>
 
 <file path=ppt/notesSlides/notesSlide3.xml><?xml version="1.0" encoding="utf-8"?>
-<p:notes xmlns:a="http://schemas.openxmlformats.org/drawingml/2006/main" xmlns:r="http://schemas.openxmlformats.org/officeDocument/2006/relationships" xmlns:mc="http://schemas.openxmlformats.org/markup-compatibility/2006" xmlns:mv="urn:schemas-microsoft-com:mac:vml" xmlns:p="http://schemas.openxmlformats.org/presentationml/2006/main" xmlns:c="http://schemas.openxmlformats.org/drawingml/2006/chart" xmlns:dgm="http://schemas.openxmlformats.org/drawingml/2006/diagram" xmlns:o="urn:schemas-microsoft-com:office:office" xmlns:v="urn:schemas-microsoft-com:vml" xmlns:pvml="urn:schemas-microsoft-com:office:powerpoint" xmlns:com="http://schemas.openxmlformats.org/drawingml/2006/compatibility" xmlns:p14="http://schemas.microsoft.com/office/powerpoint/2010/main" xmlns:p15="http://schemas.microsoft.com/office/powerpoint/2012/main" xmlns:ahyp="http://schemas.microsoft.com/office/drawing/2018/hyperlinkcolor" showMasterPhAnim="0" showMasterSp="0">
+<p:notes xmlns:a="http://schemas.openxmlformats.org/drawingml/2006/main" xmlns:r="http://schemas.openxmlformats.org/officeDocument/2006/relationships" xmlns:p="http://schemas.openxmlformats.org/presentationml/2006/main" showMasterSp="0" showMasterPhAnim="0">
   <p:cSld>
     <p:spTree>
       <p:nvGrpSpPr>
-        <p:cNvPr id="76" name="Shape 76"/>
+        <p:cNvPr id="1" name="Shape 76"/>
         <p:cNvGrpSpPr/>
         <p:nvPr/>
       </p:nvGrpSpPr>
@@ -1199,9 +1140,11 @@
       <p:sp>
         <p:nvSpPr>
           <p:cNvPr id="77" name="Google Shape;77;g78422161bb_0_1:notes"/>
-          <p:cNvSpPr/>
+          <p:cNvSpPr>
+            <a:spLocks noGrp="1" noRot="1" noChangeAspect="1"/>
+          </p:cNvSpPr>
           <p:nvPr>
-            <p:ph idx="2" type="sldImg"/>
+            <p:ph type="sldImg" idx="2"/>
           </p:nvPr>
         </p:nvSpPr>
         <p:spPr>
@@ -1210,9 +1153,13 @@
             <a:ext cx="6096000" cy="3429000"/>
           </a:xfrm>
           <a:custGeom>
-            <a:rect b="b" l="l" r="r" t="t"/>
+            <a:avLst/>
+            <a:gdLst/>
+            <a:ahLst/>
+            <a:cxnLst/>
+            <a:rect l="l" t="t" r="r" b="b"/>
             <a:pathLst>
-              <a:path extrusionOk="0" h="120000" w="120000">
+              <a:path w="120000" h="120000" extrusionOk="0">
                 <a:moveTo>
                   <a:pt x="0" y="0"/>
                 </a:moveTo>
@@ -1234,9 +1181,11 @@
       <p:sp>
         <p:nvSpPr>
           <p:cNvPr id="78" name="Google Shape;78;g78422161bb_0_1:notes"/>
-          <p:cNvSpPr txBox="1"/>
+          <p:cNvSpPr txBox="1">
+            <a:spLocks noGrp="1"/>
+          </p:cNvSpPr>
           <p:nvPr>
-            <p:ph idx="1" type="body"/>
+            <p:ph type="body" idx="1"/>
           </p:nvPr>
         </p:nvSpPr>
         <p:spPr>
@@ -1249,12 +1198,12 @@
           </a:prstGeom>
         </p:spPr>
         <p:txBody>
-          <a:bodyPr anchorCtr="0" anchor="t" bIns="91425" lIns="91425" spcFirstLastPara="1" rIns="91425" wrap="square" tIns="91425">
+          <a:bodyPr spcFirstLastPara="1" wrap="square" lIns="91425" tIns="91425" rIns="91425" bIns="91425" anchor="t" anchorCtr="0">
             <a:noAutofit/>
           </a:bodyPr>
           <a:lstStyle/>
           <a:p>
-            <a:pPr indent="0" lvl="0" marL="0" rtl="0" algn="l">
+            <a:pPr marL="0" lvl="0" indent="0" algn="l" rtl="0">
               <a:spcBef>
                 <a:spcPts val="0"/>
               </a:spcBef>
@@ -1265,16 +1214,12 @@
             </a:pPr>
             <a:r>
               <a:rPr lang="ja"/>
-              <a:t>１</a:t>
-            </a:r>
-            <a:r>
-              <a:rPr lang="ja"/>
-              <a:t>様々なプラットフォームのゲームを、制作することができます。</a:t>
+              <a:t>１様々なプラットフォームのゲームを、制作することができます。</a:t>
             </a:r>
             <a:endParaRPr/>
           </a:p>
           <a:p>
-            <a:pPr indent="0" lvl="0" marL="0" rtl="0" algn="l">
+            <a:pPr marL="0" lvl="0" indent="0" algn="l" rtl="0">
               <a:spcBef>
                 <a:spcPts val="0"/>
               </a:spcBef>
@@ -1290,7 +1235,7 @@
             <a:endParaRPr/>
           </a:p>
           <a:p>
-            <a:pPr indent="0" lvl="0" marL="0" rtl="0" algn="l">
+            <a:pPr marL="0" lvl="0" indent="0" algn="l" rtl="0">
               <a:spcBef>
                 <a:spcPts val="0"/>
               </a:spcBef>
@@ -1299,13 +1244,10 @@
               </a:spcAft>
               <a:buNone/>
             </a:pPr>
-            <a:r>
-              <a:t/>
-            </a:r>
             <a:endParaRPr/>
           </a:p>
           <a:p>
-            <a:pPr indent="0" lvl="0" marL="0" rtl="0" algn="l">
+            <a:pPr marL="0" lvl="0" indent="0" algn="l" rtl="0">
               <a:spcBef>
                 <a:spcPts val="0"/>
               </a:spcBef>
@@ -1314,9 +1256,6 @@
               </a:spcAft>
               <a:buNone/>
             </a:pPr>
-            <a:r>
-              <a:t/>
-            </a:r>
             <a:endParaRPr/>
           </a:p>
         </p:txBody>
@@ -1330,11 +1269,11 @@
 </file>
 
 <file path=ppt/notesSlides/notesSlide4.xml><?xml version="1.0" encoding="utf-8"?>
-<p:notes xmlns:a="http://schemas.openxmlformats.org/drawingml/2006/main" xmlns:r="http://schemas.openxmlformats.org/officeDocument/2006/relationships" xmlns:mc="http://schemas.openxmlformats.org/markup-compatibility/2006" xmlns:mv="urn:schemas-microsoft-com:mac:vml" xmlns:p="http://schemas.openxmlformats.org/presentationml/2006/main" xmlns:c="http://schemas.openxmlformats.org/drawingml/2006/chart" xmlns:dgm="http://schemas.openxmlformats.org/drawingml/2006/diagram" xmlns:o="urn:schemas-microsoft-com:office:office" xmlns:v="urn:schemas-microsoft-com:vml" xmlns:pvml="urn:schemas-microsoft-com:office:powerpoint" xmlns:com="http://schemas.openxmlformats.org/drawingml/2006/compatibility" xmlns:p14="http://schemas.microsoft.com/office/powerpoint/2010/main" xmlns:p15="http://schemas.microsoft.com/office/powerpoint/2012/main" xmlns:ahyp="http://schemas.microsoft.com/office/drawing/2018/hyperlinkcolor" showMasterPhAnim="0" showMasterSp="0">
+<p:notes xmlns:a="http://schemas.openxmlformats.org/drawingml/2006/main" xmlns:r="http://schemas.openxmlformats.org/officeDocument/2006/relationships" xmlns:p="http://schemas.openxmlformats.org/presentationml/2006/main" showMasterSp="0" showMasterPhAnim="0">
   <p:cSld>
     <p:spTree>
       <p:nvGrpSpPr>
-        <p:cNvPr id="82" name="Shape 82"/>
+        <p:cNvPr id="1" name="Shape 82"/>
         <p:cNvGrpSpPr/>
         <p:nvPr/>
       </p:nvGrpSpPr>
@@ -1349,9 +1288,11 @@
       <p:sp>
         <p:nvSpPr>
           <p:cNvPr id="83" name="Google Shape;83;gc46cd0dcea_0_0:notes"/>
-          <p:cNvSpPr/>
+          <p:cNvSpPr>
+            <a:spLocks noGrp="1" noRot="1" noChangeAspect="1"/>
+          </p:cNvSpPr>
           <p:nvPr>
-            <p:ph idx="2" type="sldImg"/>
+            <p:ph type="sldImg" idx="2"/>
           </p:nvPr>
         </p:nvSpPr>
         <p:spPr>
@@ -1360,9 +1301,13 @@
             <a:ext cx="6096000" cy="3429000"/>
           </a:xfrm>
           <a:custGeom>
-            <a:rect b="b" l="l" r="r" t="t"/>
+            <a:avLst/>
+            <a:gdLst/>
+            <a:ahLst/>
+            <a:cxnLst/>
+            <a:rect l="l" t="t" r="r" b="b"/>
             <a:pathLst>
-              <a:path extrusionOk="0" h="120000" w="120000">
+              <a:path w="120000" h="120000" extrusionOk="0">
                 <a:moveTo>
                   <a:pt x="0" y="0"/>
                 </a:moveTo>
@@ -1384,9 +1329,11 @@
       <p:sp>
         <p:nvSpPr>
           <p:cNvPr id="84" name="Google Shape;84;gc46cd0dcea_0_0:notes"/>
-          <p:cNvSpPr txBox="1"/>
+          <p:cNvSpPr txBox="1">
+            <a:spLocks noGrp="1"/>
+          </p:cNvSpPr>
           <p:nvPr>
-            <p:ph idx="1" type="body"/>
+            <p:ph type="body" idx="1"/>
           </p:nvPr>
         </p:nvSpPr>
         <p:spPr>
@@ -1399,12 +1346,12 @@
           </a:prstGeom>
         </p:spPr>
         <p:txBody>
-          <a:bodyPr anchorCtr="0" anchor="t" bIns="91425" lIns="91425" spcFirstLastPara="1" rIns="91425" wrap="square" tIns="91425">
+          <a:bodyPr spcFirstLastPara="1" wrap="square" lIns="91425" tIns="91425" rIns="91425" bIns="91425" anchor="t" anchorCtr="0">
             <a:noAutofit/>
           </a:bodyPr>
           <a:lstStyle/>
           <a:p>
-            <a:pPr indent="0" lvl="0" marL="0" rtl="0" algn="l">
+            <a:pPr marL="0" lvl="0" indent="0" algn="l" rtl="0">
               <a:spcBef>
                 <a:spcPts val="0"/>
               </a:spcBef>
@@ -1413,9 +1360,6 @@
               </a:spcAft>
               <a:buNone/>
             </a:pPr>
-            <a:r>
-              <a:t/>
-            </a:r>
             <a:endParaRPr/>
           </a:p>
         </p:txBody>
@@ -1429,11 +1373,11 @@
 </file>
 
 <file path=ppt/notesSlides/notesSlide5.xml><?xml version="1.0" encoding="utf-8"?>
-<p:notes xmlns:a="http://schemas.openxmlformats.org/drawingml/2006/main" xmlns:r="http://schemas.openxmlformats.org/officeDocument/2006/relationships" xmlns:mc="http://schemas.openxmlformats.org/markup-compatibility/2006" xmlns:mv="urn:schemas-microsoft-com:mac:vml" xmlns:p="http://schemas.openxmlformats.org/presentationml/2006/main" xmlns:c="http://schemas.openxmlformats.org/drawingml/2006/chart" xmlns:dgm="http://schemas.openxmlformats.org/drawingml/2006/diagram" xmlns:o="urn:schemas-microsoft-com:office:office" xmlns:v="urn:schemas-microsoft-com:vml" xmlns:pvml="urn:schemas-microsoft-com:office:powerpoint" xmlns:com="http://schemas.openxmlformats.org/drawingml/2006/compatibility" xmlns:p14="http://schemas.microsoft.com/office/powerpoint/2010/main" xmlns:p15="http://schemas.microsoft.com/office/powerpoint/2012/main" xmlns:ahyp="http://schemas.microsoft.com/office/drawing/2018/hyperlinkcolor" showMasterPhAnim="0" showMasterSp="0">
+<p:notes xmlns:a="http://schemas.openxmlformats.org/drawingml/2006/main" xmlns:r="http://schemas.openxmlformats.org/officeDocument/2006/relationships" xmlns:p="http://schemas.openxmlformats.org/presentationml/2006/main" showMasterSp="0" showMasterPhAnim="0">
   <p:cSld>
     <p:spTree>
       <p:nvGrpSpPr>
-        <p:cNvPr id="88" name="Shape 88"/>
+        <p:cNvPr id="1" name="Shape 88"/>
         <p:cNvGrpSpPr/>
         <p:nvPr/>
       </p:nvGrpSpPr>
@@ -1448,9 +1392,11 @@
       <p:sp>
         <p:nvSpPr>
           <p:cNvPr id="89" name="Google Shape;89;gc46cd0dcea_0_6:notes"/>
-          <p:cNvSpPr/>
+          <p:cNvSpPr>
+            <a:spLocks noGrp="1" noRot="1" noChangeAspect="1"/>
+          </p:cNvSpPr>
           <p:nvPr>
-            <p:ph idx="2" type="sldImg"/>
+            <p:ph type="sldImg" idx="2"/>
           </p:nvPr>
         </p:nvSpPr>
         <p:spPr>
@@ -1459,9 +1405,13 @@
             <a:ext cx="6096000" cy="3429000"/>
           </a:xfrm>
           <a:custGeom>
-            <a:rect b="b" l="l" r="r" t="t"/>
+            <a:avLst/>
+            <a:gdLst/>
+            <a:ahLst/>
+            <a:cxnLst/>
+            <a:rect l="l" t="t" r="r" b="b"/>
             <a:pathLst>
-              <a:path extrusionOk="0" h="120000" w="120000">
+              <a:path w="120000" h="120000" extrusionOk="0">
                 <a:moveTo>
                   <a:pt x="0" y="0"/>
                 </a:moveTo>
@@ -1483,9 +1433,11 @@
       <p:sp>
         <p:nvSpPr>
           <p:cNvPr id="90" name="Google Shape;90;gc46cd0dcea_0_6:notes"/>
-          <p:cNvSpPr txBox="1"/>
+          <p:cNvSpPr txBox="1">
+            <a:spLocks noGrp="1"/>
+          </p:cNvSpPr>
           <p:nvPr>
-            <p:ph idx="1" type="body"/>
+            <p:ph type="body" idx="1"/>
           </p:nvPr>
         </p:nvSpPr>
         <p:spPr>
@@ -1498,12 +1450,12 @@
           </a:prstGeom>
         </p:spPr>
         <p:txBody>
-          <a:bodyPr anchorCtr="0" anchor="t" bIns="91425" lIns="91425" spcFirstLastPara="1" rIns="91425" wrap="square" tIns="91425">
+          <a:bodyPr spcFirstLastPara="1" wrap="square" lIns="91425" tIns="91425" rIns="91425" bIns="91425" anchor="t" anchorCtr="0">
             <a:noAutofit/>
           </a:bodyPr>
           <a:lstStyle/>
           <a:p>
-            <a:pPr indent="0" lvl="0" marL="0" rtl="0" algn="l">
+            <a:pPr marL="0" lvl="0" indent="0" algn="l" rtl="0">
               <a:spcBef>
                 <a:spcPts val="0"/>
               </a:spcBef>
@@ -1512,9 +1464,6 @@
               </a:spcAft>
               <a:buNone/>
             </a:pPr>
-            <a:r>
-              <a:t/>
-            </a:r>
             <a:endParaRPr/>
           </a:p>
         </p:txBody>
@@ -1528,11 +1477,11 @@
 </file>
 
 <file path=ppt/notesSlides/notesSlide6.xml><?xml version="1.0" encoding="utf-8"?>
-<p:notes xmlns:a="http://schemas.openxmlformats.org/drawingml/2006/main" xmlns:r="http://schemas.openxmlformats.org/officeDocument/2006/relationships" xmlns:mc="http://schemas.openxmlformats.org/markup-compatibility/2006" xmlns:mv="urn:schemas-microsoft-com:mac:vml" xmlns:p="http://schemas.openxmlformats.org/presentationml/2006/main" xmlns:c="http://schemas.openxmlformats.org/drawingml/2006/chart" xmlns:dgm="http://schemas.openxmlformats.org/drawingml/2006/diagram" xmlns:o="urn:schemas-microsoft-com:office:office" xmlns:v="urn:schemas-microsoft-com:vml" xmlns:pvml="urn:schemas-microsoft-com:office:powerpoint" xmlns:com="http://schemas.openxmlformats.org/drawingml/2006/compatibility" xmlns:p14="http://schemas.microsoft.com/office/powerpoint/2010/main" xmlns:p15="http://schemas.microsoft.com/office/powerpoint/2012/main" xmlns:ahyp="http://schemas.microsoft.com/office/drawing/2018/hyperlinkcolor" showMasterPhAnim="0" showMasterSp="0">
+<p:notes xmlns:a="http://schemas.openxmlformats.org/drawingml/2006/main" xmlns:r="http://schemas.openxmlformats.org/officeDocument/2006/relationships" xmlns:p="http://schemas.openxmlformats.org/presentationml/2006/main" showMasterSp="0" showMasterPhAnim="0">
   <p:cSld>
     <p:spTree>
       <p:nvGrpSpPr>
-        <p:cNvPr id="96" name="Shape 96"/>
+        <p:cNvPr id="1" name="Shape 96"/>
         <p:cNvGrpSpPr/>
         <p:nvPr/>
       </p:nvGrpSpPr>
@@ -1547,20 +1496,26 @@
       <p:sp>
         <p:nvSpPr>
           <p:cNvPr id="97" name="Google Shape;97;gc46cd0dcea_0_35:notes"/>
-          <p:cNvSpPr/>
+          <p:cNvSpPr>
+            <a:spLocks noGrp="1" noRot="1" noChangeAspect="1"/>
+          </p:cNvSpPr>
           <p:nvPr>
-            <p:ph idx="2" type="sldImg"/>
+            <p:ph type="sldImg" idx="2"/>
           </p:nvPr>
         </p:nvSpPr>
         <p:spPr>
           <a:xfrm>
-            <a:off x="381300" y="685800"/>
+            <a:off x="381000" y="685800"/>
             <a:ext cx="6096000" cy="3429000"/>
           </a:xfrm>
           <a:custGeom>
-            <a:rect b="b" l="l" r="r" t="t"/>
+            <a:avLst/>
+            <a:gdLst/>
+            <a:ahLst/>
+            <a:cxnLst/>
+            <a:rect l="l" t="t" r="r" b="b"/>
             <a:pathLst>
-              <a:path extrusionOk="0" h="120000" w="120000">
+              <a:path w="120000" h="120000" extrusionOk="0">
                 <a:moveTo>
                   <a:pt x="0" y="0"/>
                 </a:moveTo>
@@ -1582,9 +1537,11 @@
       <p:sp>
         <p:nvSpPr>
           <p:cNvPr id="98" name="Google Shape;98;gc46cd0dcea_0_35:notes"/>
-          <p:cNvSpPr txBox="1"/>
+          <p:cNvSpPr txBox="1">
+            <a:spLocks noGrp="1"/>
+          </p:cNvSpPr>
           <p:nvPr>
-            <p:ph idx="1" type="body"/>
+            <p:ph type="body" idx="1"/>
           </p:nvPr>
         </p:nvSpPr>
         <p:spPr>
@@ -1597,12 +1554,12 @@
           </a:prstGeom>
         </p:spPr>
         <p:txBody>
-          <a:bodyPr anchorCtr="0" anchor="t" bIns="91425" lIns="91425" spcFirstLastPara="1" rIns="91425" wrap="square" tIns="91425">
+          <a:bodyPr spcFirstLastPara="1" wrap="square" lIns="91425" tIns="91425" rIns="91425" bIns="91425" anchor="t" anchorCtr="0">
             <a:noAutofit/>
           </a:bodyPr>
           <a:lstStyle/>
           <a:p>
-            <a:pPr indent="0" lvl="0" marL="0" rtl="0" algn="l">
+            <a:pPr marL="0" lvl="0" indent="0" algn="l" rtl="0">
               <a:spcBef>
                 <a:spcPts val="0"/>
               </a:spcBef>
@@ -1611,9 +1568,6 @@
               </a:spcAft>
               <a:buNone/>
             </a:pPr>
-            <a:r>
-              <a:t/>
-            </a:r>
             <a:endParaRPr/>
           </a:p>
         </p:txBody>
@@ -1627,11 +1581,11 @@
 </file>
 
 <file path=ppt/notesSlides/notesSlide7.xml><?xml version="1.0" encoding="utf-8"?>
-<p:notes xmlns:a="http://schemas.openxmlformats.org/drawingml/2006/main" xmlns:r="http://schemas.openxmlformats.org/officeDocument/2006/relationships" xmlns:mc="http://schemas.openxmlformats.org/markup-compatibility/2006" xmlns:mv="urn:schemas-microsoft-com:mac:vml" xmlns:p="http://schemas.openxmlformats.org/presentationml/2006/main" xmlns:c="http://schemas.openxmlformats.org/drawingml/2006/chart" xmlns:dgm="http://schemas.openxmlformats.org/drawingml/2006/diagram" xmlns:o="urn:schemas-microsoft-com:office:office" xmlns:v="urn:schemas-microsoft-com:vml" xmlns:pvml="urn:schemas-microsoft-com:office:powerpoint" xmlns:com="http://schemas.openxmlformats.org/drawingml/2006/compatibility" xmlns:p14="http://schemas.microsoft.com/office/powerpoint/2010/main" xmlns:p15="http://schemas.microsoft.com/office/powerpoint/2012/main" xmlns:ahyp="http://schemas.microsoft.com/office/drawing/2018/hyperlinkcolor" showMasterPhAnim="0" showMasterSp="0">
+<p:notes xmlns:a="http://schemas.openxmlformats.org/drawingml/2006/main" xmlns:r="http://schemas.openxmlformats.org/officeDocument/2006/relationships" xmlns:p="http://schemas.openxmlformats.org/presentationml/2006/main" showMasterSp="0" showMasterPhAnim="0">
   <p:cSld>
     <p:spTree>
       <p:nvGrpSpPr>
-        <p:cNvPr id="101" name="Shape 101"/>
+        <p:cNvPr id="1" name="Shape 101"/>
         <p:cNvGrpSpPr/>
         <p:nvPr/>
       </p:nvGrpSpPr>
@@ -1646,9 +1600,11 @@
       <p:sp>
         <p:nvSpPr>
           <p:cNvPr id="102" name="Google Shape;102;gc46cd0dcea_0_15:notes"/>
-          <p:cNvSpPr/>
+          <p:cNvSpPr>
+            <a:spLocks noGrp="1" noRot="1" noChangeAspect="1"/>
+          </p:cNvSpPr>
           <p:nvPr>
-            <p:ph idx="2" type="sldImg"/>
+            <p:ph type="sldImg" idx="2"/>
           </p:nvPr>
         </p:nvSpPr>
         <p:spPr>
@@ -1657,9 +1613,13 @@
             <a:ext cx="6096000" cy="3429000"/>
           </a:xfrm>
           <a:custGeom>
-            <a:rect b="b" l="l" r="r" t="t"/>
+            <a:avLst/>
+            <a:gdLst/>
+            <a:ahLst/>
+            <a:cxnLst/>
+            <a:rect l="l" t="t" r="r" b="b"/>
             <a:pathLst>
-              <a:path extrusionOk="0" h="120000" w="120000">
+              <a:path w="120000" h="120000" extrusionOk="0">
                 <a:moveTo>
                   <a:pt x="0" y="0"/>
                 </a:moveTo>
@@ -1681,9 +1641,11 @@
       <p:sp>
         <p:nvSpPr>
           <p:cNvPr id="103" name="Google Shape;103;gc46cd0dcea_0_15:notes"/>
-          <p:cNvSpPr txBox="1"/>
+          <p:cNvSpPr txBox="1">
+            <a:spLocks noGrp="1"/>
+          </p:cNvSpPr>
           <p:nvPr>
-            <p:ph idx="1" type="body"/>
+            <p:ph type="body" idx="1"/>
           </p:nvPr>
         </p:nvSpPr>
         <p:spPr>
@@ -1696,12 +1658,12 @@
           </a:prstGeom>
         </p:spPr>
         <p:txBody>
-          <a:bodyPr anchorCtr="0" anchor="t" bIns="91425" lIns="91425" spcFirstLastPara="1" rIns="91425" wrap="square" tIns="91425">
+          <a:bodyPr spcFirstLastPara="1" wrap="square" lIns="91425" tIns="91425" rIns="91425" bIns="91425" anchor="t" anchorCtr="0">
             <a:noAutofit/>
           </a:bodyPr>
           <a:lstStyle/>
           <a:p>
-            <a:pPr indent="0" lvl="0" marL="0" rtl="0" algn="l">
+            <a:pPr marL="0" lvl="0" indent="0" algn="l" rtl="0">
               <a:spcBef>
                 <a:spcPts val="0"/>
               </a:spcBef>
@@ -1710,9 +1672,6 @@
               </a:spcAft>
               <a:buNone/>
             </a:pPr>
-            <a:r>
-              <a:t/>
-            </a:r>
             <a:endParaRPr/>
           </a:p>
         </p:txBody>
@@ -1726,11 +1685,11 @@
 </file>
 
 <file path=ppt/notesSlides/notesSlide8.xml><?xml version="1.0" encoding="utf-8"?>
-<p:notes xmlns:a="http://schemas.openxmlformats.org/drawingml/2006/main" xmlns:r="http://schemas.openxmlformats.org/officeDocument/2006/relationships" xmlns:mc="http://schemas.openxmlformats.org/markup-compatibility/2006" xmlns:mv="urn:schemas-microsoft-com:mac:vml" xmlns:p="http://schemas.openxmlformats.org/presentationml/2006/main" xmlns:c="http://schemas.openxmlformats.org/drawingml/2006/chart" xmlns:dgm="http://schemas.openxmlformats.org/drawingml/2006/diagram" xmlns:o="urn:schemas-microsoft-com:office:office" xmlns:v="urn:schemas-microsoft-com:vml" xmlns:pvml="urn:schemas-microsoft-com:office:powerpoint" xmlns:com="http://schemas.openxmlformats.org/drawingml/2006/compatibility" xmlns:p14="http://schemas.microsoft.com/office/powerpoint/2010/main" xmlns:p15="http://schemas.microsoft.com/office/powerpoint/2012/main" xmlns:ahyp="http://schemas.microsoft.com/office/drawing/2018/hyperlinkcolor" showMasterPhAnim="0" showMasterSp="0">
+<p:notes xmlns:a="http://schemas.openxmlformats.org/drawingml/2006/main" xmlns:r="http://schemas.openxmlformats.org/officeDocument/2006/relationships" xmlns:p="http://schemas.openxmlformats.org/presentationml/2006/main" showMasterSp="0" showMasterPhAnim="0">
   <p:cSld>
     <p:spTree>
       <p:nvGrpSpPr>
-        <p:cNvPr id="109" name="Shape 109"/>
+        <p:cNvPr id="1" name="Shape 109"/>
         <p:cNvGrpSpPr/>
         <p:nvPr/>
       </p:nvGrpSpPr>
@@ -1745,9 +1704,11 @@
       <p:sp>
         <p:nvSpPr>
           <p:cNvPr id="110" name="Google Shape;110;gc46cd0dcea_0_42:notes"/>
-          <p:cNvSpPr/>
+          <p:cNvSpPr>
+            <a:spLocks noGrp="1" noRot="1" noChangeAspect="1"/>
+          </p:cNvSpPr>
           <p:nvPr>
-            <p:ph idx="2" type="sldImg"/>
+            <p:ph type="sldImg" idx="2"/>
           </p:nvPr>
         </p:nvSpPr>
         <p:spPr>
@@ -1756,9 +1717,13 @@
             <a:ext cx="6096000" cy="3429000"/>
           </a:xfrm>
           <a:custGeom>
-            <a:rect b="b" l="l" r="r" t="t"/>
+            <a:avLst/>
+            <a:gdLst/>
+            <a:ahLst/>
+            <a:cxnLst/>
+            <a:rect l="l" t="t" r="r" b="b"/>
             <a:pathLst>
-              <a:path extrusionOk="0" h="120000" w="120000">
+              <a:path w="120000" h="120000" extrusionOk="0">
                 <a:moveTo>
                   <a:pt x="0" y="0"/>
                 </a:moveTo>
@@ -1780,9 +1745,11 @@
       <p:sp>
         <p:nvSpPr>
           <p:cNvPr id="111" name="Google Shape;111;gc46cd0dcea_0_42:notes"/>
-          <p:cNvSpPr txBox="1"/>
+          <p:cNvSpPr txBox="1">
+            <a:spLocks noGrp="1"/>
+          </p:cNvSpPr>
           <p:nvPr>
-            <p:ph idx="1" type="body"/>
+            <p:ph type="body" idx="1"/>
           </p:nvPr>
         </p:nvSpPr>
         <p:spPr>
@@ -1795,12 +1762,12 @@
           </a:prstGeom>
         </p:spPr>
         <p:txBody>
-          <a:bodyPr anchorCtr="0" anchor="t" bIns="91425" lIns="91425" spcFirstLastPara="1" rIns="91425" wrap="square" tIns="91425">
+          <a:bodyPr spcFirstLastPara="1" wrap="square" lIns="91425" tIns="91425" rIns="91425" bIns="91425" anchor="t" anchorCtr="0">
             <a:noAutofit/>
           </a:bodyPr>
           <a:lstStyle/>
           <a:p>
-            <a:pPr indent="0" lvl="0" marL="0" rtl="0" algn="l">
+            <a:pPr marL="0" lvl="0" indent="0" algn="l" rtl="0">
               <a:spcBef>
                 <a:spcPts val="0"/>
               </a:spcBef>
@@ -1809,9 +1776,6 @@
               </a:spcAft>
               <a:buNone/>
             </a:pPr>
-            <a:r>
-              <a:t/>
-            </a:r>
             <a:endParaRPr/>
           </a:p>
         </p:txBody>
@@ -1825,11 +1789,11 @@
 </file>
 
 <file path=ppt/notesSlides/notesSlide9.xml><?xml version="1.0" encoding="utf-8"?>
-<p:notes xmlns:a="http://schemas.openxmlformats.org/drawingml/2006/main" xmlns:r="http://schemas.openxmlformats.org/officeDocument/2006/relationships" xmlns:mc="http://schemas.openxmlformats.org/markup-compatibility/2006" xmlns:mv="urn:schemas-microsoft-com:mac:vml" xmlns:p="http://schemas.openxmlformats.org/presentationml/2006/main" xmlns:c="http://schemas.openxmlformats.org/drawingml/2006/chart" xmlns:dgm="http://schemas.openxmlformats.org/drawingml/2006/diagram" xmlns:o="urn:schemas-microsoft-com:office:office" xmlns:v="urn:schemas-microsoft-com:vml" xmlns:pvml="urn:schemas-microsoft-com:office:powerpoint" xmlns:com="http://schemas.openxmlformats.org/drawingml/2006/compatibility" xmlns:p14="http://schemas.microsoft.com/office/powerpoint/2010/main" xmlns:p15="http://schemas.microsoft.com/office/powerpoint/2012/main" xmlns:ahyp="http://schemas.microsoft.com/office/drawing/2018/hyperlinkcolor" showMasterPhAnim="0" showMasterSp="0">
+<p:notes xmlns:a="http://schemas.openxmlformats.org/drawingml/2006/main" xmlns:r="http://schemas.openxmlformats.org/officeDocument/2006/relationships" xmlns:p="http://schemas.openxmlformats.org/presentationml/2006/main" showMasterSp="0" showMasterPhAnim="0">
   <p:cSld>
     <p:spTree>
       <p:nvGrpSpPr>
-        <p:cNvPr id="115" name="Shape 115"/>
+        <p:cNvPr id="1" name="Shape 115"/>
         <p:cNvGrpSpPr/>
         <p:nvPr/>
       </p:nvGrpSpPr>
@@ -1844,9 +1808,11 @@
       <p:sp>
         <p:nvSpPr>
           <p:cNvPr id="116" name="Google Shape;116;gc46cd0dcea_0_49:notes"/>
-          <p:cNvSpPr/>
+          <p:cNvSpPr>
+            <a:spLocks noGrp="1" noRot="1" noChangeAspect="1"/>
+          </p:cNvSpPr>
           <p:nvPr>
-            <p:ph idx="2" type="sldImg"/>
+            <p:ph type="sldImg" idx="2"/>
           </p:nvPr>
         </p:nvSpPr>
         <p:spPr>
@@ -1855,9 +1821,13 @@
             <a:ext cx="6096000" cy="3429000"/>
           </a:xfrm>
           <a:custGeom>
-            <a:rect b="b" l="l" r="r" t="t"/>
+            <a:avLst/>
+            <a:gdLst/>
+            <a:ahLst/>
+            <a:cxnLst/>
+            <a:rect l="l" t="t" r="r" b="b"/>
             <a:pathLst>
-              <a:path extrusionOk="0" h="120000" w="120000">
+              <a:path w="120000" h="120000" extrusionOk="0">
                 <a:moveTo>
                   <a:pt x="0" y="0"/>
                 </a:moveTo>
@@ -1879,9 +1849,11 @@
       <p:sp>
         <p:nvSpPr>
           <p:cNvPr id="117" name="Google Shape;117;gc46cd0dcea_0_49:notes"/>
-          <p:cNvSpPr txBox="1"/>
+          <p:cNvSpPr txBox="1">
+            <a:spLocks noGrp="1"/>
+          </p:cNvSpPr>
           <p:nvPr>
-            <p:ph idx="1" type="body"/>
+            <p:ph type="body" idx="1"/>
           </p:nvPr>
         </p:nvSpPr>
         <p:spPr>
@@ -1894,12 +1866,12 @@
           </a:prstGeom>
         </p:spPr>
         <p:txBody>
-          <a:bodyPr anchorCtr="0" anchor="t" bIns="91425" lIns="91425" spcFirstLastPara="1" rIns="91425" wrap="square" tIns="91425">
+          <a:bodyPr spcFirstLastPara="1" wrap="square" lIns="91425" tIns="91425" rIns="91425" bIns="91425" anchor="t" anchorCtr="0">
             <a:noAutofit/>
           </a:bodyPr>
           <a:lstStyle/>
           <a:p>
-            <a:pPr indent="0" lvl="0" marL="0" rtl="0" algn="l">
+            <a:pPr marL="0" lvl="0" indent="0" algn="l" rtl="0">
               <a:spcBef>
                 <a:spcPts val="0"/>
               </a:spcBef>
@@ -1908,9 +1880,6 @@
               </a:spcAft>
               <a:buNone/>
             </a:pPr>
-            <a:r>
-              <a:t/>
-            </a:r>
             <a:endParaRPr/>
           </a:p>
         </p:txBody>
@@ -1924,11 +1893,11 @@
 </file>
 
 <file path=ppt/slideLayouts/slideLayout1.xml><?xml version="1.0" encoding="utf-8"?>
-<p:sldLayout xmlns:a="http://schemas.openxmlformats.org/drawingml/2006/main" xmlns:r="http://schemas.openxmlformats.org/officeDocument/2006/relationships" xmlns:mc="http://schemas.openxmlformats.org/markup-compatibility/2006" xmlns:mv="urn:schemas-microsoft-com:mac:vml" xmlns:p="http://schemas.openxmlformats.org/presentationml/2006/main" xmlns:c="http://schemas.openxmlformats.org/drawingml/2006/chart" xmlns:dgm="http://schemas.openxmlformats.org/drawingml/2006/diagram" xmlns:o="urn:schemas-microsoft-com:office:office" xmlns:v="urn:schemas-microsoft-com:vml" xmlns:pvml="urn:schemas-microsoft-com:office:powerpoint" xmlns:com="http://schemas.openxmlformats.org/drawingml/2006/compatibility" xmlns:p14="http://schemas.microsoft.com/office/powerpoint/2010/main" xmlns:p15="http://schemas.microsoft.com/office/powerpoint/2012/main" xmlns:ahyp="http://schemas.microsoft.com/office/drawing/2018/hyperlinkcolor" matchingName="Title slide" type="title">
+<p:sldLayout xmlns:a="http://schemas.openxmlformats.org/drawingml/2006/main" xmlns:r="http://schemas.openxmlformats.org/officeDocument/2006/relationships" xmlns:p="http://schemas.openxmlformats.org/presentationml/2006/main" matchingName="Title slide" type="title">
   <p:cSld name="TITLE">
     <p:spTree>
       <p:nvGrpSpPr>
-        <p:cNvPr id="9" name="Shape 9"/>
+        <p:cNvPr id="1" name="Shape 9"/>
         <p:cNvGrpSpPr/>
         <p:nvPr/>
       </p:nvGrpSpPr>
@@ -1962,12 +1931,12 @@
           </a:ln>
         </p:spPr>
         <p:txBody>
-          <a:bodyPr anchorCtr="0" anchor="ctr" bIns="91425" lIns="91425" spcFirstLastPara="1" rIns="91425" wrap="square" tIns="91425">
+          <a:bodyPr spcFirstLastPara="1" wrap="square" lIns="91425" tIns="91425" rIns="91425" bIns="91425" anchor="ctr" anchorCtr="0">
             <a:noAutofit/>
           </a:bodyPr>
           <a:lstStyle/>
           <a:p>
-            <a:pPr indent="0" lvl="0" marL="0" rtl="0" algn="l">
+            <a:pPr marL="0" lvl="0" indent="0" algn="l" rtl="0">
               <a:spcBef>
                 <a:spcPts val="0"/>
               </a:spcBef>
@@ -1976,9 +1945,6 @@
               </a:spcAft>
               <a:buNone/>
             </a:pPr>
-            <a:r>
-              <a:t/>
-            </a:r>
             <a:endParaRPr/>
           </a:p>
         </p:txBody>
@@ -2005,12 +1971,12 @@
           </a:ln>
         </p:spPr>
         <p:txBody>
-          <a:bodyPr anchorCtr="0" anchor="ctr" bIns="91425" lIns="91425" spcFirstLastPara="1" rIns="91425" wrap="square" tIns="91425">
+          <a:bodyPr spcFirstLastPara="1" wrap="square" lIns="91425" tIns="91425" rIns="91425" bIns="91425" anchor="ctr" anchorCtr="0">
             <a:noAutofit/>
           </a:bodyPr>
           <a:lstStyle/>
           <a:p>
-            <a:pPr indent="0" lvl="0" marL="0" rtl="0" algn="l">
+            <a:pPr marL="0" lvl="0" indent="0" algn="l" rtl="0">
               <a:spcBef>
                 <a:spcPts val="0"/>
               </a:spcBef>
@@ -2019,9 +1985,6 @@
               </a:spcAft>
               <a:buNone/>
             </a:pPr>
-            <a:r>
-              <a:t/>
-            </a:r>
             <a:endParaRPr/>
           </a:p>
         </p:txBody>
@@ -2041,21 +2004,23 @@
             <a:avLst/>
           </a:prstGeom>
           <a:noFill/>
-          <a:ln cap="flat" cmpd="sng" w="28575">
+          <a:ln w="28575" cap="flat" cmpd="sng">
             <a:solidFill>
               <a:schemeClr val="dk1"/>
             </a:solidFill>
             <a:prstDash val="solid"/>
             <a:round/>
-            <a:headEnd len="sm" w="sm" type="none"/>
-            <a:tailEnd len="sm" w="sm" type="none"/>
+            <a:headEnd type="none" w="sm" len="sm"/>
+            <a:tailEnd type="none" w="sm" len="sm"/>
           </a:ln>
         </p:spPr>
       </p:cxnSp>
       <p:sp>
         <p:nvSpPr>
           <p:cNvPr id="13" name="Google Shape;13;p2"/>
-          <p:cNvSpPr txBox="1"/>
+          <p:cNvSpPr txBox="1">
+            <a:spLocks noGrp="1"/>
+          </p:cNvSpPr>
           <p:nvPr>
             <p:ph type="ctrTitle"/>
           </p:nvPr>
@@ -2070,7 +2035,7 @@
           </a:prstGeom>
         </p:spPr>
         <p:txBody>
-          <a:bodyPr anchorCtr="0" anchor="b" bIns="91425" lIns="91425" spcFirstLastPara="1" rIns="91425" wrap="square" tIns="91425">
+          <a:bodyPr spcFirstLastPara="1" wrap="square" lIns="91425" tIns="91425" rIns="91425" bIns="91425" anchor="b" anchorCtr="0">
             <a:noAutofit/>
           </a:bodyPr>
           <a:lstStyle>
@@ -2174,15 +2139,19 @@
               <a:defRPr sz="4800"/>
             </a:lvl9pPr>
           </a:lstStyle>
-          <a:p/>
+          <a:p>
+            <a:endParaRPr/>
+          </a:p>
         </p:txBody>
       </p:sp>
       <p:sp>
         <p:nvSpPr>
           <p:cNvPr id="14" name="Google Shape;14;p2"/>
-          <p:cNvSpPr txBox="1"/>
+          <p:cNvSpPr txBox="1">
+            <a:spLocks noGrp="1"/>
+          </p:cNvSpPr>
           <p:nvPr>
-            <p:ph idx="1" type="subTitle"/>
+            <p:ph type="subTitle" idx="1"/>
           </p:nvPr>
         </p:nvSpPr>
         <p:spPr>
@@ -2195,7 +2164,7 @@
           </a:prstGeom>
         </p:spPr>
         <p:txBody>
-          <a:bodyPr anchorCtr="0" anchor="b" bIns="91425" lIns="91425" spcFirstLastPara="1" rIns="91425" wrap="square" tIns="91425">
+          <a:bodyPr spcFirstLastPara="1" wrap="square" lIns="91425" tIns="91425" rIns="91425" bIns="91425" anchor="b" anchorCtr="0">
             <a:noAutofit/>
           </a:bodyPr>
           <a:lstStyle>
@@ -2389,15 +2358,19 @@
               </a:defRPr>
             </a:lvl9pPr>
           </a:lstStyle>
-          <a:p/>
+          <a:p>
+            <a:endParaRPr/>
+          </a:p>
         </p:txBody>
       </p:sp>
       <p:sp>
         <p:nvSpPr>
           <p:cNvPr id="15" name="Google Shape;15;p2"/>
-          <p:cNvSpPr txBox="1"/>
+          <p:cNvSpPr txBox="1">
+            <a:spLocks noGrp="1"/>
+          </p:cNvSpPr>
           <p:nvPr>
-            <p:ph idx="12" type="sldNum"/>
+            <p:ph type="sldNum" idx="12"/>
           </p:nvPr>
         </p:nvSpPr>
         <p:spPr>
@@ -2410,7 +2383,7 @@
           </a:prstGeom>
         </p:spPr>
         <p:txBody>
-          <a:bodyPr anchorCtr="0" anchor="ctr" bIns="91425" lIns="91425" spcFirstLastPara="1" rIns="91425" wrap="square" tIns="91425">
+          <a:bodyPr spcFirstLastPara="1" wrap="square" lIns="91425" tIns="91425" rIns="91425" bIns="91425" anchor="ctr" anchorCtr="0">
             <a:noAutofit/>
           </a:bodyPr>
           <a:lstStyle>
@@ -2452,7 +2425,7 @@
             </a:lvl9pPr>
           </a:lstStyle>
           <a:p>
-            <a:pPr indent="0" lvl="0" marL="0" rtl="0" algn="r">
+            <a:pPr marL="0" lvl="0" indent="0" algn="r" rtl="0">
               <a:spcBef>
                 <a:spcPts val="0"/>
               </a:spcBef>
@@ -2478,11 +2451,11 @@
 </file>
 
 <file path=ppt/slideLayouts/slideLayout10.xml><?xml version="1.0" encoding="utf-8"?>
-<p:sldLayout xmlns:a="http://schemas.openxmlformats.org/drawingml/2006/main" xmlns:r="http://schemas.openxmlformats.org/officeDocument/2006/relationships" xmlns:mc="http://schemas.openxmlformats.org/markup-compatibility/2006" xmlns:mv="urn:schemas-microsoft-com:mac:vml" xmlns:p="http://schemas.openxmlformats.org/presentationml/2006/main" xmlns:c="http://schemas.openxmlformats.org/drawingml/2006/chart" xmlns:dgm="http://schemas.openxmlformats.org/drawingml/2006/diagram" xmlns:o="urn:schemas-microsoft-com:office:office" xmlns:v="urn:schemas-microsoft-com:vml" xmlns:pvml="urn:schemas-microsoft-com:office:powerpoint" xmlns:com="http://schemas.openxmlformats.org/drawingml/2006/compatibility" xmlns:p14="http://schemas.microsoft.com/office/powerpoint/2010/main" xmlns:p15="http://schemas.microsoft.com/office/powerpoint/2012/main" xmlns:ahyp="http://schemas.microsoft.com/office/drawing/2018/hyperlinkcolor" matchingName="Big number">
+<p:sldLayout xmlns:a="http://schemas.openxmlformats.org/drawingml/2006/main" xmlns:r="http://schemas.openxmlformats.org/officeDocument/2006/relationships" xmlns:p="http://schemas.openxmlformats.org/presentationml/2006/main" matchingName="Big number">
   <p:cSld name="BIG_NUMBER">
     <p:spTree>
       <p:nvGrpSpPr>
-        <p:cNvPr id="56" name="Shape 56"/>
+        <p:cNvPr id="1" name="Shape 56"/>
         <p:cNvGrpSpPr/>
         <p:nvPr/>
       </p:nvGrpSpPr>
@@ -2516,12 +2489,12 @@
           </a:ln>
         </p:spPr>
         <p:txBody>
-          <a:bodyPr anchorCtr="0" anchor="ctr" bIns="91425" lIns="91425" spcFirstLastPara="1" rIns="91425" wrap="square" tIns="91425">
+          <a:bodyPr spcFirstLastPara="1" wrap="square" lIns="91425" tIns="91425" rIns="91425" bIns="91425" anchor="ctr" anchorCtr="0">
             <a:noAutofit/>
           </a:bodyPr>
           <a:lstStyle/>
           <a:p>
-            <a:pPr indent="0" lvl="0" marL="0" rtl="0" algn="l">
+            <a:pPr marL="0" lvl="0" indent="0" algn="l" rtl="0">
               <a:spcBef>
                 <a:spcPts val="0"/>
               </a:spcBef>
@@ -2530,9 +2503,6 @@
               </a:spcAft>
               <a:buNone/>
             </a:pPr>
-            <a:r>
-              <a:t/>
-            </a:r>
             <a:endParaRPr/>
           </a:p>
         </p:txBody>
@@ -2559,12 +2529,12 @@
           </a:ln>
         </p:spPr>
         <p:txBody>
-          <a:bodyPr anchorCtr="0" anchor="ctr" bIns="91425" lIns="91425" spcFirstLastPara="1" rIns="91425" wrap="square" tIns="91425">
+          <a:bodyPr spcFirstLastPara="1" wrap="square" lIns="91425" tIns="91425" rIns="91425" bIns="91425" anchor="ctr" anchorCtr="0">
             <a:noAutofit/>
           </a:bodyPr>
           <a:lstStyle/>
           <a:p>
-            <a:pPr indent="0" lvl="0" marL="0" rtl="0" algn="l">
+            <a:pPr marL="0" lvl="0" indent="0" algn="l" rtl="0">
               <a:spcBef>
                 <a:spcPts val="0"/>
               </a:spcBef>
@@ -2573,9 +2543,6 @@
               </a:spcAft>
               <a:buNone/>
             </a:pPr>
-            <a:r>
-              <a:t/>
-            </a:r>
             <a:endParaRPr/>
           </a:p>
         </p:txBody>
@@ -2583,9 +2550,11 @@
       <p:sp>
         <p:nvSpPr>
           <p:cNvPr id="59" name="Google Shape;59;p11"/>
-          <p:cNvSpPr txBox="1"/>
+          <p:cNvSpPr txBox="1">
+            <a:spLocks noGrp="1"/>
+          </p:cNvSpPr>
           <p:nvPr>
-            <p:ph hasCustomPrompt="1" type="title"/>
+            <p:ph type="title" hasCustomPrompt="1"/>
           </p:nvPr>
         </p:nvSpPr>
         <p:spPr>
@@ -2598,7 +2567,7 @@
           </a:prstGeom>
         </p:spPr>
         <p:txBody>
-          <a:bodyPr anchorCtr="0" anchor="ctr" bIns="91425" lIns="91425" spcFirstLastPara="1" rIns="91425" wrap="square" tIns="91425">
+          <a:bodyPr spcFirstLastPara="1" wrap="square" lIns="91425" tIns="91425" rIns="91425" bIns="91425" anchor="ctr" anchorCtr="0">
             <a:noAutofit/>
           </a:bodyPr>
           <a:lstStyle>
@@ -2775,9 +2744,11 @@
       <p:sp>
         <p:nvSpPr>
           <p:cNvPr id="60" name="Google Shape;60;p11"/>
-          <p:cNvSpPr txBox="1"/>
+          <p:cNvSpPr txBox="1">
+            <a:spLocks noGrp="1"/>
+          </p:cNvSpPr>
           <p:nvPr>
-            <p:ph idx="1" type="body"/>
+            <p:ph type="body" idx="1"/>
           </p:nvPr>
         </p:nvSpPr>
         <p:spPr>
@@ -2790,11 +2761,11 @@
           </a:prstGeom>
         </p:spPr>
         <p:txBody>
-          <a:bodyPr anchorCtr="0" anchor="t" bIns="91425" lIns="91425" spcFirstLastPara="1" rIns="91425" wrap="square" tIns="91425">
+          <a:bodyPr spcFirstLastPara="1" wrap="square" lIns="91425" tIns="91425" rIns="91425" bIns="91425" anchor="t" anchorCtr="0">
             <a:noAutofit/>
           </a:bodyPr>
           <a:lstStyle>
-            <a:lvl1pPr indent="-342900" lvl="0" marL="457200" algn="ctr">
+            <a:lvl1pPr marL="457200" lvl="0" indent="-342900" algn="ctr">
               <a:spcBef>
                 <a:spcPts val="0"/>
               </a:spcBef>
@@ -2805,7 +2776,7 @@
               <a:buChar char="●"/>
               <a:defRPr/>
             </a:lvl1pPr>
-            <a:lvl2pPr indent="-317500" lvl="1" marL="914400" algn="ctr">
+            <a:lvl2pPr marL="914400" lvl="1" indent="-317500" algn="ctr">
               <a:spcBef>
                 <a:spcPts val="1600"/>
               </a:spcBef>
@@ -2816,7 +2787,7 @@
               <a:buChar char="○"/>
               <a:defRPr/>
             </a:lvl2pPr>
-            <a:lvl3pPr indent="-317500" lvl="2" marL="1371600" algn="ctr">
+            <a:lvl3pPr marL="1371600" lvl="2" indent="-317500" algn="ctr">
               <a:spcBef>
                 <a:spcPts val="1600"/>
               </a:spcBef>
@@ -2827,7 +2798,7 @@
               <a:buChar char="■"/>
               <a:defRPr/>
             </a:lvl3pPr>
-            <a:lvl4pPr indent="-317500" lvl="3" marL="1828800" algn="ctr">
+            <a:lvl4pPr marL="1828800" lvl="3" indent="-317500" algn="ctr">
               <a:spcBef>
                 <a:spcPts val="1600"/>
               </a:spcBef>
@@ -2838,7 +2809,7 @@
               <a:buChar char="●"/>
               <a:defRPr/>
             </a:lvl4pPr>
-            <a:lvl5pPr indent="-317500" lvl="4" marL="2286000" algn="ctr">
+            <a:lvl5pPr marL="2286000" lvl="4" indent="-317500" algn="ctr">
               <a:spcBef>
                 <a:spcPts val="1600"/>
               </a:spcBef>
@@ -2849,7 +2820,7 @@
               <a:buChar char="○"/>
               <a:defRPr/>
             </a:lvl5pPr>
-            <a:lvl6pPr indent="-317500" lvl="5" marL="2743200" algn="ctr">
+            <a:lvl6pPr marL="2743200" lvl="5" indent="-317500" algn="ctr">
               <a:spcBef>
                 <a:spcPts val="1600"/>
               </a:spcBef>
@@ -2860,7 +2831,7 @@
               <a:buChar char="■"/>
               <a:defRPr/>
             </a:lvl6pPr>
-            <a:lvl7pPr indent="-317500" lvl="6" marL="3200400" algn="ctr">
+            <a:lvl7pPr marL="3200400" lvl="6" indent="-317500" algn="ctr">
               <a:spcBef>
                 <a:spcPts val="1600"/>
               </a:spcBef>
@@ -2871,7 +2842,7 @@
               <a:buChar char="●"/>
               <a:defRPr/>
             </a:lvl7pPr>
-            <a:lvl8pPr indent="-317500" lvl="7" marL="3657600" algn="ctr">
+            <a:lvl8pPr marL="3657600" lvl="7" indent="-317500" algn="ctr">
               <a:spcBef>
                 <a:spcPts val="1600"/>
               </a:spcBef>
@@ -2882,7 +2853,7 @@
               <a:buChar char="○"/>
               <a:defRPr/>
             </a:lvl8pPr>
-            <a:lvl9pPr indent="-317500" lvl="8" marL="4114800" algn="ctr">
+            <a:lvl9pPr marL="4114800" lvl="8" indent="-317500" algn="ctr">
               <a:spcBef>
                 <a:spcPts val="1600"/>
               </a:spcBef>
@@ -2894,15 +2865,19 @@
               <a:defRPr/>
             </a:lvl9pPr>
           </a:lstStyle>
-          <a:p/>
+          <a:p>
+            <a:endParaRPr/>
+          </a:p>
         </p:txBody>
       </p:sp>
       <p:sp>
         <p:nvSpPr>
           <p:cNvPr id="61" name="Google Shape;61;p11"/>
-          <p:cNvSpPr txBox="1"/>
+          <p:cNvSpPr txBox="1">
+            <a:spLocks noGrp="1"/>
+          </p:cNvSpPr>
           <p:nvPr>
-            <p:ph idx="12" type="sldNum"/>
+            <p:ph type="sldNum" idx="12"/>
           </p:nvPr>
         </p:nvSpPr>
         <p:spPr>
@@ -2915,7 +2890,7 @@
           </a:prstGeom>
         </p:spPr>
         <p:txBody>
-          <a:bodyPr anchorCtr="0" anchor="ctr" bIns="91425" lIns="91425" spcFirstLastPara="1" rIns="91425" wrap="square" tIns="91425">
+          <a:bodyPr spcFirstLastPara="1" wrap="square" lIns="91425" tIns="91425" rIns="91425" bIns="91425" anchor="ctr" anchorCtr="0">
             <a:noAutofit/>
           </a:bodyPr>
           <a:lstStyle>
@@ -2957,7 +2932,7 @@
             </a:lvl9pPr>
           </a:lstStyle>
           <a:p>
-            <a:pPr indent="0" lvl="0" marL="0" rtl="0" algn="r">
+            <a:pPr marL="0" lvl="0" indent="0" algn="r" rtl="0">
               <a:spcBef>
                 <a:spcPts val="0"/>
               </a:spcBef>
@@ -2983,11 +2958,11 @@
 </file>
 
 <file path=ppt/slideLayouts/slideLayout11.xml><?xml version="1.0" encoding="utf-8"?>
-<p:sldLayout xmlns:a="http://schemas.openxmlformats.org/drawingml/2006/main" xmlns:r="http://schemas.openxmlformats.org/officeDocument/2006/relationships" xmlns:mc="http://schemas.openxmlformats.org/markup-compatibility/2006" xmlns:mv="urn:schemas-microsoft-com:mac:vml" xmlns:p="http://schemas.openxmlformats.org/presentationml/2006/main" xmlns:c="http://schemas.openxmlformats.org/drawingml/2006/chart" xmlns:dgm="http://schemas.openxmlformats.org/drawingml/2006/diagram" xmlns:o="urn:schemas-microsoft-com:office:office" xmlns:v="urn:schemas-microsoft-com:vml" xmlns:pvml="urn:schemas-microsoft-com:office:powerpoint" xmlns:com="http://schemas.openxmlformats.org/drawingml/2006/compatibility" xmlns:p14="http://schemas.microsoft.com/office/powerpoint/2010/main" xmlns:p15="http://schemas.microsoft.com/office/powerpoint/2012/main" xmlns:ahyp="http://schemas.microsoft.com/office/drawing/2018/hyperlinkcolor" matchingName="Blank" type="blank">
+<p:sldLayout xmlns:a="http://schemas.openxmlformats.org/drawingml/2006/main" xmlns:r="http://schemas.openxmlformats.org/officeDocument/2006/relationships" xmlns:p="http://schemas.openxmlformats.org/presentationml/2006/main" matchingName="Blank" type="blank">
   <p:cSld name="BLANK">
     <p:spTree>
       <p:nvGrpSpPr>
-        <p:cNvPr id="62" name="Shape 62"/>
+        <p:cNvPr id="1" name="Shape 62"/>
         <p:cNvGrpSpPr/>
         <p:nvPr/>
       </p:nvGrpSpPr>
@@ -3002,9 +2977,11 @@
       <p:sp>
         <p:nvSpPr>
           <p:cNvPr id="63" name="Google Shape;63;p12"/>
-          <p:cNvSpPr txBox="1"/>
+          <p:cNvSpPr txBox="1">
+            <a:spLocks noGrp="1"/>
+          </p:cNvSpPr>
           <p:nvPr>
-            <p:ph idx="12" type="sldNum"/>
+            <p:ph type="sldNum" idx="12"/>
           </p:nvPr>
         </p:nvSpPr>
         <p:spPr>
@@ -3017,7 +2994,7 @@
           </a:prstGeom>
         </p:spPr>
         <p:txBody>
-          <a:bodyPr anchorCtr="0" anchor="ctr" bIns="91425" lIns="91425" spcFirstLastPara="1" rIns="91425" wrap="square" tIns="91425">
+          <a:bodyPr spcFirstLastPara="1" wrap="square" lIns="91425" tIns="91425" rIns="91425" bIns="91425" anchor="ctr" anchorCtr="0">
             <a:noAutofit/>
           </a:bodyPr>
           <a:lstStyle>
@@ -3059,7 +3036,7 @@
             </a:lvl9pPr>
           </a:lstStyle>
           <a:p>
-            <a:pPr indent="0" lvl="0" marL="0" rtl="0" algn="r">
+            <a:pPr marL="0" lvl="0" indent="0" algn="r" rtl="0">
               <a:spcBef>
                 <a:spcPts val="0"/>
               </a:spcBef>
@@ -3085,11 +3062,11 @@
 </file>
 
 <file path=ppt/slideLayouts/slideLayout2.xml><?xml version="1.0" encoding="utf-8"?>
-<p:sldLayout xmlns:a="http://schemas.openxmlformats.org/drawingml/2006/main" xmlns:r="http://schemas.openxmlformats.org/officeDocument/2006/relationships" xmlns:mc="http://schemas.openxmlformats.org/markup-compatibility/2006" xmlns:mv="urn:schemas-microsoft-com:mac:vml" xmlns:p="http://schemas.openxmlformats.org/presentationml/2006/main" xmlns:c="http://schemas.openxmlformats.org/drawingml/2006/chart" xmlns:dgm="http://schemas.openxmlformats.org/drawingml/2006/diagram" xmlns:o="urn:schemas-microsoft-com:office:office" xmlns:v="urn:schemas-microsoft-com:vml" xmlns:pvml="urn:schemas-microsoft-com:office:powerpoint" xmlns:com="http://schemas.openxmlformats.org/drawingml/2006/compatibility" xmlns:p14="http://schemas.microsoft.com/office/powerpoint/2010/main" xmlns:p15="http://schemas.microsoft.com/office/powerpoint/2012/main" xmlns:ahyp="http://schemas.microsoft.com/office/drawing/2018/hyperlinkcolor" matchingName="Section header" type="secHead">
+<p:sldLayout xmlns:a="http://schemas.openxmlformats.org/drawingml/2006/main" xmlns:r="http://schemas.openxmlformats.org/officeDocument/2006/relationships" xmlns:p="http://schemas.openxmlformats.org/presentationml/2006/main" matchingName="Section header" type="secHead">
   <p:cSld name="SECTION_HEADER">
     <p:spTree>
       <p:nvGrpSpPr>
-        <p:cNvPr id="16" name="Shape 16"/>
+        <p:cNvPr id="1" name="Shape 16"/>
         <p:cNvGrpSpPr/>
         <p:nvPr/>
       </p:nvGrpSpPr>
@@ -3123,12 +3100,12 @@
           </a:ln>
         </p:spPr>
         <p:txBody>
-          <a:bodyPr anchorCtr="0" anchor="ctr" bIns="91425" lIns="91425" spcFirstLastPara="1" rIns="91425" wrap="square" tIns="91425">
+          <a:bodyPr spcFirstLastPara="1" wrap="square" lIns="91425" tIns="91425" rIns="91425" bIns="91425" anchor="ctr" anchorCtr="0">
             <a:noAutofit/>
           </a:bodyPr>
           <a:lstStyle/>
           <a:p>
-            <a:pPr indent="0" lvl="0" marL="0" rtl="0" algn="l">
+            <a:pPr marL="0" lvl="0" indent="0" algn="l" rtl="0">
               <a:spcBef>
                 <a:spcPts val="0"/>
               </a:spcBef>
@@ -3137,9 +3114,6 @@
               </a:spcAft>
               <a:buNone/>
             </a:pPr>
-            <a:r>
-              <a:t/>
-            </a:r>
             <a:endParaRPr/>
           </a:p>
         </p:txBody>
@@ -3166,12 +3140,12 @@
           </a:ln>
         </p:spPr>
         <p:txBody>
-          <a:bodyPr anchorCtr="0" anchor="ctr" bIns="91425" lIns="91425" spcFirstLastPara="1" rIns="91425" wrap="square" tIns="91425">
+          <a:bodyPr spcFirstLastPara="1" wrap="square" lIns="91425" tIns="91425" rIns="91425" bIns="91425" anchor="ctr" anchorCtr="0">
             <a:noAutofit/>
           </a:bodyPr>
           <a:lstStyle/>
           <a:p>
-            <a:pPr indent="0" lvl="0" marL="0" rtl="0" algn="l">
+            <a:pPr marL="0" lvl="0" indent="0" algn="l" rtl="0">
               <a:spcBef>
                 <a:spcPts val="0"/>
               </a:spcBef>
@@ -3180,9 +3154,6 @@
               </a:spcAft>
               <a:buNone/>
             </a:pPr>
-            <a:r>
-              <a:t/>
-            </a:r>
             <a:endParaRPr/>
           </a:p>
         </p:txBody>
@@ -3190,7 +3161,9 @@
       <p:sp>
         <p:nvSpPr>
           <p:cNvPr id="19" name="Google Shape;19;p3"/>
-          <p:cNvSpPr txBox="1"/>
+          <p:cNvSpPr txBox="1">
+            <a:spLocks noGrp="1"/>
+          </p:cNvSpPr>
           <p:nvPr>
             <p:ph type="title"/>
           </p:nvPr>
@@ -3205,7 +3178,7 @@
           </a:prstGeom>
         </p:spPr>
         <p:txBody>
-          <a:bodyPr anchorCtr="0" anchor="ctr" bIns="91425" lIns="91425" spcFirstLastPara="1" rIns="91425" wrap="square" tIns="91425">
+          <a:bodyPr spcFirstLastPara="1" wrap="square" lIns="91425" tIns="91425" rIns="91425" bIns="91425" anchor="ctr" anchorCtr="0">
             <a:noAutofit/>
           </a:bodyPr>
           <a:lstStyle>
@@ -3309,15 +3282,19 @@
               <a:defRPr sz="3600"/>
             </a:lvl9pPr>
           </a:lstStyle>
-          <a:p/>
+          <a:p>
+            <a:endParaRPr/>
+          </a:p>
         </p:txBody>
       </p:sp>
       <p:sp>
         <p:nvSpPr>
           <p:cNvPr id="20" name="Google Shape;20;p3"/>
-          <p:cNvSpPr txBox="1"/>
+          <p:cNvSpPr txBox="1">
+            <a:spLocks noGrp="1"/>
+          </p:cNvSpPr>
           <p:nvPr>
-            <p:ph idx="12" type="sldNum"/>
+            <p:ph type="sldNum" idx="12"/>
           </p:nvPr>
         </p:nvSpPr>
         <p:spPr>
@@ -3330,7 +3307,7 @@
           </a:prstGeom>
         </p:spPr>
         <p:txBody>
-          <a:bodyPr anchorCtr="0" anchor="ctr" bIns="91425" lIns="91425" spcFirstLastPara="1" rIns="91425" wrap="square" tIns="91425">
+          <a:bodyPr spcFirstLastPara="1" wrap="square" lIns="91425" tIns="91425" rIns="91425" bIns="91425" anchor="ctr" anchorCtr="0">
             <a:noAutofit/>
           </a:bodyPr>
           <a:lstStyle>
@@ -3372,7 +3349,7 @@
             </a:lvl9pPr>
           </a:lstStyle>
           <a:p>
-            <a:pPr indent="0" lvl="0" marL="0" rtl="0" algn="r">
+            <a:pPr marL="0" lvl="0" indent="0" algn="r" rtl="0">
               <a:spcBef>
                 <a:spcPts val="0"/>
               </a:spcBef>
@@ -3398,11 +3375,11 @@
 </file>
 
 <file path=ppt/slideLayouts/slideLayout3.xml><?xml version="1.0" encoding="utf-8"?>
-<p:sldLayout xmlns:a="http://schemas.openxmlformats.org/drawingml/2006/main" xmlns:r="http://schemas.openxmlformats.org/officeDocument/2006/relationships" xmlns:mc="http://schemas.openxmlformats.org/markup-compatibility/2006" xmlns:mv="urn:schemas-microsoft-com:mac:vml" xmlns:p="http://schemas.openxmlformats.org/presentationml/2006/main" xmlns:c="http://schemas.openxmlformats.org/drawingml/2006/chart" xmlns:dgm="http://schemas.openxmlformats.org/drawingml/2006/diagram" xmlns:o="urn:schemas-microsoft-com:office:office" xmlns:v="urn:schemas-microsoft-com:vml" xmlns:pvml="urn:schemas-microsoft-com:office:powerpoint" xmlns:com="http://schemas.openxmlformats.org/drawingml/2006/compatibility" xmlns:p14="http://schemas.microsoft.com/office/powerpoint/2010/main" xmlns:p15="http://schemas.microsoft.com/office/powerpoint/2012/main" xmlns:ahyp="http://schemas.microsoft.com/office/drawing/2018/hyperlinkcolor" matchingName="Title and body" type="tx">
+<p:sldLayout xmlns:a="http://schemas.openxmlformats.org/drawingml/2006/main" xmlns:r="http://schemas.openxmlformats.org/officeDocument/2006/relationships" xmlns:p="http://schemas.openxmlformats.org/presentationml/2006/main" matchingName="Title and body" type="tx">
   <p:cSld name="TITLE_AND_BODY">
     <p:spTree>
       <p:nvGrpSpPr>
-        <p:cNvPr id="21" name="Shape 21"/>
+        <p:cNvPr id="1" name="Shape 21"/>
         <p:cNvGrpSpPr/>
         <p:nvPr/>
       </p:nvGrpSpPr>
@@ -3436,12 +3413,12 @@
           </a:ln>
         </p:spPr>
         <p:txBody>
-          <a:bodyPr anchorCtr="0" anchor="ctr" bIns="91425" lIns="91425" spcFirstLastPara="1" rIns="91425" wrap="square" tIns="91425">
+          <a:bodyPr spcFirstLastPara="1" wrap="square" lIns="91425" tIns="91425" rIns="91425" bIns="91425" anchor="ctr" anchorCtr="0">
             <a:noAutofit/>
           </a:bodyPr>
           <a:lstStyle/>
           <a:p>
-            <a:pPr indent="0" lvl="0" marL="0" rtl="0" algn="l">
+            <a:pPr marL="0" lvl="0" indent="0" algn="l" rtl="0">
               <a:spcBef>
                 <a:spcPts val="0"/>
               </a:spcBef>
@@ -3450,9 +3427,6 @@
               </a:spcAft>
               <a:buNone/>
             </a:pPr>
-            <a:r>
-              <a:t/>
-            </a:r>
             <a:endParaRPr/>
           </a:p>
         </p:txBody>
@@ -3472,21 +3446,23 @@
             <a:avLst/>
           </a:prstGeom>
           <a:noFill/>
-          <a:ln cap="flat" cmpd="sng" w="28575">
+          <a:ln w="28575" cap="flat" cmpd="sng">
             <a:solidFill>
               <a:schemeClr val="dk1"/>
             </a:solidFill>
             <a:prstDash val="solid"/>
             <a:round/>
-            <a:headEnd len="sm" w="sm" type="none"/>
-            <a:tailEnd len="sm" w="sm" type="none"/>
+            <a:headEnd type="none" w="sm" len="sm"/>
+            <a:tailEnd type="none" w="sm" len="sm"/>
           </a:ln>
         </p:spPr>
       </p:cxnSp>
       <p:sp>
         <p:nvSpPr>
           <p:cNvPr id="24" name="Google Shape;24;p4"/>
-          <p:cNvSpPr txBox="1"/>
+          <p:cNvSpPr txBox="1">
+            <a:spLocks noGrp="1"/>
+          </p:cNvSpPr>
           <p:nvPr>
             <p:ph type="title"/>
           </p:nvPr>
@@ -3501,7 +3477,7 @@
           </a:prstGeom>
         </p:spPr>
         <p:txBody>
-          <a:bodyPr anchorCtr="0" anchor="t" bIns="91425" lIns="91425" spcFirstLastPara="1" rIns="91425" wrap="square" tIns="91425">
+          <a:bodyPr spcFirstLastPara="1" wrap="square" lIns="91425" tIns="91425" rIns="91425" bIns="91425" anchor="t" anchorCtr="0">
             <a:noAutofit/>
           </a:bodyPr>
           <a:lstStyle>
@@ -3605,15 +3581,19 @@
               <a:defRPr/>
             </a:lvl9pPr>
           </a:lstStyle>
-          <a:p/>
+          <a:p>
+            <a:endParaRPr/>
+          </a:p>
         </p:txBody>
       </p:sp>
       <p:sp>
         <p:nvSpPr>
           <p:cNvPr id="25" name="Google Shape;25;p4"/>
-          <p:cNvSpPr txBox="1"/>
+          <p:cNvSpPr txBox="1">
+            <a:spLocks noGrp="1"/>
+          </p:cNvSpPr>
           <p:nvPr>
-            <p:ph idx="1" type="body"/>
+            <p:ph type="body" idx="1"/>
           </p:nvPr>
         </p:nvSpPr>
         <p:spPr>
@@ -3626,11 +3606,11 @@
           </a:prstGeom>
         </p:spPr>
         <p:txBody>
-          <a:bodyPr anchorCtr="0" anchor="t" bIns="91425" lIns="91425" spcFirstLastPara="1" rIns="91425" wrap="square" tIns="91425">
+          <a:bodyPr spcFirstLastPara="1" wrap="square" lIns="91425" tIns="91425" rIns="91425" bIns="91425" anchor="t" anchorCtr="0">
             <a:noAutofit/>
           </a:bodyPr>
           <a:lstStyle>
-            <a:lvl1pPr indent="-342900" lvl="0" marL="457200">
+            <a:lvl1pPr marL="457200" lvl="0" indent="-342900">
               <a:spcBef>
                 <a:spcPts val="0"/>
               </a:spcBef>
@@ -3641,7 +3621,7 @@
               <a:buChar char="●"/>
               <a:defRPr/>
             </a:lvl1pPr>
-            <a:lvl2pPr indent="-317500" lvl="1" marL="914400">
+            <a:lvl2pPr marL="914400" lvl="1" indent="-317500">
               <a:spcBef>
                 <a:spcPts val="1600"/>
               </a:spcBef>
@@ -3652,7 +3632,7 @@
               <a:buChar char="○"/>
               <a:defRPr/>
             </a:lvl2pPr>
-            <a:lvl3pPr indent="-317500" lvl="2" marL="1371600">
+            <a:lvl3pPr marL="1371600" lvl="2" indent="-317500">
               <a:spcBef>
                 <a:spcPts val="1600"/>
               </a:spcBef>
@@ -3663,7 +3643,7 @@
               <a:buChar char="■"/>
               <a:defRPr/>
             </a:lvl3pPr>
-            <a:lvl4pPr indent="-317500" lvl="3" marL="1828800">
+            <a:lvl4pPr marL="1828800" lvl="3" indent="-317500">
               <a:spcBef>
                 <a:spcPts val="1600"/>
               </a:spcBef>
@@ -3674,7 +3654,7 @@
               <a:buChar char="●"/>
               <a:defRPr/>
             </a:lvl4pPr>
-            <a:lvl5pPr indent="-317500" lvl="4" marL="2286000">
+            <a:lvl5pPr marL="2286000" lvl="4" indent="-317500">
               <a:spcBef>
                 <a:spcPts val="1600"/>
               </a:spcBef>
@@ -3685,7 +3665,7 @@
               <a:buChar char="○"/>
               <a:defRPr/>
             </a:lvl5pPr>
-            <a:lvl6pPr indent="-317500" lvl="5" marL="2743200">
+            <a:lvl6pPr marL="2743200" lvl="5" indent="-317500">
               <a:spcBef>
                 <a:spcPts val="1600"/>
               </a:spcBef>
@@ -3696,7 +3676,7 @@
               <a:buChar char="■"/>
               <a:defRPr/>
             </a:lvl6pPr>
-            <a:lvl7pPr indent="-317500" lvl="6" marL="3200400">
+            <a:lvl7pPr marL="3200400" lvl="6" indent="-317500">
               <a:spcBef>
                 <a:spcPts val="1600"/>
               </a:spcBef>
@@ -3707,7 +3687,7 @@
               <a:buChar char="●"/>
               <a:defRPr/>
             </a:lvl7pPr>
-            <a:lvl8pPr indent="-317500" lvl="7" marL="3657600">
+            <a:lvl8pPr marL="3657600" lvl="7" indent="-317500">
               <a:spcBef>
                 <a:spcPts val="1600"/>
               </a:spcBef>
@@ -3718,7 +3698,7 @@
               <a:buChar char="○"/>
               <a:defRPr/>
             </a:lvl8pPr>
-            <a:lvl9pPr indent="-317500" lvl="8" marL="4114800">
+            <a:lvl9pPr marL="4114800" lvl="8" indent="-317500">
               <a:spcBef>
                 <a:spcPts val="1600"/>
               </a:spcBef>
@@ -3730,15 +3710,19 @@
               <a:defRPr/>
             </a:lvl9pPr>
           </a:lstStyle>
-          <a:p/>
+          <a:p>
+            <a:endParaRPr/>
+          </a:p>
         </p:txBody>
       </p:sp>
       <p:sp>
         <p:nvSpPr>
           <p:cNvPr id="26" name="Google Shape;26;p4"/>
-          <p:cNvSpPr txBox="1"/>
+          <p:cNvSpPr txBox="1">
+            <a:spLocks noGrp="1"/>
+          </p:cNvSpPr>
           <p:nvPr>
-            <p:ph idx="12" type="sldNum"/>
+            <p:ph type="sldNum" idx="12"/>
           </p:nvPr>
         </p:nvSpPr>
         <p:spPr>
@@ -3751,7 +3735,7 @@
           </a:prstGeom>
         </p:spPr>
         <p:txBody>
-          <a:bodyPr anchorCtr="0" anchor="ctr" bIns="91425" lIns="91425" spcFirstLastPara="1" rIns="91425" wrap="square" tIns="91425">
+          <a:bodyPr spcFirstLastPara="1" wrap="square" lIns="91425" tIns="91425" rIns="91425" bIns="91425" anchor="ctr" anchorCtr="0">
             <a:noAutofit/>
           </a:bodyPr>
           <a:lstStyle>
@@ -3793,7 +3777,7 @@
             </a:lvl9pPr>
           </a:lstStyle>
           <a:p>
-            <a:pPr indent="0" lvl="0" marL="0" rtl="0" algn="r">
+            <a:pPr marL="0" lvl="0" indent="0" algn="r" rtl="0">
               <a:spcBef>
                 <a:spcPts val="0"/>
               </a:spcBef>
@@ -3819,11 +3803,11 @@
 </file>
 
 <file path=ppt/slideLayouts/slideLayout4.xml><?xml version="1.0" encoding="utf-8"?>
-<p:sldLayout xmlns:a="http://schemas.openxmlformats.org/drawingml/2006/main" xmlns:r="http://schemas.openxmlformats.org/officeDocument/2006/relationships" xmlns:mc="http://schemas.openxmlformats.org/markup-compatibility/2006" xmlns:mv="urn:schemas-microsoft-com:mac:vml" xmlns:p="http://schemas.openxmlformats.org/presentationml/2006/main" xmlns:c="http://schemas.openxmlformats.org/drawingml/2006/chart" xmlns:dgm="http://schemas.openxmlformats.org/drawingml/2006/diagram" xmlns:o="urn:schemas-microsoft-com:office:office" xmlns:v="urn:schemas-microsoft-com:vml" xmlns:pvml="urn:schemas-microsoft-com:office:powerpoint" xmlns:com="http://schemas.openxmlformats.org/drawingml/2006/compatibility" xmlns:p14="http://schemas.microsoft.com/office/powerpoint/2010/main" xmlns:p15="http://schemas.microsoft.com/office/powerpoint/2012/main" xmlns:ahyp="http://schemas.microsoft.com/office/drawing/2018/hyperlinkcolor" matchingName="Title and two columns" type="twoColTx">
+<p:sldLayout xmlns:a="http://schemas.openxmlformats.org/drawingml/2006/main" xmlns:r="http://schemas.openxmlformats.org/officeDocument/2006/relationships" xmlns:p="http://schemas.openxmlformats.org/presentationml/2006/main" matchingName="Title and two columns" type="twoColTx">
   <p:cSld name="TITLE_AND_TWO_COLUMNS">
     <p:spTree>
       <p:nvGrpSpPr>
-        <p:cNvPr id="27" name="Shape 27"/>
+        <p:cNvPr id="1" name="Shape 27"/>
         <p:cNvGrpSpPr/>
         <p:nvPr/>
       </p:nvGrpSpPr>
@@ -3850,21 +3834,23 @@
             <a:avLst/>
           </a:prstGeom>
           <a:noFill/>
-          <a:ln cap="flat" cmpd="sng" w="28575">
+          <a:ln w="28575" cap="flat" cmpd="sng">
             <a:solidFill>
               <a:schemeClr val="dk1"/>
             </a:solidFill>
             <a:prstDash val="solid"/>
             <a:round/>
-            <a:headEnd len="sm" w="sm" type="none"/>
-            <a:tailEnd len="sm" w="sm" type="none"/>
+            <a:headEnd type="none" w="sm" len="sm"/>
+            <a:tailEnd type="none" w="sm" len="sm"/>
           </a:ln>
         </p:spPr>
       </p:cxnSp>
       <p:sp>
         <p:nvSpPr>
           <p:cNvPr id="29" name="Google Shape;29;p5"/>
-          <p:cNvSpPr txBox="1"/>
+          <p:cNvSpPr txBox="1">
+            <a:spLocks noGrp="1"/>
+          </p:cNvSpPr>
           <p:nvPr>
             <p:ph type="title"/>
           </p:nvPr>
@@ -3879,7 +3865,7 @@
           </a:prstGeom>
         </p:spPr>
         <p:txBody>
-          <a:bodyPr anchorCtr="0" anchor="t" bIns="91425" lIns="91425" spcFirstLastPara="1" rIns="91425" wrap="square" tIns="91425">
+          <a:bodyPr spcFirstLastPara="1" wrap="square" lIns="91425" tIns="91425" rIns="91425" bIns="91425" anchor="t" anchorCtr="0">
             <a:noAutofit/>
           </a:bodyPr>
           <a:lstStyle>
@@ -3983,15 +3969,19 @@
               <a:defRPr/>
             </a:lvl9pPr>
           </a:lstStyle>
-          <a:p/>
+          <a:p>
+            <a:endParaRPr/>
+          </a:p>
         </p:txBody>
       </p:sp>
       <p:sp>
         <p:nvSpPr>
           <p:cNvPr id="30" name="Google Shape;30;p5"/>
-          <p:cNvSpPr txBox="1"/>
+          <p:cNvSpPr txBox="1">
+            <a:spLocks noGrp="1"/>
+          </p:cNvSpPr>
           <p:nvPr>
-            <p:ph idx="1" type="body"/>
+            <p:ph type="body" idx="1"/>
           </p:nvPr>
         </p:nvSpPr>
         <p:spPr>
@@ -4004,11 +3994,11 @@
           </a:prstGeom>
         </p:spPr>
         <p:txBody>
-          <a:bodyPr anchorCtr="0" anchor="t" bIns="91425" lIns="91425" spcFirstLastPara="1" rIns="91425" wrap="square" tIns="91425">
+          <a:bodyPr spcFirstLastPara="1" wrap="square" lIns="91425" tIns="91425" rIns="91425" bIns="91425" anchor="t" anchorCtr="0">
             <a:noAutofit/>
           </a:bodyPr>
           <a:lstStyle>
-            <a:lvl1pPr indent="-317500" lvl="0" marL="457200">
+            <a:lvl1pPr marL="457200" lvl="0" indent="-317500">
               <a:spcBef>
                 <a:spcPts val="0"/>
               </a:spcBef>
@@ -4019,7 +4009,7 @@
               <a:buChar char="●"/>
               <a:defRPr sz="1400"/>
             </a:lvl1pPr>
-            <a:lvl2pPr indent="-304800" lvl="1" marL="914400">
+            <a:lvl2pPr marL="914400" lvl="1" indent="-304800">
               <a:spcBef>
                 <a:spcPts val="1600"/>
               </a:spcBef>
@@ -4030,7 +4020,7 @@
               <a:buChar char="○"/>
               <a:defRPr sz="1200"/>
             </a:lvl2pPr>
-            <a:lvl3pPr indent="-304800" lvl="2" marL="1371600">
+            <a:lvl3pPr marL="1371600" lvl="2" indent="-304800">
               <a:spcBef>
                 <a:spcPts val="1600"/>
               </a:spcBef>
@@ -4041,7 +4031,7 @@
               <a:buChar char="■"/>
               <a:defRPr sz="1200"/>
             </a:lvl3pPr>
-            <a:lvl4pPr indent="-304800" lvl="3" marL="1828800">
+            <a:lvl4pPr marL="1828800" lvl="3" indent="-304800">
               <a:spcBef>
                 <a:spcPts val="1600"/>
               </a:spcBef>
@@ -4052,7 +4042,7 @@
               <a:buChar char="●"/>
               <a:defRPr sz="1200"/>
             </a:lvl4pPr>
-            <a:lvl5pPr indent="-304800" lvl="4" marL="2286000">
+            <a:lvl5pPr marL="2286000" lvl="4" indent="-304800">
               <a:spcBef>
                 <a:spcPts val="1600"/>
               </a:spcBef>
@@ -4063,7 +4053,7 @@
               <a:buChar char="○"/>
               <a:defRPr sz="1200"/>
             </a:lvl5pPr>
-            <a:lvl6pPr indent="-304800" lvl="5" marL="2743200">
+            <a:lvl6pPr marL="2743200" lvl="5" indent="-304800">
               <a:spcBef>
                 <a:spcPts val="1600"/>
               </a:spcBef>
@@ -4074,7 +4064,7 @@
               <a:buChar char="■"/>
               <a:defRPr sz="1200"/>
             </a:lvl6pPr>
-            <a:lvl7pPr indent="-304800" lvl="6" marL="3200400">
+            <a:lvl7pPr marL="3200400" lvl="6" indent="-304800">
               <a:spcBef>
                 <a:spcPts val="1600"/>
               </a:spcBef>
@@ -4085,7 +4075,7 @@
               <a:buChar char="●"/>
               <a:defRPr sz="1200"/>
             </a:lvl7pPr>
-            <a:lvl8pPr indent="-304800" lvl="7" marL="3657600">
+            <a:lvl8pPr marL="3657600" lvl="7" indent="-304800">
               <a:spcBef>
                 <a:spcPts val="1600"/>
               </a:spcBef>
@@ -4096,7 +4086,7 @@
               <a:buChar char="○"/>
               <a:defRPr sz="1200"/>
             </a:lvl8pPr>
-            <a:lvl9pPr indent="-304800" lvl="8" marL="4114800">
+            <a:lvl9pPr marL="4114800" lvl="8" indent="-304800">
               <a:spcBef>
                 <a:spcPts val="1600"/>
               </a:spcBef>
@@ -4108,15 +4098,19 @@
               <a:defRPr sz="1200"/>
             </a:lvl9pPr>
           </a:lstStyle>
-          <a:p/>
+          <a:p>
+            <a:endParaRPr/>
+          </a:p>
         </p:txBody>
       </p:sp>
       <p:sp>
         <p:nvSpPr>
           <p:cNvPr id="31" name="Google Shape;31;p5"/>
-          <p:cNvSpPr txBox="1"/>
+          <p:cNvSpPr txBox="1">
+            <a:spLocks noGrp="1"/>
+          </p:cNvSpPr>
           <p:nvPr>
-            <p:ph idx="2" type="body"/>
+            <p:ph type="body" idx="2"/>
           </p:nvPr>
         </p:nvSpPr>
         <p:spPr>
@@ -4129,11 +4123,11 @@
           </a:prstGeom>
         </p:spPr>
         <p:txBody>
-          <a:bodyPr anchorCtr="0" anchor="t" bIns="91425" lIns="91425" spcFirstLastPara="1" rIns="91425" wrap="square" tIns="91425">
+          <a:bodyPr spcFirstLastPara="1" wrap="square" lIns="91425" tIns="91425" rIns="91425" bIns="91425" anchor="t" anchorCtr="0">
             <a:noAutofit/>
           </a:bodyPr>
           <a:lstStyle>
-            <a:lvl1pPr indent="-317500" lvl="0" marL="457200">
+            <a:lvl1pPr marL="457200" lvl="0" indent="-317500">
               <a:spcBef>
                 <a:spcPts val="0"/>
               </a:spcBef>
@@ -4144,7 +4138,7 @@
               <a:buChar char="●"/>
               <a:defRPr sz="1400"/>
             </a:lvl1pPr>
-            <a:lvl2pPr indent="-304800" lvl="1" marL="914400">
+            <a:lvl2pPr marL="914400" lvl="1" indent="-304800">
               <a:spcBef>
                 <a:spcPts val="1600"/>
               </a:spcBef>
@@ -4155,7 +4149,7 @@
               <a:buChar char="○"/>
               <a:defRPr sz="1200"/>
             </a:lvl2pPr>
-            <a:lvl3pPr indent="-304800" lvl="2" marL="1371600">
+            <a:lvl3pPr marL="1371600" lvl="2" indent="-304800">
               <a:spcBef>
                 <a:spcPts val="1600"/>
               </a:spcBef>
@@ -4166,7 +4160,7 @@
               <a:buChar char="■"/>
               <a:defRPr sz="1200"/>
             </a:lvl3pPr>
-            <a:lvl4pPr indent="-304800" lvl="3" marL="1828800">
+            <a:lvl4pPr marL="1828800" lvl="3" indent="-304800">
               <a:spcBef>
                 <a:spcPts val="1600"/>
               </a:spcBef>
@@ -4177,7 +4171,7 @@
               <a:buChar char="●"/>
               <a:defRPr sz="1200"/>
             </a:lvl4pPr>
-            <a:lvl5pPr indent="-304800" lvl="4" marL="2286000">
+            <a:lvl5pPr marL="2286000" lvl="4" indent="-304800">
               <a:spcBef>
                 <a:spcPts val="1600"/>
               </a:spcBef>
@@ -4188,7 +4182,7 @@
               <a:buChar char="○"/>
               <a:defRPr sz="1200"/>
             </a:lvl5pPr>
-            <a:lvl6pPr indent="-304800" lvl="5" marL="2743200">
+            <a:lvl6pPr marL="2743200" lvl="5" indent="-304800">
               <a:spcBef>
                 <a:spcPts val="1600"/>
               </a:spcBef>
@@ -4199,7 +4193,7 @@
               <a:buChar char="■"/>
               <a:defRPr sz="1200"/>
             </a:lvl6pPr>
-            <a:lvl7pPr indent="-304800" lvl="6" marL="3200400">
+            <a:lvl7pPr marL="3200400" lvl="6" indent="-304800">
               <a:spcBef>
                 <a:spcPts val="1600"/>
               </a:spcBef>
@@ -4210,7 +4204,7 @@
               <a:buChar char="●"/>
               <a:defRPr sz="1200"/>
             </a:lvl7pPr>
-            <a:lvl8pPr indent="-304800" lvl="7" marL="3657600">
+            <a:lvl8pPr marL="3657600" lvl="7" indent="-304800">
               <a:spcBef>
                 <a:spcPts val="1600"/>
               </a:spcBef>
@@ -4221,7 +4215,7 @@
               <a:buChar char="○"/>
               <a:defRPr sz="1200"/>
             </a:lvl8pPr>
-            <a:lvl9pPr indent="-304800" lvl="8" marL="4114800">
+            <a:lvl9pPr marL="4114800" lvl="8" indent="-304800">
               <a:spcBef>
                 <a:spcPts val="1600"/>
               </a:spcBef>
@@ -4233,15 +4227,19 @@
               <a:defRPr sz="1200"/>
             </a:lvl9pPr>
           </a:lstStyle>
-          <a:p/>
+          <a:p>
+            <a:endParaRPr/>
+          </a:p>
         </p:txBody>
       </p:sp>
       <p:sp>
         <p:nvSpPr>
           <p:cNvPr id="32" name="Google Shape;32;p5"/>
-          <p:cNvSpPr txBox="1"/>
+          <p:cNvSpPr txBox="1">
+            <a:spLocks noGrp="1"/>
+          </p:cNvSpPr>
           <p:nvPr>
-            <p:ph idx="12" type="sldNum"/>
+            <p:ph type="sldNum" idx="12"/>
           </p:nvPr>
         </p:nvSpPr>
         <p:spPr>
@@ -4254,7 +4252,7 @@
           </a:prstGeom>
         </p:spPr>
         <p:txBody>
-          <a:bodyPr anchorCtr="0" anchor="ctr" bIns="91425" lIns="91425" spcFirstLastPara="1" rIns="91425" wrap="square" tIns="91425">
+          <a:bodyPr spcFirstLastPara="1" wrap="square" lIns="91425" tIns="91425" rIns="91425" bIns="91425" anchor="ctr" anchorCtr="0">
             <a:noAutofit/>
           </a:bodyPr>
           <a:lstStyle>
@@ -4296,7 +4294,7 @@
             </a:lvl9pPr>
           </a:lstStyle>
           <a:p>
-            <a:pPr indent="0" lvl="0" marL="0" rtl="0" algn="r">
+            <a:pPr marL="0" lvl="0" indent="0" algn="r" rtl="0">
               <a:spcBef>
                 <a:spcPts val="0"/>
               </a:spcBef>
@@ -4322,11 +4320,11 @@
 </file>
 
 <file path=ppt/slideLayouts/slideLayout5.xml><?xml version="1.0" encoding="utf-8"?>
-<p:sldLayout xmlns:a="http://schemas.openxmlformats.org/drawingml/2006/main" xmlns:r="http://schemas.openxmlformats.org/officeDocument/2006/relationships" xmlns:mc="http://schemas.openxmlformats.org/markup-compatibility/2006" xmlns:mv="urn:schemas-microsoft-com:mac:vml" xmlns:p="http://schemas.openxmlformats.org/presentationml/2006/main" xmlns:c="http://schemas.openxmlformats.org/drawingml/2006/chart" xmlns:dgm="http://schemas.openxmlformats.org/drawingml/2006/diagram" xmlns:o="urn:schemas-microsoft-com:office:office" xmlns:v="urn:schemas-microsoft-com:vml" xmlns:pvml="urn:schemas-microsoft-com:office:powerpoint" xmlns:com="http://schemas.openxmlformats.org/drawingml/2006/compatibility" xmlns:p14="http://schemas.microsoft.com/office/powerpoint/2010/main" xmlns:p15="http://schemas.microsoft.com/office/powerpoint/2012/main" xmlns:ahyp="http://schemas.microsoft.com/office/drawing/2018/hyperlinkcolor" matchingName="Title only" type="titleOnly">
+<p:sldLayout xmlns:a="http://schemas.openxmlformats.org/drawingml/2006/main" xmlns:r="http://schemas.openxmlformats.org/officeDocument/2006/relationships" xmlns:p="http://schemas.openxmlformats.org/presentationml/2006/main" matchingName="Title only" type="titleOnly">
   <p:cSld name="TITLE_ONLY">
     <p:spTree>
       <p:nvGrpSpPr>
-        <p:cNvPr id="33" name="Shape 33"/>
+        <p:cNvPr id="1" name="Shape 33"/>
         <p:cNvGrpSpPr/>
         <p:nvPr/>
       </p:nvGrpSpPr>
@@ -4341,7 +4339,9 @@
       <p:sp>
         <p:nvSpPr>
           <p:cNvPr id="34" name="Google Shape;34;p6"/>
-          <p:cNvSpPr txBox="1"/>
+          <p:cNvSpPr txBox="1">
+            <a:spLocks noGrp="1"/>
+          </p:cNvSpPr>
           <p:nvPr>
             <p:ph type="title"/>
           </p:nvPr>
@@ -4356,7 +4356,7 @@
           </a:prstGeom>
         </p:spPr>
         <p:txBody>
-          <a:bodyPr anchorCtr="0" anchor="t" bIns="91425" lIns="91425" spcFirstLastPara="1" rIns="91425" wrap="square" tIns="91425">
+          <a:bodyPr spcFirstLastPara="1" wrap="square" lIns="91425" tIns="91425" rIns="91425" bIns="91425" anchor="t" anchorCtr="0">
             <a:noAutofit/>
           </a:bodyPr>
           <a:lstStyle>
@@ -4460,15 +4460,19 @@
               <a:defRPr/>
             </a:lvl9pPr>
           </a:lstStyle>
-          <a:p/>
+          <a:p>
+            <a:endParaRPr/>
+          </a:p>
         </p:txBody>
       </p:sp>
       <p:sp>
         <p:nvSpPr>
           <p:cNvPr id="35" name="Google Shape;35;p6"/>
-          <p:cNvSpPr txBox="1"/>
+          <p:cNvSpPr txBox="1">
+            <a:spLocks noGrp="1"/>
+          </p:cNvSpPr>
           <p:nvPr>
-            <p:ph idx="12" type="sldNum"/>
+            <p:ph type="sldNum" idx="12"/>
           </p:nvPr>
         </p:nvSpPr>
         <p:spPr>
@@ -4481,7 +4485,7 @@
           </a:prstGeom>
         </p:spPr>
         <p:txBody>
-          <a:bodyPr anchorCtr="0" anchor="ctr" bIns="91425" lIns="91425" spcFirstLastPara="1" rIns="91425" wrap="square" tIns="91425">
+          <a:bodyPr spcFirstLastPara="1" wrap="square" lIns="91425" tIns="91425" rIns="91425" bIns="91425" anchor="ctr" anchorCtr="0">
             <a:noAutofit/>
           </a:bodyPr>
           <a:lstStyle>
@@ -4523,7 +4527,7 @@
             </a:lvl9pPr>
           </a:lstStyle>
           <a:p>
-            <a:pPr indent="0" lvl="0" marL="0" rtl="0" algn="r">
+            <a:pPr marL="0" lvl="0" indent="0" algn="r" rtl="0">
               <a:spcBef>
                 <a:spcPts val="0"/>
               </a:spcBef>
@@ -4549,11 +4553,11 @@
 </file>
 
 <file path=ppt/slideLayouts/slideLayout6.xml><?xml version="1.0" encoding="utf-8"?>
-<p:sldLayout xmlns:a="http://schemas.openxmlformats.org/drawingml/2006/main" xmlns:r="http://schemas.openxmlformats.org/officeDocument/2006/relationships" xmlns:mc="http://schemas.openxmlformats.org/markup-compatibility/2006" xmlns:mv="urn:schemas-microsoft-com:mac:vml" xmlns:p="http://schemas.openxmlformats.org/presentationml/2006/main" xmlns:c="http://schemas.openxmlformats.org/drawingml/2006/chart" xmlns:dgm="http://schemas.openxmlformats.org/drawingml/2006/diagram" xmlns:o="urn:schemas-microsoft-com:office:office" xmlns:v="urn:schemas-microsoft-com:vml" xmlns:pvml="urn:schemas-microsoft-com:office:powerpoint" xmlns:com="http://schemas.openxmlformats.org/drawingml/2006/compatibility" xmlns:p14="http://schemas.microsoft.com/office/powerpoint/2010/main" xmlns:p15="http://schemas.microsoft.com/office/powerpoint/2012/main" xmlns:ahyp="http://schemas.microsoft.com/office/drawing/2018/hyperlinkcolor" matchingName="One column text">
+<p:sldLayout xmlns:a="http://schemas.openxmlformats.org/drawingml/2006/main" xmlns:r="http://schemas.openxmlformats.org/officeDocument/2006/relationships" xmlns:p="http://schemas.openxmlformats.org/presentationml/2006/main" matchingName="One column text">
   <p:cSld name="ONE_COLUMN_TEXT">
     <p:spTree>
       <p:nvGrpSpPr>
-        <p:cNvPr id="36" name="Shape 36"/>
+        <p:cNvPr id="1" name="Shape 36"/>
         <p:cNvGrpSpPr/>
         <p:nvPr/>
       </p:nvGrpSpPr>
@@ -4580,21 +4584,23 @@
             <a:avLst/>
           </a:prstGeom>
           <a:noFill/>
-          <a:ln cap="flat" cmpd="sng" w="28575">
+          <a:ln w="28575" cap="flat" cmpd="sng">
             <a:solidFill>
               <a:schemeClr val="dk1"/>
             </a:solidFill>
             <a:prstDash val="solid"/>
             <a:round/>
-            <a:headEnd len="sm" w="sm" type="none"/>
-            <a:tailEnd len="sm" w="sm" type="none"/>
+            <a:headEnd type="none" w="sm" len="sm"/>
+            <a:tailEnd type="none" w="sm" len="sm"/>
           </a:ln>
         </p:spPr>
       </p:cxnSp>
       <p:sp>
         <p:nvSpPr>
           <p:cNvPr id="38" name="Google Shape;38;p7"/>
-          <p:cNvSpPr txBox="1"/>
+          <p:cNvSpPr txBox="1">
+            <a:spLocks noGrp="1"/>
+          </p:cNvSpPr>
           <p:nvPr>
             <p:ph type="title"/>
           </p:nvPr>
@@ -4609,7 +4615,7 @@
           </a:prstGeom>
         </p:spPr>
         <p:txBody>
-          <a:bodyPr anchorCtr="0" anchor="b" bIns="91425" lIns="91425" spcFirstLastPara="1" rIns="91425" wrap="square" tIns="91425">
+          <a:bodyPr spcFirstLastPara="1" wrap="square" lIns="91425" tIns="91425" rIns="91425" bIns="91425" anchor="b" anchorCtr="0">
             <a:noAutofit/>
           </a:bodyPr>
           <a:lstStyle>
@@ -4713,15 +4719,19 @@
               <a:defRPr sz="2400"/>
             </a:lvl9pPr>
           </a:lstStyle>
-          <a:p/>
+          <a:p>
+            <a:endParaRPr/>
+          </a:p>
         </p:txBody>
       </p:sp>
       <p:sp>
         <p:nvSpPr>
           <p:cNvPr id="39" name="Google Shape;39;p7"/>
-          <p:cNvSpPr txBox="1"/>
+          <p:cNvSpPr txBox="1">
+            <a:spLocks noGrp="1"/>
+          </p:cNvSpPr>
           <p:nvPr>
-            <p:ph idx="1" type="body"/>
+            <p:ph type="body" idx="1"/>
           </p:nvPr>
         </p:nvSpPr>
         <p:spPr>
@@ -4734,11 +4744,11 @@
           </a:prstGeom>
         </p:spPr>
         <p:txBody>
-          <a:bodyPr anchorCtr="0" anchor="t" bIns="91425" lIns="91425" spcFirstLastPara="1" rIns="91425" wrap="square" tIns="91425">
+          <a:bodyPr spcFirstLastPara="1" wrap="square" lIns="91425" tIns="91425" rIns="91425" bIns="91425" anchor="t" anchorCtr="0">
             <a:noAutofit/>
           </a:bodyPr>
           <a:lstStyle>
-            <a:lvl1pPr indent="-304800" lvl="0" marL="457200">
+            <a:lvl1pPr marL="457200" lvl="0" indent="-304800">
               <a:spcBef>
                 <a:spcPts val="0"/>
               </a:spcBef>
@@ -4749,7 +4759,7 @@
               <a:buChar char="●"/>
               <a:defRPr sz="1200"/>
             </a:lvl1pPr>
-            <a:lvl2pPr indent="-304800" lvl="1" marL="914400">
+            <a:lvl2pPr marL="914400" lvl="1" indent="-304800">
               <a:spcBef>
                 <a:spcPts val="1600"/>
               </a:spcBef>
@@ -4760,7 +4770,7 @@
               <a:buChar char="○"/>
               <a:defRPr sz="1200"/>
             </a:lvl2pPr>
-            <a:lvl3pPr indent="-304800" lvl="2" marL="1371600">
+            <a:lvl3pPr marL="1371600" lvl="2" indent="-304800">
               <a:spcBef>
                 <a:spcPts val="1600"/>
               </a:spcBef>
@@ -4771,7 +4781,7 @@
               <a:buChar char="■"/>
               <a:defRPr sz="1200"/>
             </a:lvl3pPr>
-            <a:lvl4pPr indent="-304800" lvl="3" marL="1828800">
+            <a:lvl4pPr marL="1828800" lvl="3" indent="-304800">
               <a:spcBef>
                 <a:spcPts val="1600"/>
               </a:spcBef>
@@ -4782,7 +4792,7 @@
               <a:buChar char="●"/>
               <a:defRPr sz="1200"/>
             </a:lvl4pPr>
-            <a:lvl5pPr indent="-304800" lvl="4" marL="2286000">
+            <a:lvl5pPr marL="2286000" lvl="4" indent="-304800">
               <a:spcBef>
                 <a:spcPts val="1600"/>
               </a:spcBef>
@@ -4793,7 +4803,7 @@
               <a:buChar char="○"/>
               <a:defRPr sz="1200"/>
             </a:lvl5pPr>
-            <a:lvl6pPr indent="-304800" lvl="5" marL="2743200">
+            <a:lvl6pPr marL="2743200" lvl="5" indent="-304800">
               <a:spcBef>
                 <a:spcPts val="1600"/>
               </a:spcBef>
@@ -4804,7 +4814,7 @@
               <a:buChar char="■"/>
               <a:defRPr sz="1200"/>
             </a:lvl6pPr>
-            <a:lvl7pPr indent="-304800" lvl="6" marL="3200400">
+            <a:lvl7pPr marL="3200400" lvl="6" indent="-304800">
               <a:spcBef>
                 <a:spcPts val="1600"/>
               </a:spcBef>
@@ -4815,7 +4825,7 @@
               <a:buChar char="●"/>
               <a:defRPr sz="1200"/>
             </a:lvl7pPr>
-            <a:lvl8pPr indent="-304800" lvl="7" marL="3657600">
+            <a:lvl8pPr marL="3657600" lvl="7" indent="-304800">
               <a:spcBef>
                 <a:spcPts val="1600"/>
               </a:spcBef>
@@ -4826,7 +4836,7 @@
               <a:buChar char="○"/>
               <a:defRPr sz="1200"/>
             </a:lvl8pPr>
-            <a:lvl9pPr indent="-304800" lvl="8" marL="4114800">
+            <a:lvl9pPr marL="4114800" lvl="8" indent="-304800">
               <a:spcBef>
                 <a:spcPts val="1600"/>
               </a:spcBef>
@@ -4838,15 +4848,19 @@
               <a:defRPr sz="1200"/>
             </a:lvl9pPr>
           </a:lstStyle>
-          <a:p/>
+          <a:p>
+            <a:endParaRPr/>
+          </a:p>
         </p:txBody>
       </p:sp>
       <p:sp>
         <p:nvSpPr>
           <p:cNvPr id="40" name="Google Shape;40;p7"/>
-          <p:cNvSpPr txBox="1"/>
+          <p:cNvSpPr txBox="1">
+            <a:spLocks noGrp="1"/>
+          </p:cNvSpPr>
           <p:nvPr>
-            <p:ph idx="12" type="sldNum"/>
+            <p:ph type="sldNum" idx="12"/>
           </p:nvPr>
         </p:nvSpPr>
         <p:spPr>
@@ -4859,7 +4873,7 @@
           </a:prstGeom>
         </p:spPr>
         <p:txBody>
-          <a:bodyPr anchorCtr="0" anchor="ctr" bIns="91425" lIns="91425" spcFirstLastPara="1" rIns="91425" wrap="square" tIns="91425">
+          <a:bodyPr spcFirstLastPara="1" wrap="square" lIns="91425" tIns="91425" rIns="91425" bIns="91425" anchor="ctr" anchorCtr="0">
             <a:noAutofit/>
           </a:bodyPr>
           <a:lstStyle>
@@ -4901,7 +4915,7 @@
             </a:lvl9pPr>
           </a:lstStyle>
           <a:p>
-            <a:pPr indent="0" lvl="0" marL="0" rtl="0" algn="r">
+            <a:pPr marL="0" lvl="0" indent="0" algn="r" rtl="0">
               <a:spcBef>
                 <a:spcPts val="0"/>
               </a:spcBef>
@@ -4927,11 +4941,11 @@
 </file>
 
 <file path=ppt/slideLayouts/slideLayout7.xml><?xml version="1.0" encoding="utf-8"?>
-<p:sldLayout xmlns:a="http://schemas.openxmlformats.org/drawingml/2006/main" xmlns:r="http://schemas.openxmlformats.org/officeDocument/2006/relationships" xmlns:mc="http://schemas.openxmlformats.org/markup-compatibility/2006" xmlns:mv="urn:schemas-microsoft-com:mac:vml" xmlns:p="http://schemas.openxmlformats.org/presentationml/2006/main" xmlns:c="http://schemas.openxmlformats.org/drawingml/2006/chart" xmlns:dgm="http://schemas.openxmlformats.org/drawingml/2006/diagram" xmlns:o="urn:schemas-microsoft-com:office:office" xmlns:v="urn:schemas-microsoft-com:vml" xmlns:pvml="urn:schemas-microsoft-com:office:powerpoint" xmlns:com="http://schemas.openxmlformats.org/drawingml/2006/compatibility" xmlns:p14="http://schemas.microsoft.com/office/powerpoint/2010/main" xmlns:p15="http://schemas.microsoft.com/office/powerpoint/2012/main" xmlns:ahyp="http://schemas.microsoft.com/office/drawing/2018/hyperlinkcolor" matchingName="Main point">
+<p:sldLayout xmlns:a="http://schemas.openxmlformats.org/drawingml/2006/main" xmlns:r="http://schemas.openxmlformats.org/officeDocument/2006/relationships" xmlns:p="http://schemas.openxmlformats.org/presentationml/2006/main" matchingName="Main point">
   <p:cSld name="MAIN_POINT">
     <p:spTree>
       <p:nvGrpSpPr>
-        <p:cNvPr id="41" name="Shape 41"/>
+        <p:cNvPr id="1" name="Shape 41"/>
         <p:cNvGrpSpPr/>
         <p:nvPr/>
       </p:nvGrpSpPr>
@@ -4965,12 +4979,12 @@
           </a:ln>
         </p:spPr>
         <p:txBody>
-          <a:bodyPr anchorCtr="0" anchor="ctr" bIns="91425" lIns="91425" spcFirstLastPara="1" rIns="91425" wrap="square" tIns="91425">
+          <a:bodyPr spcFirstLastPara="1" wrap="square" lIns="91425" tIns="91425" rIns="91425" bIns="91425" anchor="ctr" anchorCtr="0">
             <a:noAutofit/>
           </a:bodyPr>
           <a:lstStyle/>
           <a:p>
-            <a:pPr indent="0" lvl="0" marL="0" rtl="0" algn="l">
+            <a:pPr marL="0" lvl="0" indent="0" algn="l" rtl="0">
               <a:spcBef>
                 <a:spcPts val="0"/>
               </a:spcBef>
@@ -4979,9 +4993,6 @@
               </a:spcAft>
               <a:buNone/>
             </a:pPr>
-            <a:r>
-              <a:t/>
-            </a:r>
             <a:endParaRPr/>
           </a:p>
         </p:txBody>
@@ -5008,12 +5019,12 @@
           </a:ln>
         </p:spPr>
         <p:txBody>
-          <a:bodyPr anchorCtr="0" anchor="ctr" bIns="91425" lIns="91425" spcFirstLastPara="1" rIns="91425" wrap="square" tIns="91425">
+          <a:bodyPr spcFirstLastPara="1" wrap="square" lIns="91425" tIns="91425" rIns="91425" bIns="91425" anchor="ctr" anchorCtr="0">
             <a:noAutofit/>
           </a:bodyPr>
           <a:lstStyle/>
           <a:p>
-            <a:pPr indent="0" lvl="0" marL="0" rtl="0" algn="l">
+            <a:pPr marL="0" lvl="0" indent="0" algn="l" rtl="0">
               <a:spcBef>
                 <a:spcPts val="0"/>
               </a:spcBef>
@@ -5022,9 +5033,6 @@
               </a:spcAft>
               <a:buNone/>
             </a:pPr>
-            <a:r>
-              <a:t/>
-            </a:r>
             <a:endParaRPr/>
           </a:p>
         </p:txBody>
@@ -5032,7 +5040,9 @@
       <p:sp>
         <p:nvSpPr>
           <p:cNvPr id="44" name="Google Shape;44;p8"/>
-          <p:cNvSpPr txBox="1"/>
+          <p:cNvSpPr txBox="1">
+            <a:spLocks noGrp="1"/>
+          </p:cNvSpPr>
           <p:nvPr>
             <p:ph type="title"/>
           </p:nvPr>
@@ -5047,7 +5057,7 @@
           </a:prstGeom>
         </p:spPr>
         <p:txBody>
-          <a:bodyPr anchorCtr="0" anchor="ctr" bIns="91425" lIns="91425" spcFirstLastPara="1" rIns="91425" wrap="square" tIns="91425">
+          <a:bodyPr spcFirstLastPara="1" wrap="square" lIns="91425" tIns="91425" rIns="91425" bIns="91425" anchor="ctr" anchorCtr="0">
             <a:noAutofit/>
           </a:bodyPr>
           <a:lstStyle>
@@ -5151,15 +5161,19 @@
               <a:defRPr sz="4200"/>
             </a:lvl9pPr>
           </a:lstStyle>
-          <a:p/>
+          <a:p>
+            <a:endParaRPr/>
+          </a:p>
         </p:txBody>
       </p:sp>
       <p:sp>
         <p:nvSpPr>
           <p:cNvPr id="45" name="Google Shape;45;p8"/>
-          <p:cNvSpPr txBox="1"/>
+          <p:cNvSpPr txBox="1">
+            <a:spLocks noGrp="1"/>
+          </p:cNvSpPr>
           <p:nvPr>
-            <p:ph idx="12" type="sldNum"/>
+            <p:ph type="sldNum" idx="12"/>
           </p:nvPr>
         </p:nvSpPr>
         <p:spPr>
@@ -5172,7 +5186,7 @@
           </a:prstGeom>
         </p:spPr>
         <p:txBody>
-          <a:bodyPr anchorCtr="0" anchor="ctr" bIns="91425" lIns="91425" spcFirstLastPara="1" rIns="91425" wrap="square" tIns="91425">
+          <a:bodyPr spcFirstLastPara="1" wrap="square" lIns="91425" tIns="91425" rIns="91425" bIns="91425" anchor="ctr" anchorCtr="0">
             <a:noAutofit/>
           </a:bodyPr>
           <a:lstStyle>
@@ -5214,7 +5228,7 @@
             </a:lvl9pPr>
           </a:lstStyle>
           <a:p>
-            <a:pPr indent="0" lvl="0" marL="0" rtl="0" algn="r">
+            <a:pPr marL="0" lvl="0" indent="0" algn="r" rtl="0">
               <a:spcBef>
                 <a:spcPts val="0"/>
               </a:spcBef>
@@ -5240,11 +5254,11 @@
 </file>
 
 <file path=ppt/slideLayouts/slideLayout8.xml><?xml version="1.0" encoding="utf-8"?>
-<p:sldLayout xmlns:a="http://schemas.openxmlformats.org/drawingml/2006/main" xmlns:r="http://schemas.openxmlformats.org/officeDocument/2006/relationships" xmlns:mc="http://schemas.openxmlformats.org/markup-compatibility/2006" xmlns:mv="urn:schemas-microsoft-com:mac:vml" xmlns:p="http://schemas.openxmlformats.org/presentationml/2006/main" xmlns:c="http://schemas.openxmlformats.org/drawingml/2006/chart" xmlns:dgm="http://schemas.openxmlformats.org/drawingml/2006/diagram" xmlns:o="urn:schemas-microsoft-com:office:office" xmlns:v="urn:schemas-microsoft-com:vml" xmlns:pvml="urn:schemas-microsoft-com:office:powerpoint" xmlns:com="http://schemas.openxmlformats.org/drawingml/2006/compatibility" xmlns:p14="http://schemas.microsoft.com/office/powerpoint/2010/main" xmlns:p15="http://schemas.microsoft.com/office/powerpoint/2012/main" xmlns:ahyp="http://schemas.microsoft.com/office/drawing/2018/hyperlinkcolor" matchingName="Section title and description">
+<p:sldLayout xmlns:a="http://schemas.openxmlformats.org/drawingml/2006/main" xmlns:r="http://schemas.openxmlformats.org/officeDocument/2006/relationships" xmlns:p="http://schemas.openxmlformats.org/presentationml/2006/main" matchingName="Section title and description">
   <p:cSld name="SECTION_TITLE_AND_DESCRIPTION">
     <p:spTree>
       <p:nvGrpSpPr>
-        <p:cNvPr id="46" name="Shape 46"/>
+        <p:cNvPr id="1" name="Shape 46"/>
         <p:cNvGrpSpPr/>
         <p:nvPr/>
       </p:nvGrpSpPr>
@@ -5278,12 +5292,12 @@
           </a:ln>
         </p:spPr>
         <p:txBody>
-          <a:bodyPr anchorCtr="0" anchor="ctr" bIns="91425" lIns="91425" spcFirstLastPara="1" rIns="91425" wrap="square" tIns="91425">
+          <a:bodyPr spcFirstLastPara="1" wrap="square" lIns="91425" tIns="91425" rIns="91425" bIns="91425" anchor="ctr" anchorCtr="0">
             <a:noAutofit/>
           </a:bodyPr>
           <a:lstStyle/>
           <a:p>
-            <a:pPr indent="0" lvl="0" marL="0" rtl="0" algn="l">
+            <a:pPr marL="0" lvl="0" indent="0" algn="l" rtl="0">
               <a:spcBef>
                 <a:spcPts val="0"/>
               </a:spcBef>
@@ -5292,9 +5306,6 @@
               </a:spcAft>
               <a:buNone/>
             </a:pPr>
-            <a:r>
-              <a:t/>
-            </a:r>
             <a:endParaRPr/>
           </a:p>
         </p:txBody>
@@ -5314,21 +5325,23 @@
             <a:avLst/>
           </a:prstGeom>
           <a:noFill/>
-          <a:ln cap="flat" cmpd="sng" w="19050">
+          <a:ln w="19050" cap="flat" cmpd="sng">
             <a:solidFill>
               <a:schemeClr val="lt1"/>
             </a:solidFill>
             <a:prstDash val="solid"/>
             <a:round/>
-            <a:headEnd len="sm" w="sm" type="none"/>
-            <a:tailEnd len="sm" w="sm" type="none"/>
+            <a:headEnd type="none" w="sm" len="sm"/>
+            <a:tailEnd type="none" w="sm" len="sm"/>
           </a:ln>
         </p:spPr>
       </p:cxnSp>
       <p:sp>
         <p:nvSpPr>
           <p:cNvPr id="49" name="Google Shape;49;p9"/>
-          <p:cNvSpPr txBox="1"/>
+          <p:cNvSpPr txBox="1">
+            <a:spLocks noGrp="1"/>
+          </p:cNvSpPr>
           <p:nvPr>
             <p:ph type="title"/>
           </p:nvPr>
@@ -5343,7 +5356,7 @@
           </a:prstGeom>
         </p:spPr>
         <p:txBody>
-          <a:bodyPr anchorCtr="0" anchor="b" bIns="91425" lIns="91425" spcFirstLastPara="1" rIns="91425" wrap="square" tIns="91425">
+          <a:bodyPr spcFirstLastPara="1" wrap="square" lIns="91425" tIns="91425" rIns="91425" bIns="91425" anchor="b" anchorCtr="0">
             <a:noAutofit/>
           </a:bodyPr>
           <a:lstStyle>
@@ -5447,15 +5460,19 @@
               <a:defRPr sz="4200"/>
             </a:lvl9pPr>
           </a:lstStyle>
-          <a:p/>
+          <a:p>
+            <a:endParaRPr/>
+          </a:p>
         </p:txBody>
       </p:sp>
       <p:sp>
         <p:nvSpPr>
           <p:cNvPr id="50" name="Google Shape;50;p9"/>
-          <p:cNvSpPr txBox="1"/>
+          <p:cNvSpPr txBox="1">
+            <a:spLocks noGrp="1"/>
+          </p:cNvSpPr>
           <p:nvPr>
-            <p:ph idx="1" type="subTitle"/>
+            <p:ph type="subTitle" idx="1"/>
           </p:nvPr>
         </p:nvSpPr>
         <p:spPr>
@@ -5468,7 +5485,7 @@
           </a:prstGeom>
         </p:spPr>
         <p:txBody>
-          <a:bodyPr anchorCtr="0" anchor="t" bIns="91425" lIns="91425" spcFirstLastPara="1" rIns="91425" wrap="square" tIns="91425">
+          <a:bodyPr spcFirstLastPara="1" wrap="square" lIns="91425" tIns="91425" rIns="91425" bIns="91425" anchor="t" anchorCtr="0">
             <a:noAutofit/>
           </a:bodyPr>
           <a:lstStyle>
@@ -5662,15 +5679,19 @@
               </a:defRPr>
             </a:lvl9pPr>
           </a:lstStyle>
-          <a:p/>
+          <a:p>
+            <a:endParaRPr/>
+          </a:p>
         </p:txBody>
       </p:sp>
       <p:sp>
         <p:nvSpPr>
           <p:cNvPr id="51" name="Google Shape;51;p9"/>
-          <p:cNvSpPr txBox="1"/>
+          <p:cNvSpPr txBox="1">
+            <a:spLocks noGrp="1"/>
+          </p:cNvSpPr>
           <p:nvPr>
-            <p:ph idx="2" type="body"/>
+            <p:ph type="body" idx="2"/>
           </p:nvPr>
         </p:nvSpPr>
         <p:spPr>
@@ -5683,11 +5704,11 @@
           </a:prstGeom>
         </p:spPr>
         <p:txBody>
-          <a:bodyPr anchorCtr="0" anchor="ctr" bIns="91425" lIns="91425" spcFirstLastPara="1" rIns="91425" wrap="square" tIns="91425">
+          <a:bodyPr spcFirstLastPara="1" wrap="square" lIns="91425" tIns="91425" rIns="91425" bIns="91425" anchor="ctr" anchorCtr="0">
             <a:noAutofit/>
           </a:bodyPr>
           <a:lstStyle>
-            <a:lvl1pPr indent="-342900" lvl="0" marL="457200">
+            <a:lvl1pPr marL="457200" lvl="0" indent="-342900">
               <a:spcBef>
                 <a:spcPts val="0"/>
               </a:spcBef>
@@ -5705,7 +5726,7 @@
                 </a:solidFill>
               </a:defRPr>
             </a:lvl1pPr>
-            <a:lvl2pPr indent="-317500" lvl="1" marL="914400">
+            <a:lvl2pPr marL="914400" lvl="1" indent="-317500">
               <a:spcBef>
                 <a:spcPts val="1600"/>
               </a:spcBef>
@@ -5723,7 +5744,7 @@
                 </a:solidFill>
               </a:defRPr>
             </a:lvl2pPr>
-            <a:lvl3pPr indent="-317500" lvl="2" marL="1371600">
+            <a:lvl3pPr marL="1371600" lvl="2" indent="-317500">
               <a:spcBef>
                 <a:spcPts val="1600"/>
               </a:spcBef>
@@ -5741,7 +5762,7 @@
                 </a:solidFill>
               </a:defRPr>
             </a:lvl3pPr>
-            <a:lvl4pPr indent="-317500" lvl="3" marL="1828800">
+            <a:lvl4pPr marL="1828800" lvl="3" indent="-317500">
               <a:spcBef>
                 <a:spcPts val="1600"/>
               </a:spcBef>
@@ -5759,7 +5780,7 @@
                 </a:solidFill>
               </a:defRPr>
             </a:lvl4pPr>
-            <a:lvl5pPr indent="-317500" lvl="4" marL="2286000">
+            <a:lvl5pPr marL="2286000" lvl="4" indent="-317500">
               <a:spcBef>
                 <a:spcPts val="1600"/>
               </a:spcBef>
@@ -5777,7 +5798,7 @@
                 </a:solidFill>
               </a:defRPr>
             </a:lvl5pPr>
-            <a:lvl6pPr indent="-317500" lvl="5" marL="2743200">
+            <a:lvl6pPr marL="2743200" lvl="5" indent="-317500">
               <a:spcBef>
                 <a:spcPts val="1600"/>
               </a:spcBef>
@@ -5795,7 +5816,7 @@
                 </a:solidFill>
               </a:defRPr>
             </a:lvl6pPr>
-            <a:lvl7pPr indent="-317500" lvl="6" marL="3200400">
+            <a:lvl7pPr marL="3200400" lvl="6" indent="-317500">
               <a:spcBef>
                 <a:spcPts val="1600"/>
               </a:spcBef>
@@ -5813,7 +5834,7 @@
                 </a:solidFill>
               </a:defRPr>
             </a:lvl7pPr>
-            <a:lvl8pPr indent="-317500" lvl="7" marL="3657600">
+            <a:lvl8pPr marL="3657600" lvl="7" indent="-317500">
               <a:spcBef>
                 <a:spcPts val="1600"/>
               </a:spcBef>
@@ -5831,7 +5852,7 @@
                 </a:solidFill>
               </a:defRPr>
             </a:lvl8pPr>
-            <a:lvl9pPr indent="-317500" lvl="8" marL="4114800">
+            <a:lvl9pPr marL="4114800" lvl="8" indent="-317500">
               <a:spcBef>
                 <a:spcPts val="1600"/>
               </a:spcBef>
@@ -5850,15 +5871,19 @@
               </a:defRPr>
             </a:lvl9pPr>
           </a:lstStyle>
-          <a:p/>
+          <a:p>
+            <a:endParaRPr/>
+          </a:p>
         </p:txBody>
       </p:sp>
       <p:sp>
         <p:nvSpPr>
           <p:cNvPr id="52" name="Google Shape;52;p9"/>
-          <p:cNvSpPr txBox="1"/>
+          <p:cNvSpPr txBox="1">
+            <a:spLocks noGrp="1"/>
+          </p:cNvSpPr>
           <p:nvPr>
-            <p:ph idx="12" type="sldNum"/>
+            <p:ph type="sldNum" idx="12"/>
           </p:nvPr>
         </p:nvSpPr>
         <p:spPr>
@@ -5871,7 +5896,7 @@
           </a:prstGeom>
         </p:spPr>
         <p:txBody>
-          <a:bodyPr anchorCtr="0" anchor="ctr" bIns="91425" lIns="91425" spcFirstLastPara="1" rIns="91425" wrap="square" tIns="91425">
+          <a:bodyPr spcFirstLastPara="1" wrap="square" lIns="91425" tIns="91425" rIns="91425" bIns="91425" anchor="ctr" anchorCtr="0">
             <a:noAutofit/>
           </a:bodyPr>
           <a:lstStyle>
@@ -5949,7 +5974,7 @@
             </a:lvl9pPr>
           </a:lstStyle>
           <a:p>
-            <a:pPr indent="0" lvl="0" marL="0" rtl="0" algn="r">
+            <a:pPr marL="0" lvl="0" indent="0" algn="r" rtl="0">
               <a:spcBef>
                 <a:spcPts val="0"/>
               </a:spcBef>
@@ -5975,11 +6000,11 @@
 </file>
 
 <file path=ppt/slideLayouts/slideLayout9.xml><?xml version="1.0" encoding="utf-8"?>
-<p:sldLayout xmlns:a="http://schemas.openxmlformats.org/drawingml/2006/main" xmlns:r="http://schemas.openxmlformats.org/officeDocument/2006/relationships" xmlns:mc="http://schemas.openxmlformats.org/markup-compatibility/2006" xmlns:mv="urn:schemas-microsoft-com:mac:vml" xmlns:p="http://schemas.openxmlformats.org/presentationml/2006/main" xmlns:c="http://schemas.openxmlformats.org/drawingml/2006/chart" xmlns:dgm="http://schemas.openxmlformats.org/drawingml/2006/diagram" xmlns:o="urn:schemas-microsoft-com:office:office" xmlns:v="urn:schemas-microsoft-com:vml" xmlns:pvml="urn:schemas-microsoft-com:office:powerpoint" xmlns:com="http://schemas.openxmlformats.org/drawingml/2006/compatibility" xmlns:p14="http://schemas.microsoft.com/office/powerpoint/2010/main" xmlns:p15="http://schemas.microsoft.com/office/powerpoint/2012/main" xmlns:ahyp="http://schemas.microsoft.com/office/drawing/2018/hyperlinkcolor" matchingName="Caption">
+<p:sldLayout xmlns:a="http://schemas.openxmlformats.org/drawingml/2006/main" xmlns:r="http://schemas.openxmlformats.org/officeDocument/2006/relationships" xmlns:p="http://schemas.openxmlformats.org/presentationml/2006/main" matchingName="Caption">
   <p:cSld name="CAPTION_ONLY">
     <p:spTree>
       <p:nvGrpSpPr>
-        <p:cNvPr id="53" name="Shape 53"/>
+        <p:cNvPr id="1" name="Shape 53"/>
         <p:cNvGrpSpPr/>
         <p:nvPr/>
       </p:nvGrpSpPr>
@@ -5994,9 +6019,11 @@
       <p:sp>
         <p:nvSpPr>
           <p:cNvPr id="54" name="Google Shape;54;p10"/>
-          <p:cNvSpPr txBox="1"/>
+          <p:cNvSpPr txBox="1">
+            <a:spLocks noGrp="1"/>
+          </p:cNvSpPr>
           <p:nvPr>
-            <p:ph idx="1" type="body"/>
+            <p:ph type="body" idx="1"/>
           </p:nvPr>
         </p:nvSpPr>
         <p:spPr>
@@ -6009,11 +6036,11 @@
           </a:prstGeom>
         </p:spPr>
         <p:txBody>
-          <a:bodyPr anchorCtr="0" anchor="ctr" bIns="91425" lIns="91425" spcFirstLastPara="1" rIns="91425" wrap="square" tIns="91425">
+          <a:bodyPr spcFirstLastPara="1" wrap="square" lIns="91425" tIns="91425" rIns="91425" bIns="91425" anchor="ctr" anchorCtr="0">
             <a:noAutofit/>
           </a:bodyPr>
           <a:lstStyle>
-            <a:lvl1pPr indent="-228600" lvl="0" marL="457200">
+            <a:lvl1pPr marL="457200" lvl="0" indent="-228600">
               <a:lnSpc>
                 <a:spcPct val="100000"/>
               </a:lnSpc>
@@ -6028,15 +6055,19 @@
               <a:defRPr/>
             </a:lvl1pPr>
           </a:lstStyle>
-          <a:p/>
+          <a:p>
+            <a:endParaRPr/>
+          </a:p>
         </p:txBody>
       </p:sp>
       <p:sp>
         <p:nvSpPr>
           <p:cNvPr id="55" name="Google Shape;55;p10"/>
-          <p:cNvSpPr txBox="1"/>
+          <p:cNvSpPr txBox="1">
+            <a:spLocks noGrp="1"/>
+          </p:cNvSpPr>
           <p:nvPr>
-            <p:ph idx="12" type="sldNum"/>
+            <p:ph type="sldNum" idx="12"/>
           </p:nvPr>
         </p:nvSpPr>
         <p:spPr>
@@ -6049,7 +6080,7 @@
           </a:prstGeom>
         </p:spPr>
         <p:txBody>
-          <a:bodyPr anchorCtr="0" anchor="ctr" bIns="91425" lIns="91425" spcFirstLastPara="1" rIns="91425" wrap="square" tIns="91425">
+          <a:bodyPr spcFirstLastPara="1" wrap="square" lIns="91425" tIns="91425" rIns="91425" bIns="91425" anchor="ctr" anchorCtr="0">
             <a:noAutofit/>
           </a:bodyPr>
           <a:lstStyle>
@@ -6091,7 +6122,7 @@
             </a:lvl9pPr>
           </a:lstStyle>
           <a:p>
-            <a:pPr indent="0" lvl="0" marL="0" rtl="0" algn="r">
+            <a:pPr marL="0" lvl="0" indent="0" algn="r" rtl="0">
               <a:spcBef>
                 <a:spcPts val="0"/>
               </a:spcBef>
@@ -6117,18 +6148,19 @@
 </file>
 
 <file path=ppt/slideMasters/slideMaster1.xml><?xml version="1.0" encoding="utf-8"?>
-<p:sldMaster xmlns:a="http://schemas.openxmlformats.org/drawingml/2006/main" xmlns:r="http://schemas.openxmlformats.org/officeDocument/2006/relationships" xmlns:mc="http://schemas.openxmlformats.org/markup-compatibility/2006" xmlns:mv="urn:schemas-microsoft-com:mac:vml" xmlns:p="http://schemas.openxmlformats.org/presentationml/2006/main" xmlns:c="http://schemas.openxmlformats.org/drawingml/2006/chart" xmlns:dgm="http://schemas.openxmlformats.org/drawingml/2006/diagram" xmlns:o="urn:schemas-microsoft-com:office:office" xmlns:v="urn:schemas-microsoft-com:vml" xmlns:pvml="urn:schemas-microsoft-com:office:powerpoint" xmlns:com="http://schemas.openxmlformats.org/drawingml/2006/compatibility" xmlns:p14="http://schemas.microsoft.com/office/powerpoint/2010/main" xmlns:p15="http://schemas.microsoft.com/office/powerpoint/2012/main" xmlns:ahyp="http://schemas.microsoft.com/office/drawing/2018/hyperlinkcolor">
+<p:sldMaster xmlns:a="http://schemas.openxmlformats.org/drawingml/2006/main" xmlns:r="http://schemas.openxmlformats.org/officeDocument/2006/relationships" xmlns:p="http://schemas.openxmlformats.org/presentationml/2006/main">
   <p:cSld name="blue-gold">
     <p:bg>
       <p:bgPr>
         <a:solidFill>
           <a:schemeClr val="lt1"/>
         </a:solidFill>
+        <a:effectLst/>
       </p:bgPr>
     </p:bg>
     <p:spTree>
       <p:nvGrpSpPr>
-        <p:cNvPr id="5" name="Shape 5"/>
+        <p:cNvPr id="1" name="Shape 5"/>
         <p:cNvGrpSpPr/>
         <p:nvPr/>
       </p:nvGrpSpPr>
@@ -6143,7 +6175,9 @@
       <p:sp>
         <p:nvSpPr>
           <p:cNvPr id="6" name="Google Shape;6;p1"/>
-          <p:cNvSpPr txBox="1"/>
+          <p:cNvSpPr txBox="1">
+            <a:spLocks noGrp="1"/>
+          </p:cNvSpPr>
           <p:nvPr>
             <p:ph type="title"/>
           </p:nvPr>
@@ -6162,7 +6196,7 @@
           </a:ln>
         </p:spPr>
         <p:txBody>
-          <a:bodyPr anchorCtr="0" anchor="t" bIns="91425" lIns="91425" spcFirstLastPara="1" rIns="91425" wrap="square" tIns="91425">
+          <a:bodyPr spcFirstLastPara="1" wrap="square" lIns="91425" tIns="91425" rIns="91425" bIns="91425" anchor="t" anchorCtr="0">
             <a:noAutofit/>
           </a:bodyPr>
           <a:lstStyle>
@@ -6179,7 +6213,7 @@
               <a:buSzPts val="3200"/>
               <a:buFont typeface="Playfair Display"/>
               <a:buNone/>
-              <a:defRPr b="1" sz="3200">
+              <a:defRPr sz="3200" b="1">
                 <a:solidFill>
                   <a:schemeClr val="dk1"/>
                 </a:solidFill>
@@ -6202,7 +6236,7 @@
               <a:buSzPts val="3200"/>
               <a:buFont typeface="Playfair Display"/>
               <a:buNone/>
-              <a:defRPr b="1" sz="3200">
+              <a:defRPr sz="3200" b="1">
                 <a:solidFill>
                   <a:schemeClr val="dk1"/>
                 </a:solidFill>
@@ -6225,7 +6259,7 @@
               <a:buSzPts val="3200"/>
               <a:buFont typeface="Playfair Display"/>
               <a:buNone/>
-              <a:defRPr b="1" sz="3200">
+              <a:defRPr sz="3200" b="1">
                 <a:solidFill>
                   <a:schemeClr val="dk1"/>
                 </a:solidFill>
@@ -6248,7 +6282,7 @@
               <a:buSzPts val="3200"/>
               <a:buFont typeface="Playfair Display"/>
               <a:buNone/>
-              <a:defRPr b="1" sz="3200">
+              <a:defRPr sz="3200" b="1">
                 <a:solidFill>
                   <a:schemeClr val="dk1"/>
                 </a:solidFill>
@@ -6271,7 +6305,7 @@
               <a:buSzPts val="3200"/>
               <a:buFont typeface="Playfair Display"/>
               <a:buNone/>
-              <a:defRPr b="1" sz="3200">
+              <a:defRPr sz="3200" b="1">
                 <a:solidFill>
                   <a:schemeClr val="dk1"/>
                 </a:solidFill>
@@ -6294,7 +6328,7 @@
               <a:buSzPts val="3200"/>
               <a:buFont typeface="Playfair Display"/>
               <a:buNone/>
-              <a:defRPr b="1" sz="3200">
+              <a:defRPr sz="3200" b="1">
                 <a:solidFill>
                   <a:schemeClr val="dk1"/>
                 </a:solidFill>
@@ -6317,7 +6351,7 @@
               <a:buSzPts val="3200"/>
               <a:buFont typeface="Playfair Display"/>
               <a:buNone/>
-              <a:defRPr b="1" sz="3200">
+              <a:defRPr sz="3200" b="1">
                 <a:solidFill>
                   <a:schemeClr val="dk1"/>
                 </a:solidFill>
@@ -6340,7 +6374,7 @@
               <a:buSzPts val="3200"/>
               <a:buFont typeface="Playfair Display"/>
               <a:buNone/>
-              <a:defRPr b="1" sz="3200">
+              <a:defRPr sz="3200" b="1">
                 <a:solidFill>
                   <a:schemeClr val="dk1"/>
                 </a:solidFill>
@@ -6363,7 +6397,7 @@
               <a:buSzPts val="3200"/>
               <a:buFont typeface="Playfair Display"/>
               <a:buNone/>
-              <a:defRPr b="1" sz="3200">
+              <a:defRPr sz="3200" b="1">
                 <a:solidFill>
                   <a:schemeClr val="dk1"/>
                 </a:solidFill>
@@ -6374,15 +6408,19 @@
               </a:defRPr>
             </a:lvl9pPr>
           </a:lstStyle>
-          <a:p/>
+          <a:p>
+            <a:endParaRPr/>
+          </a:p>
         </p:txBody>
       </p:sp>
       <p:sp>
         <p:nvSpPr>
           <p:cNvPr id="7" name="Google Shape;7;p1"/>
-          <p:cNvSpPr txBox="1"/>
+          <p:cNvSpPr txBox="1">
+            <a:spLocks noGrp="1"/>
+          </p:cNvSpPr>
           <p:nvPr>
-            <p:ph idx="1" type="body"/>
+            <p:ph type="body" idx="1"/>
           </p:nvPr>
         </p:nvSpPr>
         <p:spPr>
@@ -6399,11 +6437,11 @@
           </a:ln>
         </p:spPr>
         <p:txBody>
-          <a:bodyPr anchorCtr="0" anchor="t" bIns="91425" lIns="91425" spcFirstLastPara="1" rIns="91425" wrap="square" tIns="91425">
+          <a:bodyPr spcFirstLastPara="1" wrap="square" lIns="91425" tIns="91425" rIns="91425" bIns="91425" anchor="t" anchorCtr="0">
             <a:noAutofit/>
           </a:bodyPr>
           <a:lstStyle>
-            <a:lvl1pPr indent="-342900" lvl="0" marL="457200">
+            <a:lvl1pPr marL="457200" lvl="0" indent="-342900">
               <a:lnSpc>
                 <a:spcPct val="115000"/>
               </a:lnSpc>
@@ -6429,7 +6467,7 @@
                 <a:sym typeface="Lato"/>
               </a:defRPr>
             </a:lvl1pPr>
-            <a:lvl2pPr indent="-317500" lvl="1" marL="914400">
+            <a:lvl2pPr marL="914400" lvl="1" indent="-317500">
               <a:lnSpc>
                 <a:spcPct val="115000"/>
               </a:lnSpc>
@@ -6455,7 +6493,7 @@
                 <a:sym typeface="Lato"/>
               </a:defRPr>
             </a:lvl2pPr>
-            <a:lvl3pPr indent="-317500" lvl="2" marL="1371600">
+            <a:lvl3pPr marL="1371600" lvl="2" indent="-317500">
               <a:lnSpc>
                 <a:spcPct val="115000"/>
               </a:lnSpc>
@@ -6481,7 +6519,7 @@
                 <a:sym typeface="Lato"/>
               </a:defRPr>
             </a:lvl3pPr>
-            <a:lvl4pPr indent="-317500" lvl="3" marL="1828800">
+            <a:lvl4pPr marL="1828800" lvl="3" indent="-317500">
               <a:lnSpc>
                 <a:spcPct val="115000"/>
               </a:lnSpc>
@@ -6507,7 +6545,7 @@
                 <a:sym typeface="Lato"/>
               </a:defRPr>
             </a:lvl4pPr>
-            <a:lvl5pPr indent="-317500" lvl="4" marL="2286000">
+            <a:lvl5pPr marL="2286000" lvl="4" indent="-317500">
               <a:lnSpc>
                 <a:spcPct val="115000"/>
               </a:lnSpc>
@@ -6533,7 +6571,7 @@
                 <a:sym typeface="Lato"/>
               </a:defRPr>
             </a:lvl5pPr>
-            <a:lvl6pPr indent="-317500" lvl="5" marL="2743200">
+            <a:lvl6pPr marL="2743200" lvl="5" indent="-317500">
               <a:lnSpc>
                 <a:spcPct val="115000"/>
               </a:lnSpc>
@@ -6559,7 +6597,7 @@
                 <a:sym typeface="Lato"/>
               </a:defRPr>
             </a:lvl6pPr>
-            <a:lvl7pPr indent="-317500" lvl="6" marL="3200400">
+            <a:lvl7pPr marL="3200400" lvl="6" indent="-317500">
               <a:lnSpc>
                 <a:spcPct val="115000"/>
               </a:lnSpc>
@@ -6585,7 +6623,7 @@
                 <a:sym typeface="Lato"/>
               </a:defRPr>
             </a:lvl7pPr>
-            <a:lvl8pPr indent="-317500" lvl="7" marL="3657600">
+            <a:lvl8pPr marL="3657600" lvl="7" indent="-317500">
               <a:lnSpc>
                 <a:spcPct val="115000"/>
               </a:lnSpc>
@@ -6611,7 +6649,7 @@
                 <a:sym typeface="Lato"/>
               </a:defRPr>
             </a:lvl8pPr>
-            <a:lvl9pPr indent="-317500" lvl="8" marL="4114800">
+            <a:lvl9pPr marL="4114800" lvl="8" indent="-317500">
               <a:lnSpc>
                 <a:spcPct val="115000"/>
               </a:lnSpc>
@@ -6638,15 +6676,19 @@
               </a:defRPr>
             </a:lvl9pPr>
           </a:lstStyle>
-          <a:p/>
+          <a:p>
+            <a:endParaRPr/>
+          </a:p>
         </p:txBody>
       </p:sp>
       <p:sp>
         <p:nvSpPr>
           <p:cNvPr id="8" name="Google Shape;8;p1"/>
-          <p:cNvSpPr txBox="1"/>
+          <p:cNvSpPr txBox="1">
+            <a:spLocks noGrp="1"/>
+          </p:cNvSpPr>
           <p:nvPr>
-            <p:ph idx="12" type="sldNum"/>
+            <p:ph type="sldNum" idx="12"/>
           </p:nvPr>
         </p:nvSpPr>
         <p:spPr>
@@ -6663,7 +6705,7 @@
           </a:ln>
         </p:spPr>
         <p:txBody>
-          <a:bodyPr anchorCtr="0" anchor="ctr" bIns="91425" lIns="91425" spcFirstLastPara="1" rIns="91425" wrap="square" tIns="91425">
+          <a:bodyPr spcFirstLastPara="1" wrap="square" lIns="91425" tIns="91425" rIns="91425" bIns="91425" anchor="ctr" anchorCtr="0">
             <a:noAutofit/>
           </a:bodyPr>
           <a:lstStyle>
@@ -6777,7 +6819,7 @@
             </a:lvl9pPr>
           </a:lstStyle>
           <a:p>
-            <a:pPr indent="0" lvl="0" marL="0" rtl="0" algn="r">
+            <a:pPr marL="0" lvl="0" indent="0" algn="r" rtl="0">
               <a:spcBef>
                 <a:spcPts val="0"/>
               </a:spcBef>
@@ -6796,7 +6838,7 @@
       </p:sp>
     </p:spTree>
   </p:cSld>
-  <p:clrMap accent1="accent1" accent2="accent2" accent3="accent3" accent4="accent4" accent5="accent5" accent6="accent6" bg1="lt1" bg2="dk2" tx1="dk1" tx2="lt2" folHlink="folHlink" hlink="hlink"/>
+  <p:clrMap bg1="lt1" tx1="dk1" bg2="dk2" tx2="lt2" accent1="accent1" accent2="accent2" accent3="accent3" accent4="accent4" accent5="accent5" accent6="accent6" hlink="hlink" folHlink="folHlink"/>
   <p:sldLayoutIdLst>
     <p:sldLayoutId id="2147483648" r:id="rId1"/>
     <p:sldLayoutId id="2147483649" r:id="rId2"/>
@@ -6810,10 +6852,10 @@
     <p:sldLayoutId id="2147483657" r:id="rId10"/>
     <p:sldLayoutId id="2147483658" r:id="rId11"/>
   </p:sldLayoutIdLst>
-  <p:hf dt="0" ftr="0" hdr="0" sldNum="0"/>
+  <p:hf sldNum="0" hdr="0" ftr="0" dt="0"/>
   <p:txStyles>
     <p:titleStyle>
-      <a:defPPr lvl="0" marR="0" rtl="0" algn="l">
+      <a:defPPr marR="0" lvl="0" algn="l" rtl="0">
         <a:lnSpc>
           <a:spcPct val="100000"/>
         </a:lnSpc>
@@ -6824,7 +6866,7 @@
           <a:spcPts val="0"/>
         </a:spcAft>
       </a:defPPr>
-      <a:lvl1pPr lvl="0" marR="0" rtl="0" algn="l">
+      <a:lvl1pPr marR="0" lvl="0" algn="l" rtl="0">
         <a:lnSpc>
           <a:spcPct val="100000"/>
         </a:lnSpc>
@@ -6838,7 +6880,7 @@
           <a:srgbClr val="000000"/>
         </a:buClr>
         <a:buFont typeface="Arial"/>
-        <a:defRPr b="0" i="0" sz="1400" u="none" cap="none" strike="noStrike">
+        <a:defRPr sz="1400" b="0" i="0" u="none" strike="noStrike" cap="none">
           <a:solidFill>
             <a:srgbClr val="000000"/>
           </a:solidFill>
@@ -6848,7 +6890,7 @@
           <a:sym typeface="Arial"/>
         </a:defRPr>
       </a:lvl1pPr>
-      <a:lvl2pPr lvl="1" marR="0" rtl="0" algn="l">
+      <a:lvl2pPr marR="0" lvl="1" algn="l" rtl="0">
         <a:lnSpc>
           <a:spcPct val="100000"/>
         </a:lnSpc>
@@ -6862,7 +6904,7 @@
           <a:srgbClr val="000000"/>
         </a:buClr>
         <a:buFont typeface="Arial"/>
-        <a:defRPr b="0" i="0" sz="1400" u="none" cap="none" strike="noStrike">
+        <a:defRPr sz="1400" b="0" i="0" u="none" strike="noStrike" cap="none">
           <a:solidFill>
             <a:srgbClr val="000000"/>
           </a:solidFill>
@@ -6872,7 +6914,7 @@
           <a:sym typeface="Arial"/>
         </a:defRPr>
       </a:lvl2pPr>
-      <a:lvl3pPr lvl="2" marR="0" rtl="0" algn="l">
+      <a:lvl3pPr marR="0" lvl="2" algn="l" rtl="0">
         <a:lnSpc>
           <a:spcPct val="100000"/>
         </a:lnSpc>
@@ -6886,7 +6928,7 @@
           <a:srgbClr val="000000"/>
         </a:buClr>
         <a:buFont typeface="Arial"/>
-        <a:defRPr b="0" i="0" sz="1400" u="none" cap="none" strike="noStrike">
+        <a:defRPr sz="1400" b="0" i="0" u="none" strike="noStrike" cap="none">
           <a:solidFill>
             <a:srgbClr val="000000"/>
           </a:solidFill>
@@ -6896,7 +6938,7 @@
           <a:sym typeface="Arial"/>
         </a:defRPr>
       </a:lvl3pPr>
-      <a:lvl4pPr lvl="3" marR="0" rtl="0" algn="l">
+      <a:lvl4pPr marR="0" lvl="3" algn="l" rtl="0">
         <a:lnSpc>
           <a:spcPct val="100000"/>
         </a:lnSpc>
@@ -6910,7 +6952,7 @@
           <a:srgbClr val="000000"/>
         </a:buClr>
         <a:buFont typeface="Arial"/>
-        <a:defRPr b="0" i="0" sz="1400" u="none" cap="none" strike="noStrike">
+        <a:defRPr sz="1400" b="0" i="0" u="none" strike="noStrike" cap="none">
           <a:solidFill>
             <a:srgbClr val="000000"/>
           </a:solidFill>
@@ -6920,7 +6962,7 @@
           <a:sym typeface="Arial"/>
         </a:defRPr>
       </a:lvl4pPr>
-      <a:lvl5pPr lvl="4" marR="0" rtl="0" algn="l">
+      <a:lvl5pPr marR="0" lvl="4" algn="l" rtl="0">
         <a:lnSpc>
           <a:spcPct val="100000"/>
         </a:lnSpc>
@@ -6934,7 +6976,7 @@
           <a:srgbClr val="000000"/>
         </a:buClr>
         <a:buFont typeface="Arial"/>
-        <a:defRPr b="0" i="0" sz="1400" u="none" cap="none" strike="noStrike">
+        <a:defRPr sz="1400" b="0" i="0" u="none" strike="noStrike" cap="none">
           <a:solidFill>
             <a:srgbClr val="000000"/>
           </a:solidFill>
@@ -6944,7 +6986,7 @@
           <a:sym typeface="Arial"/>
         </a:defRPr>
       </a:lvl5pPr>
-      <a:lvl6pPr lvl="5" marR="0" rtl="0" algn="l">
+      <a:lvl6pPr marR="0" lvl="5" algn="l" rtl="0">
         <a:lnSpc>
           <a:spcPct val="100000"/>
         </a:lnSpc>
@@ -6958,7 +7000,7 @@
           <a:srgbClr val="000000"/>
         </a:buClr>
         <a:buFont typeface="Arial"/>
-        <a:defRPr b="0" i="0" sz="1400" u="none" cap="none" strike="noStrike">
+        <a:defRPr sz="1400" b="0" i="0" u="none" strike="noStrike" cap="none">
           <a:solidFill>
             <a:srgbClr val="000000"/>
           </a:solidFill>
@@ -6968,7 +7010,7 @@
           <a:sym typeface="Arial"/>
         </a:defRPr>
       </a:lvl6pPr>
-      <a:lvl7pPr lvl="6" marR="0" rtl="0" algn="l">
+      <a:lvl7pPr marR="0" lvl="6" algn="l" rtl="0">
         <a:lnSpc>
           <a:spcPct val="100000"/>
         </a:lnSpc>
@@ -6982,7 +7024,7 @@
           <a:srgbClr val="000000"/>
         </a:buClr>
         <a:buFont typeface="Arial"/>
-        <a:defRPr b="0" i="0" sz="1400" u="none" cap="none" strike="noStrike">
+        <a:defRPr sz="1400" b="0" i="0" u="none" strike="noStrike" cap="none">
           <a:solidFill>
             <a:srgbClr val="000000"/>
           </a:solidFill>
@@ -6992,7 +7034,7 @@
           <a:sym typeface="Arial"/>
         </a:defRPr>
       </a:lvl7pPr>
-      <a:lvl8pPr lvl="7" marR="0" rtl="0" algn="l">
+      <a:lvl8pPr marR="0" lvl="7" algn="l" rtl="0">
         <a:lnSpc>
           <a:spcPct val="100000"/>
         </a:lnSpc>
@@ -7006,7 +7048,7 @@
           <a:srgbClr val="000000"/>
         </a:buClr>
         <a:buFont typeface="Arial"/>
-        <a:defRPr b="0" i="0" sz="1400" u="none" cap="none" strike="noStrike">
+        <a:defRPr sz="1400" b="0" i="0" u="none" strike="noStrike" cap="none">
           <a:solidFill>
             <a:srgbClr val="000000"/>
           </a:solidFill>
@@ -7016,7 +7058,7 @@
           <a:sym typeface="Arial"/>
         </a:defRPr>
       </a:lvl8pPr>
-      <a:lvl9pPr lvl="8" marR="0" rtl="0" algn="l">
+      <a:lvl9pPr marR="0" lvl="8" algn="l" rtl="0">
         <a:lnSpc>
           <a:spcPct val="100000"/>
         </a:lnSpc>
@@ -7030,7 +7072,7 @@
           <a:srgbClr val="000000"/>
         </a:buClr>
         <a:buFont typeface="Arial"/>
-        <a:defRPr b="0" i="0" sz="1400" u="none" cap="none" strike="noStrike">
+        <a:defRPr sz="1400" b="0" i="0" u="none" strike="noStrike" cap="none">
           <a:solidFill>
             <a:srgbClr val="000000"/>
           </a:solidFill>
@@ -7042,7 +7084,7 @@
       </a:lvl9pPr>
     </p:titleStyle>
     <p:bodyStyle>
-      <a:defPPr lvl="0" marR="0" rtl="0" algn="l">
+      <a:defPPr marR="0" lvl="0" algn="l" rtl="0">
         <a:lnSpc>
           <a:spcPct val="100000"/>
         </a:lnSpc>
@@ -7053,7 +7095,7 @@
           <a:spcPts val="0"/>
         </a:spcAft>
       </a:defPPr>
-      <a:lvl1pPr lvl="0" marR="0" rtl="0" algn="l">
+      <a:lvl1pPr marR="0" lvl="0" algn="l" rtl="0">
         <a:lnSpc>
           <a:spcPct val="100000"/>
         </a:lnSpc>
@@ -7067,7 +7109,7 @@
           <a:srgbClr val="000000"/>
         </a:buClr>
         <a:buFont typeface="Arial"/>
-        <a:defRPr b="0" i="0" sz="1400" u="none" cap="none" strike="noStrike">
+        <a:defRPr sz="1400" b="0" i="0" u="none" strike="noStrike" cap="none">
           <a:solidFill>
             <a:srgbClr val="000000"/>
           </a:solidFill>
@@ -7077,7 +7119,7 @@
           <a:sym typeface="Arial"/>
         </a:defRPr>
       </a:lvl1pPr>
-      <a:lvl2pPr lvl="1" marR="0" rtl="0" algn="l">
+      <a:lvl2pPr marR="0" lvl="1" algn="l" rtl="0">
         <a:lnSpc>
           <a:spcPct val="100000"/>
         </a:lnSpc>
@@ -7091,7 +7133,7 @@
           <a:srgbClr val="000000"/>
         </a:buClr>
         <a:buFont typeface="Arial"/>
-        <a:defRPr b="0" i="0" sz="1400" u="none" cap="none" strike="noStrike">
+        <a:defRPr sz="1400" b="0" i="0" u="none" strike="noStrike" cap="none">
           <a:solidFill>
             <a:srgbClr val="000000"/>
           </a:solidFill>
@@ -7101,7 +7143,7 @@
           <a:sym typeface="Arial"/>
         </a:defRPr>
       </a:lvl2pPr>
-      <a:lvl3pPr lvl="2" marR="0" rtl="0" algn="l">
+      <a:lvl3pPr marR="0" lvl="2" algn="l" rtl="0">
         <a:lnSpc>
           <a:spcPct val="100000"/>
         </a:lnSpc>
@@ -7115,7 +7157,7 @@
           <a:srgbClr val="000000"/>
         </a:buClr>
         <a:buFont typeface="Arial"/>
-        <a:defRPr b="0" i="0" sz="1400" u="none" cap="none" strike="noStrike">
+        <a:defRPr sz="1400" b="0" i="0" u="none" strike="noStrike" cap="none">
           <a:solidFill>
             <a:srgbClr val="000000"/>
           </a:solidFill>
@@ -7125,7 +7167,7 @@
           <a:sym typeface="Arial"/>
         </a:defRPr>
       </a:lvl3pPr>
-      <a:lvl4pPr lvl="3" marR="0" rtl="0" algn="l">
+      <a:lvl4pPr marR="0" lvl="3" algn="l" rtl="0">
         <a:lnSpc>
           <a:spcPct val="100000"/>
         </a:lnSpc>
@@ -7139,7 +7181,7 @@
           <a:srgbClr val="000000"/>
         </a:buClr>
         <a:buFont typeface="Arial"/>
-        <a:defRPr b="0" i="0" sz="1400" u="none" cap="none" strike="noStrike">
+        <a:defRPr sz="1400" b="0" i="0" u="none" strike="noStrike" cap="none">
           <a:solidFill>
             <a:srgbClr val="000000"/>
           </a:solidFill>
@@ -7149,7 +7191,7 @@
           <a:sym typeface="Arial"/>
         </a:defRPr>
       </a:lvl4pPr>
-      <a:lvl5pPr lvl="4" marR="0" rtl="0" algn="l">
+      <a:lvl5pPr marR="0" lvl="4" algn="l" rtl="0">
         <a:lnSpc>
           <a:spcPct val="100000"/>
         </a:lnSpc>
@@ -7163,7 +7205,7 @@
           <a:srgbClr val="000000"/>
         </a:buClr>
         <a:buFont typeface="Arial"/>
-        <a:defRPr b="0" i="0" sz="1400" u="none" cap="none" strike="noStrike">
+        <a:defRPr sz="1400" b="0" i="0" u="none" strike="noStrike" cap="none">
           <a:solidFill>
             <a:srgbClr val="000000"/>
           </a:solidFill>
@@ -7173,7 +7215,7 @@
           <a:sym typeface="Arial"/>
         </a:defRPr>
       </a:lvl5pPr>
-      <a:lvl6pPr lvl="5" marR="0" rtl="0" algn="l">
+      <a:lvl6pPr marR="0" lvl="5" algn="l" rtl="0">
         <a:lnSpc>
           <a:spcPct val="100000"/>
         </a:lnSpc>
@@ -7187,7 +7229,7 @@
           <a:srgbClr val="000000"/>
         </a:buClr>
         <a:buFont typeface="Arial"/>
-        <a:defRPr b="0" i="0" sz="1400" u="none" cap="none" strike="noStrike">
+        <a:defRPr sz="1400" b="0" i="0" u="none" strike="noStrike" cap="none">
           <a:solidFill>
             <a:srgbClr val="000000"/>
           </a:solidFill>
@@ -7197,7 +7239,7 @@
           <a:sym typeface="Arial"/>
         </a:defRPr>
       </a:lvl6pPr>
-      <a:lvl7pPr lvl="6" marR="0" rtl="0" algn="l">
+      <a:lvl7pPr marR="0" lvl="6" algn="l" rtl="0">
         <a:lnSpc>
           <a:spcPct val="100000"/>
         </a:lnSpc>
@@ -7211,7 +7253,7 @@
           <a:srgbClr val="000000"/>
         </a:buClr>
         <a:buFont typeface="Arial"/>
-        <a:defRPr b="0" i="0" sz="1400" u="none" cap="none" strike="noStrike">
+        <a:defRPr sz="1400" b="0" i="0" u="none" strike="noStrike" cap="none">
           <a:solidFill>
             <a:srgbClr val="000000"/>
           </a:solidFill>
@@ -7221,7 +7263,7 @@
           <a:sym typeface="Arial"/>
         </a:defRPr>
       </a:lvl7pPr>
-      <a:lvl8pPr lvl="7" marR="0" rtl="0" algn="l">
+      <a:lvl8pPr marR="0" lvl="7" algn="l" rtl="0">
         <a:lnSpc>
           <a:spcPct val="100000"/>
         </a:lnSpc>
@@ -7235,7 +7277,7 @@
           <a:srgbClr val="000000"/>
         </a:buClr>
         <a:buFont typeface="Arial"/>
-        <a:defRPr b="0" i="0" sz="1400" u="none" cap="none" strike="noStrike">
+        <a:defRPr sz="1400" b="0" i="0" u="none" strike="noStrike" cap="none">
           <a:solidFill>
             <a:srgbClr val="000000"/>
           </a:solidFill>
@@ -7245,7 +7287,7 @@
           <a:sym typeface="Arial"/>
         </a:defRPr>
       </a:lvl8pPr>
-      <a:lvl9pPr lvl="8" marR="0" rtl="0" algn="l">
+      <a:lvl9pPr marR="0" lvl="8" algn="l" rtl="0">
         <a:lnSpc>
           <a:spcPct val="100000"/>
         </a:lnSpc>
@@ -7259,7 +7301,7 @@
           <a:srgbClr val="000000"/>
         </a:buClr>
         <a:buFont typeface="Arial"/>
-        <a:defRPr b="0" i="0" sz="1400" u="none" cap="none" strike="noStrike">
+        <a:defRPr sz="1400" b="0" i="0" u="none" strike="noStrike" cap="none">
           <a:solidFill>
             <a:srgbClr val="000000"/>
           </a:solidFill>
@@ -7271,7 +7313,7 @@
       </a:lvl9pPr>
     </p:bodyStyle>
     <p:otherStyle>
-      <a:defPPr lvl="0" marR="0" rtl="0" algn="l">
+      <a:defPPr marR="0" lvl="0" algn="l" rtl="0">
         <a:lnSpc>
           <a:spcPct val="100000"/>
         </a:lnSpc>
@@ -7282,7 +7324,7 @@
           <a:spcPts val="0"/>
         </a:spcAft>
       </a:defPPr>
-      <a:lvl1pPr lvl="0" marR="0" rtl="0" algn="l">
+      <a:lvl1pPr marR="0" lvl="0" algn="l" rtl="0">
         <a:lnSpc>
           <a:spcPct val="100000"/>
         </a:lnSpc>
@@ -7296,7 +7338,7 @@
           <a:srgbClr val="000000"/>
         </a:buClr>
         <a:buFont typeface="Arial"/>
-        <a:defRPr b="0" i="0" sz="1400" u="none" cap="none" strike="noStrike">
+        <a:defRPr sz="1400" b="0" i="0" u="none" strike="noStrike" cap="none">
           <a:solidFill>
             <a:srgbClr val="000000"/>
           </a:solidFill>
@@ -7306,7 +7348,7 @@
           <a:sym typeface="Arial"/>
         </a:defRPr>
       </a:lvl1pPr>
-      <a:lvl2pPr lvl="1" marR="0" rtl="0" algn="l">
+      <a:lvl2pPr marR="0" lvl="1" algn="l" rtl="0">
         <a:lnSpc>
           <a:spcPct val="100000"/>
         </a:lnSpc>
@@ -7320,7 +7362,7 @@
           <a:srgbClr val="000000"/>
         </a:buClr>
         <a:buFont typeface="Arial"/>
-        <a:defRPr b="0" i="0" sz="1400" u="none" cap="none" strike="noStrike">
+        <a:defRPr sz="1400" b="0" i="0" u="none" strike="noStrike" cap="none">
           <a:solidFill>
             <a:srgbClr val="000000"/>
           </a:solidFill>
@@ -7330,7 +7372,7 @@
           <a:sym typeface="Arial"/>
         </a:defRPr>
       </a:lvl2pPr>
-      <a:lvl3pPr lvl="2" marR="0" rtl="0" algn="l">
+      <a:lvl3pPr marR="0" lvl="2" algn="l" rtl="0">
         <a:lnSpc>
           <a:spcPct val="100000"/>
         </a:lnSpc>
@@ -7344,7 +7386,7 @@
           <a:srgbClr val="000000"/>
         </a:buClr>
         <a:buFont typeface="Arial"/>
-        <a:defRPr b="0" i="0" sz="1400" u="none" cap="none" strike="noStrike">
+        <a:defRPr sz="1400" b="0" i="0" u="none" strike="noStrike" cap="none">
           <a:solidFill>
             <a:srgbClr val="000000"/>
           </a:solidFill>
@@ -7354,7 +7396,7 @@
           <a:sym typeface="Arial"/>
         </a:defRPr>
       </a:lvl3pPr>
-      <a:lvl4pPr lvl="3" marR="0" rtl="0" algn="l">
+      <a:lvl4pPr marR="0" lvl="3" algn="l" rtl="0">
         <a:lnSpc>
           <a:spcPct val="100000"/>
         </a:lnSpc>
@@ -7368,7 +7410,7 @@
           <a:srgbClr val="000000"/>
         </a:buClr>
         <a:buFont typeface="Arial"/>
-        <a:defRPr b="0" i="0" sz="1400" u="none" cap="none" strike="noStrike">
+        <a:defRPr sz="1400" b="0" i="0" u="none" strike="noStrike" cap="none">
           <a:solidFill>
             <a:srgbClr val="000000"/>
           </a:solidFill>
@@ -7378,7 +7420,7 @@
           <a:sym typeface="Arial"/>
         </a:defRPr>
       </a:lvl4pPr>
-      <a:lvl5pPr lvl="4" marR="0" rtl="0" algn="l">
+      <a:lvl5pPr marR="0" lvl="4" algn="l" rtl="0">
         <a:lnSpc>
           <a:spcPct val="100000"/>
         </a:lnSpc>
@@ -7392,7 +7434,7 @@
           <a:srgbClr val="000000"/>
         </a:buClr>
         <a:buFont typeface="Arial"/>
-        <a:defRPr b="0" i="0" sz="1400" u="none" cap="none" strike="noStrike">
+        <a:defRPr sz="1400" b="0" i="0" u="none" strike="noStrike" cap="none">
           <a:solidFill>
             <a:srgbClr val="000000"/>
           </a:solidFill>
@@ -7402,7 +7444,7 @@
           <a:sym typeface="Arial"/>
         </a:defRPr>
       </a:lvl5pPr>
-      <a:lvl6pPr lvl="5" marR="0" rtl="0" algn="l">
+      <a:lvl6pPr marR="0" lvl="5" algn="l" rtl="0">
         <a:lnSpc>
           <a:spcPct val="100000"/>
         </a:lnSpc>
@@ -7416,7 +7458,7 @@
           <a:srgbClr val="000000"/>
         </a:buClr>
         <a:buFont typeface="Arial"/>
-        <a:defRPr b="0" i="0" sz="1400" u="none" cap="none" strike="noStrike">
+        <a:defRPr sz="1400" b="0" i="0" u="none" strike="noStrike" cap="none">
           <a:solidFill>
             <a:srgbClr val="000000"/>
           </a:solidFill>
@@ -7426,7 +7468,7 @@
           <a:sym typeface="Arial"/>
         </a:defRPr>
       </a:lvl6pPr>
-      <a:lvl7pPr lvl="6" marR="0" rtl="0" algn="l">
+      <a:lvl7pPr marR="0" lvl="6" algn="l" rtl="0">
         <a:lnSpc>
           <a:spcPct val="100000"/>
         </a:lnSpc>
@@ -7440,7 +7482,7 @@
           <a:srgbClr val="000000"/>
         </a:buClr>
         <a:buFont typeface="Arial"/>
-        <a:defRPr b="0" i="0" sz="1400" u="none" cap="none" strike="noStrike">
+        <a:defRPr sz="1400" b="0" i="0" u="none" strike="noStrike" cap="none">
           <a:solidFill>
             <a:srgbClr val="000000"/>
           </a:solidFill>
@@ -7450,7 +7492,7 @@
           <a:sym typeface="Arial"/>
         </a:defRPr>
       </a:lvl7pPr>
-      <a:lvl8pPr lvl="7" marR="0" rtl="0" algn="l">
+      <a:lvl8pPr marR="0" lvl="7" algn="l" rtl="0">
         <a:lnSpc>
           <a:spcPct val="100000"/>
         </a:lnSpc>
@@ -7464,7 +7506,7 @@
           <a:srgbClr val="000000"/>
         </a:buClr>
         <a:buFont typeface="Arial"/>
-        <a:defRPr b="0" i="0" sz="1400" u="none" cap="none" strike="noStrike">
+        <a:defRPr sz="1400" b="0" i="0" u="none" strike="noStrike" cap="none">
           <a:solidFill>
             <a:srgbClr val="000000"/>
           </a:solidFill>
@@ -7474,7 +7516,7 @@
           <a:sym typeface="Arial"/>
         </a:defRPr>
       </a:lvl8pPr>
-      <a:lvl9pPr lvl="8" marR="0" rtl="0" algn="l">
+      <a:lvl9pPr marR="0" lvl="8" algn="l" rtl="0">
         <a:lnSpc>
           <a:spcPct val="100000"/>
         </a:lnSpc>
@@ -7488,7 +7530,7 @@
           <a:srgbClr val="000000"/>
         </a:buClr>
         <a:buFont typeface="Arial"/>
-        <a:defRPr b="0" i="0" sz="1400" u="none" cap="none" strike="noStrike">
+        <a:defRPr sz="1400" b="0" i="0" u="none" strike="noStrike" cap="none">
           <a:solidFill>
             <a:srgbClr val="000000"/>
           </a:solidFill>
@@ -7504,11 +7546,11 @@
 </file>
 
 <file path=ppt/slides/slide1.xml><?xml version="1.0" encoding="utf-8"?>
-<p:sld xmlns:a="http://schemas.openxmlformats.org/drawingml/2006/main" xmlns:r="http://schemas.openxmlformats.org/officeDocument/2006/relationships" xmlns:mc="http://schemas.openxmlformats.org/markup-compatibility/2006" xmlns:mv="urn:schemas-microsoft-com:mac:vml" xmlns:p="http://schemas.openxmlformats.org/presentationml/2006/main" xmlns:c="http://schemas.openxmlformats.org/drawingml/2006/chart" xmlns:dgm="http://schemas.openxmlformats.org/drawingml/2006/diagram" xmlns:o="urn:schemas-microsoft-com:office:office" xmlns:v="urn:schemas-microsoft-com:vml" xmlns:pvml="urn:schemas-microsoft-com:office:powerpoint" xmlns:com="http://schemas.openxmlformats.org/drawingml/2006/compatibility" xmlns:p14="http://schemas.microsoft.com/office/powerpoint/2010/main" xmlns:p15="http://schemas.microsoft.com/office/powerpoint/2012/main" xmlns:ahyp="http://schemas.microsoft.com/office/drawing/2018/hyperlinkcolor">
+<p:sld xmlns:a="http://schemas.openxmlformats.org/drawingml/2006/main" xmlns:r="http://schemas.openxmlformats.org/officeDocument/2006/relationships" xmlns:p="http://schemas.openxmlformats.org/presentationml/2006/main">
   <p:cSld>
     <p:spTree>
       <p:nvGrpSpPr>
-        <p:cNvPr id="67" name="Shape 67"/>
+        <p:cNvPr id="1" name="Shape 67"/>
         <p:cNvGrpSpPr/>
         <p:nvPr/>
       </p:nvGrpSpPr>
@@ -7523,7 +7565,9 @@
       <p:sp>
         <p:nvSpPr>
           <p:cNvPr id="68" name="Google Shape;68;p13"/>
-          <p:cNvSpPr txBox="1"/>
+          <p:cNvSpPr txBox="1">
+            <a:spLocks noGrp="1"/>
+          </p:cNvSpPr>
           <p:nvPr>
             <p:ph type="ctrTitle"/>
           </p:nvPr>
@@ -7538,12 +7582,12 @@
           </a:prstGeom>
         </p:spPr>
         <p:txBody>
-          <a:bodyPr anchorCtr="0" anchor="b" bIns="91425" lIns="91425" spcFirstLastPara="1" rIns="91425" wrap="square" tIns="91425">
+          <a:bodyPr spcFirstLastPara="1" wrap="square" lIns="91425" tIns="91425" rIns="91425" bIns="91425" anchor="b" anchorCtr="0">
             <a:noAutofit/>
           </a:bodyPr>
           <a:lstStyle/>
           <a:p>
-            <a:pPr indent="0" lvl="0" marL="0" rtl="0" algn="l">
+            <a:pPr marL="0" lvl="0" indent="0" algn="l" rtl="0">
               <a:spcBef>
                 <a:spcPts val="1000"/>
               </a:spcBef>
@@ -7563,9 +7607,11 @@
       <p:sp>
         <p:nvSpPr>
           <p:cNvPr id="69" name="Google Shape;69;p13"/>
-          <p:cNvSpPr txBox="1"/>
+          <p:cNvSpPr txBox="1">
+            <a:spLocks noGrp="1"/>
+          </p:cNvSpPr>
           <p:nvPr>
-            <p:ph idx="1" type="subTitle"/>
+            <p:ph type="subTitle" idx="1"/>
           </p:nvPr>
         </p:nvSpPr>
         <p:spPr>
@@ -7578,12 +7624,12 @@
           </a:prstGeom>
         </p:spPr>
         <p:txBody>
-          <a:bodyPr anchorCtr="0" anchor="b" bIns="91425" lIns="91425" spcFirstLastPara="1" rIns="91425" wrap="square" tIns="91425">
+          <a:bodyPr spcFirstLastPara="1" wrap="square" lIns="91425" tIns="91425" rIns="91425" bIns="91425" anchor="b" anchorCtr="0">
             <a:noAutofit/>
           </a:bodyPr>
           <a:lstStyle/>
           <a:p>
-            <a:pPr indent="0" lvl="0" marL="0" rtl="0" algn="l">
+            <a:pPr marL="0" lvl="0" indent="0" algn="l" rtl="0">
               <a:spcBef>
                 <a:spcPts val="1000"/>
               </a:spcBef>
@@ -7609,11 +7655,11 @@
 </file>
 
 <file path=ppt/slides/slide10.xml><?xml version="1.0" encoding="utf-8"?>
-<p:sld xmlns:a="http://schemas.openxmlformats.org/drawingml/2006/main" xmlns:r="http://schemas.openxmlformats.org/officeDocument/2006/relationships" xmlns:mc="http://schemas.openxmlformats.org/markup-compatibility/2006" xmlns:mv="urn:schemas-microsoft-com:mac:vml" xmlns:p="http://schemas.openxmlformats.org/presentationml/2006/main" xmlns:c="http://schemas.openxmlformats.org/drawingml/2006/chart" xmlns:dgm="http://schemas.openxmlformats.org/drawingml/2006/diagram" xmlns:o="urn:schemas-microsoft-com:office:office" xmlns:v="urn:schemas-microsoft-com:vml" xmlns:pvml="urn:schemas-microsoft-com:office:powerpoint" xmlns:com="http://schemas.openxmlformats.org/drawingml/2006/compatibility" xmlns:p14="http://schemas.microsoft.com/office/powerpoint/2010/main" xmlns:p15="http://schemas.microsoft.com/office/powerpoint/2012/main" xmlns:ahyp="http://schemas.microsoft.com/office/drawing/2018/hyperlinkcolor">
+<p:sld xmlns:a="http://schemas.openxmlformats.org/drawingml/2006/main" xmlns:r="http://schemas.openxmlformats.org/officeDocument/2006/relationships" xmlns:p="http://schemas.openxmlformats.org/presentationml/2006/main">
   <p:cSld>
     <p:spTree>
       <p:nvGrpSpPr>
-        <p:cNvPr id="125" name="Shape 125"/>
+        <p:cNvPr id="1" name="Shape 125"/>
         <p:cNvGrpSpPr/>
         <p:nvPr/>
       </p:nvGrpSpPr>
@@ -7673,12 +7719,12 @@
           </a:ln>
         </p:spPr>
         <p:txBody>
-          <a:bodyPr anchorCtr="0" anchor="t" bIns="91425" lIns="91425" spcFirstLastPara="1" rIns="91425" wrap="square" tIns="91425">
+          <a:bodyPr spcFirstLastPara="1" wrap="square" lIns="91425" tIns="91425" rIns="91425" bIns="91425" anchor="t" anchorCtr="0">
             <a:spAutoFit/>
           </a:bodyPr>
           <a:lstStyle/>
           <a:p>
-            <a:pPr indent="0" lvl="0" marL="0" rtl="0" algn="l">
+            <a:pPr marL="0" lvl="0" indent="0" algn="l" rtl="0">
               <a:spcBef>
                 <a:spcPts val="0"/>
               </a:spcBef>
@@ -7688,7 +7734,7 @@
               <a:buNone/>
             </a:pPr>
             <a:r>
-              <a:rPr lang="ja">
+              <a:rPr lang="ja" dirty="0">
                 <a:solidFill>
                   <a:srgbClr val="F3F3F3"/>
                 </a:solidFill>
@@ -7700,7 +7746,7 @@
               <a:t>ヒエラルキー（Hierarchy）</a:t>
             </a:r>
             <a:br>
-              <a:rPr lang="ja">
+              <a:rPr lang="ja" dirty="0">
                 <a:solidFill>
                   <a:srgbClr val="F3F3F3"/>
                 </a:solidFill>
@@ -7711,7 +7757,7 @@
               </a:rPr>
             </a:br>
             <a:r>
-              <a:rPr lang="ja">
+              <a:rPr lang="ja" dirty="0">
                 <a:solidFill>
                   <a:srgbClr val="F3F3F3"/>
                 </a:solidFill>
@@ -7722,7 +7768,7 @@
               </a:rPr>
               <a:t>シーンビューに出てるオブジェクトが</a:t>
             </a:r>
-            <a:endParaRPr>
+            <a:endParaRPr dirty="0">
               <a:solidFill>
                 <a:srgbClr val="F3F3F3"/>
               </a:solidFill>
@@ -7733,7 +7779,7 @@
             </a:endParaRPr>
           </a:p>
           <a:p>
-            <a:pPr indent="0" lvl="0" marL="0" rtl="0" algn="l">
+            <a:pPr marL="0" lvl="0" indent="0" algn="l" rtl="0">
               <a:spcBef>
                 <a:spcPts val="0"/>
               </a:spcBef>
@@ -7743,7 +7789,7 @@
               <a:buNone/>
             </a:pPr>
             <a:r>
-              <a:rPr lang="ja">
+              <a:rPr lang="ja" dirty="0">
                 <a:solidFill>
                   <a:srgbClr val="F3F3F3"/>
                 </a:solidFill>
@@ -7754,7 +7800,7 @@
               </a:rPr>
               <a:t>表示される後に出てくる親子関係にも使うよ</a:t>
             </a:r>
-            <a:endParaRPr>
+            <a:endParaRPr dirty="0">
               <a:solidFill>
                 <a:srgbClr val="F3F3F3"/>
               </a:solidFill>
@@ -7765,7 +7811,7 @@
             </a:endParaRPr>
           </a:p>
           <a:p>
-            <a:pPr indent="0" lvl="0" marL="0" rtl="0" algn="l">
+            <a:pPr marL="0" lvl="0" indent="0" algn="l" rtl="0">
               <a:spcBef>
                 <a:spcPts val="0"/>
               </a:spcBef>
@@ -7774,10 +7820,7 @@
               </a:spcAft>
               <a:buNone/>
             </a:pPr>
-            <a:r>
-              <a:t/>
-            </a:r>
-            <a:endParaRPr>
+            <a:endParaRPr dirty="0">
               <a:solidFill>
                 <a:srgbClr val="F3F3F3"/>
               </a:solidFill>
@@ -7809,12 +7852,12 @@
           </a:ln>
         </p:spPr>
         <p:txBody>
-          <a:bodyPr anchorCtr="0" anchor="t" bIns="91425" lIns="91425" spcFirstLastPara="1" rIns="91425" wrap="square" tIns="91425">
+          <a:bodyPr spcFirstLastPara="1" wrap="square" lIns="91425" tIns="91425" rIns="91425" bIns="91425" anchor="t" anchorCtr="0">
             <a:spAutoFit/>
           </a:bodyPr>
           <a:lstStyle/>
           <a:p>
-            <a:pPr indent="0" lvl="0" marL="0" rtl="0" algn="l">
+            <a:pPr marL="0" lvl="0" indent="0" algn="l" rtl="0">
               <a:spcBef>
                 <a:spcPts val="0"/>
               </a:spcBef>
@@ -7823,9 +7866,6 @@
               </a:spcAft>
               <a:buNone/>
             </a:pPr>
-            <a:r>
-              <a:t/>
-            </a:r>
             <a:endParaRPr>
               <a:latin typeface="Lato"/>
               <a:ea typeface="Lato"/>
@@ -7850,23 +7890,23 @@
             <a:avLst/>
           </a:prstGeom>
           <a:noFill/>
-          <a:ln cap="flat" cmpd="sng" w="9525">
+          <a:ln w="9525" cap="flat" cmpd="sng">
             <a:solidFill>
               <a:srgbClr val="FF0000"/>
             </a:solidFill>
             <a:prstDash val="solid"/>
             <a:round/>
-            <a:headEnd len="sm" w="sm" type="none"/>
-            <a:tailEnd len="sm" w="sm" type="none"/>
+            <a:headEnd type="none" w="sm" len="sm"/>
+            <a:tailEnd type="none" w="sm" len="sm"/>
           </a:ln>
         </p:spPr>
         <p:txBody>
-          <a:bodyPr anchorCtr="0" anchor="ctr" bIns="91425" lIns="91425" spcFirstLastPara="1" rIns="91425" wrap="square" tIns="91425">
+          <a:bodyPr spcFirstLastPara="1" wrap="square" lIns="91425" tIns="91425" rIns="91425" bIns="91425" anchor="ctr" anchorCtr="0">
             <a:noAutofit/>
           </a:bodyPr>
           <a:lstStyle/>
           <a:p>
-            <a:pPr indent="0" lvl="0" marL="0" rtl="0" algn="l">
+            <a:pPr marL="0" lvl="0" indent="0" algn="l" rtl="0">
               <a:spcBef>
                 <a:spcPts val="0"/>
               </a:spcBef>
@@ -7875,9 +7915,6 @@
               </a:spcAft>
               <a:buNone/>
             </a:pPr>
-            <a:r>
-              <a:t/>
-            </a:r>
             <a:endParaRPr/>
           </a:p>
         </p:txBody>
@@ -7897,23 +7934,23 @@
             <a:avLst/>
           </a:prstGeom>
           <a:noFill/>
-          <a:ln cap="flat" cmpd="sng" w="9525">
+          <a:ln w="9525" cap="flat" cmpd="sng">
             <a:solidFill>
               <a:srgbClr val="0000FF"/>
             </a:solidFill>
             <a:prstDash val="solid"/>
             <a:round/>
-            <a:headEnd len="sm" w="sm" type="none"/>
-            <a:tailEnd len="sm" w="sm" type="none"/>
+            <a:headEnd type="none" w="sm" len="sm"/>
+            <a:tailEnd type="none" w="sm" len="sm"/>
           </a:ln>
         </p:spPr>
         <p:txBody>
-          <a:bodyPr anchorCtr="0" anchor="ctr" bIns="91425" lIns="91425" spcFirstLastPara="1" rIns="91425" wrap="square" tIns="91425">
+          <a:bodyPr spcFirstLastPara="1" wrap="square" lIns="91425" tIns="91425" rIns="91425" bIns="91425" anchor="ctr" anchorCtr="0">
             <a:noAutofit/>
           </a:bodyPr>
           <a:lstStyle/>
           <a:p>
-            <a:pPr indent="0" lvl="0" marL="0" rtl="0" algn="l">
+            <a:pPr marL="0" lvl="0" indent="0" algn="l" rtl="0">
               <a:spcBef>
                 <a:spcPts val="0"/>
               </a:spcBef>
@@ -7922,9 +7959,6 @@
               </a:spcAft>
               <a:buNone/>
             </a:pPr>
-            <a:r>
-              <a:t/>
-            </a:r>
             <a:endParaRPr/>
           </a:p>
         </p:txBody>
@@ -7949,12 +7983,12 @@
           </a:ln>
         </p:spPr>
         <p:txBody>
-          <a:bodyPr anchorCtr="0" anchor="t" bIns="91425" lIns="91425" spcFirstLastPara="1" rIns="91425" wrap="square" tIns="91425">
+          <a:bodyPr spcFirstLastPara="1" wrap="square" lIns="91425" tIns="91425" rIns="91425" bIns="91425" anchor="t" anchorCtr="0">
             <a:spAutoFit/>
           </a:bodyPr>
           <a:lstStyle/>
           <a:p>
-            <a:pPr indent="0" lvl="0" marL="0" rtl="0" algn="l">
+            <a:pPr marL="0" lvl="0" indent="0" algn="l" rtl="0">
               <a:spcBef>
                 <a:spcPts val="0"/>
               </a:spcBef>
@@ -7963,9 +7997,6 @@
               </a:spcAft>
               <a:buNone/>
             </a:pPr>
-            <a:r>
-              <a:t/>
-            </a:r>
             <a:endParaRPr>
               <a:latin typeface="Lato"/>
               <a:ea typeface="Lato"/>
@@ -7995,12 +8026,12 @@
           </a:ln>
         </p:spPr>
         <p:txBody>
-          <a:bodyPr anchorCtr="0" anchor="t" bIns="91425" lIns="91425" spcFirstLastPara="1" rIns="91425" wrap="square" tIns="91425">
+          <a:bodyPr spcFirstLastPara="1" wrap="square" lIns="91425" tIns="91425" rIns="91425" bIns="91425" anchor="t" anchorCtr="0">
             <a:spAutoFit/>
           </a:bodyPr>
           <a:lstStyle/>
           <a:p>
-            <a:pPr indent="0" lvl="0" marL="0" rtl="0" algn="l">
+            <a:pPr marL="0" lvl="0" indent="0" algn="l" rtl="0">
               <a:spcBef>
                 <a:spcPts val="0"/>
               </a:spcBef>
@@ -8009,9 +8040,6 @@
               </a:spcAft>
               <a:buNone/>
             </a:pPr>
-            <a:r>
-              <a:t/>
-            </a:r>
             <a:endParaRPr>
               <a:latin typeface="Lato"/>
               <a:ea typeface="Lato"/>
@@ -8036,23 +8064,23 @@
             <a:avLst/>
           </a:prstGeom>
           <a:noFill/>
-          <a:ln cap="flat" cmpd="sng" w="9525">
+          <a:ln w="9525" cap="flat" cmpd="sng">
             <a:solidFill>
               <a:srgbClr val="FFFFFF"/>
             </a:solidFill>
             <a:prstDash val="solid"/>
             <a:round/>
-            <a:headEnd len="sm" w="sm" type="none"/>
-            <a:tailEnd len="sm" w="sm" type="none"/>
+            <a:headEnd type="none" w="sm" len="sm"/>
+            <a:tailEnd type="none" w="sm" len="sm"/>
           </a:ln>
         </p:spPr>
         <p:txBody>
-          <a:bodyPr anchorCtr="0" anchor="t" bIns="91425" lIns="91425" spcFirstLastPara="1" rIns="91425" wrap="square" tIns="91425">
+          <a:bodyPr spcFirstLastPara="1" wrap="square" lIns="91425" tIns="91425" rIns="91425" bIns="91425" anchor="t" anchorCtr="0">
             <a:spAutoFit/>
           </a:bodyPr>
           <a:lstStyle/>
           <a:p>
-            <a:pPr indent="0" lvl="0" marL="0" rtl="0" algn="l">
+            <a:pPr marL="0" lvl="0" indent="0" algn="l" rtl="0">
               <a:spcBef>
                 <a:spcPts val="0"/>
               </a:spcBef>
@@ -8117,11 +8145,11 @@
 </file>
 
 <file path=ppt/slides/slide11.xml><?xml version="1.0" encoding="utf-8"?>
-<p:sld xmlns:a="http://schemas.openxmlformats.org/drawingml/2006/main" xmlns:r="http://schemas.openxmlformats.org/officeDocument/2006/relationships" xmlns:mc="http://schemas.openxmlformats.org/markup-compatibility/2006" xmlns:mv="urn:schemas-microsoft-com:mac:vml" xmlns:p="http://schemas.openxmlformats.org/presentationml/2006/main" xmlns:c="http://schemas.openxmlformats.org/drawingml/2006/chart" xmlns:dgm="http://schemas.openxmlformats.org/drawingml/2006/diagram" xmlns:o="urn:schemas-microsoft-com:office:office" xmlns:v="urn:schemas-microsoft-com:vml" xmlns:pvml="urn:schemas-microsoft-com:office:powerpoint" xmlns:com="http://schemas.openxmlformats.org/drawingml/2006/compatibility" xmlns:p14="http://schemas.microsoft.com/office/powerpoint/2010/main" xmlns:p15="http://schemas.microsoft.com/office/powerpoint/2012/main" xmlns:ahyp="http://schemas.microsoft.com/office/drawing/2018/hyperlinkcolor">
+<p:sld xmlns:a="http://schemas.openxmlformats.org/drawingml/2006/main" xmlns:r="http://schemas.openxmlformats.org/officeDocument/2006/relationships" xmlns:p="http://schemas.openxmlformats.org/presentationml/2006/main">
   <p:cSld>
     <p:spTree>
       <p:nvGrpSpPr>
-        <p:cNvPr id="137" name="Shape 137"/>
+        <p:cNvPr id="1" name=""/>
         <p:cNvGrpSpPr/>
         <p:nvPr/>
       </p:nvGrpSpPr>
@@ -8135,82 +8163,470 @@
       </p:grpSpPr>
       <p:pic>
         <p:nvPicPr>
-          <p:cNvPr id="138" name="Google Shape;138;p23"/>
-          <p:cNvPicPr preferRelativeResize="0"/>
+          <p:cNvPr id="7" name="図 6">
+            <a:extLst>
+              <a:ext uri="{FF2B5EF4-FFF2-40B4-BE49-F238E27FC236}">
+                <a16:creationId xmlns:a16="http://schemas.microsoft.com/office/drawing/2014/main" id="{A40C538D-719B-4CEE-8E2F-0F60328932BA}"/>
+              </a:ext>
+            </a:extLst>
+          </p:cNvPr>
+          <p:cNvPicPr>
+            <a:picLocks noChangeAspect="1"/>
+          </p:cNvPicPr>
           <p:nvPr/>
         </p:nvPicPr>
         <p:blipFill>
-          <a:blip r:embed="rId3">
-            <a:alphaModFix/>
-          </a:blip>
+          <a:blip r:embed="rId2"/>
           <a:stretch>
             <a:fillRect/>
           </a:stretch>
         </p:blipFill>
         <p:spPr>
           <a:xfrm>
-            <a:off x="152400" y="152400"/>
-            <a:ext cx="4028425" cy="2681100"/>
+            <a:off x="46586" y="0"/>
+            <a:ext cx="8330932" cy="4215653"/>
+          </a:xfrm>
+          <a:prstGeom prst="rect">
+            <a:avLst/>
+          </a:prstGeom>
+        </p:spPr>
+      </p:pic>
+      <p:sp>
+        <p:nvSpPr>
+          <p:cNvPr id="8" name="楕円 7">
+            <a:extLst>
+              <a:ext uri="{FF2B5EF4-FFF2-40B4-BE49-F238E27FC236}">
+                <a16:creationId xmlns:a16="http://schemas.microsoft.com/office/drawing/2014/main" id="{3168F0D9-D2A0-4742-83BD-9C61719C0AFA}"/>
+              </a:ext>
+            </a:extLst>
+          </p:cNvPr>
+          <p:cNvSpPr/>
+          <p:nvPr/>
+        </p:nvSpPr>
+        <p:spPr>
+          <a:xfrm>
+            <a:off x="813068" y="665630"/>
+            <a:ext cx="2615453" cy="450476"/>
+          </a:xfrm>
+          <a:prstGeom prst="ellipse">
+            <a:avLst/>
+          </a:prstGeom>
+          <a:noFill/>
+          <a:ln>
+            <a:solidFill>
+              <a:schemeClr val="accent4">
+                <a:lumMod val="75000"/>
+              </a:schemeClr>
+            </a:solidFill>
+          </a:ln>
+        </p:spPr>
+        <p:style>
+          <a:lnRef idx="2">
+            <a:schemeClr val="accent1">
+              <a:shade val="50000"/>
+            </a:schemeClr>
+          </a:lnRef>
+          <a:fillRef idx="1">
+            <a:schemeClr val="accent1"/>
+          </a:fillRef>
+          <a:effectRef idx="0">
+            <a:schemeClr val="accent1"/>
+          </a:effectRef>
+          <a:fontRef idx="minor">
+            <a:schemeClr val="lt1"/>
+          </a:fontRef>
+        </p:style>
+        <p:txBody>
+          <a:bodyPr rtlCol="0" anchor="ctr"/>
+          <a:lstStyle/>
+          <a:p>
+            <a:pPr algn="ctr"/>
+            <a:endParaRPr kumimoji="1" lang="ja-JP" altLang="en-US"/>
+          </a:p>
+        </p:txBody>
+      </p:sp>
+      <p:sp>
+        <p:nvSpPr>
+          <p:cNvPr id="9" name="楕円 8">
+            <a:extLst>
+              <a:ext uri="{FF2B5EF4-FFF2-40B4-BE49-F238E27FC236}">
+                <a16:creationId xmlns:a16="http://schemas.microsoft.com/office/drawing/2014/main" id="{E4734D4C-1C5D-48C4-9792-24F2DA72C64C}"/>
+              </a:ext>
+            </a:extLst>
+          </p:cNvPr>
+          <p:cNvSpPr/>
+          <p:nvPr/>
+        </p:nvSpPr>
+        <p:spPr>
+          <a:xfrm>
+            <a:off x="3281082" y="779929"/>
+            <a:ext cx="1707777" cy="235324"/>
+          </a:xfrm>
+          <a:prstGeom prst="ellipse">
+            <a:avLst/>
+          </a:prstGeom>
+          <a:noFill/>
+          <a:ln>
+            <a:solidFill>
+              <a:schemeClr val="accent4">
+                <a:lumMod val="75000"/>
+              </a:schemeClr>
+            </a:solidFill>
+          </a:ln>
+        </p:spPr>
+        <p:style>
+          <a:lnRef idx="2">
+            <a:schemeClr val="accent1">
+              <a:shade val="50000"/>
+            </a:schemeClr>
+          </a:lnRef>
+          <a:fillRef idx="1">
+            <a:schemeClr val="accent1"/>
+          </a:fillRef>
+          <a:effectRef idx="0">
+            <a:schemeClr val="accent1"/>
+          </a:effectRef>
+          <a:fontRef idx="minor">
+            <a:schemeClr val="lt1"/>
+          </a:fontRef>
+        </p:style>
+        <p:txBody>
+          <a:bodyPr rtlCol="0" anchor="ctr"/>
+          <a:lstStyle/>
+          <a:p>
+            <a:pPr algn="ctr"/>
+            <a:endParaRPr kumimoji="1" lang="ja-JP" altLang="en-US"/>
+          </a:p>
+        </p:txBody>
+      </p:sp>
+      <p:sp>
+        <p:nvSpPr>
+          <p:cNvPr id="10" name="テキスト ボックス 9">
+            <a:extLst>
+              <a:ext uri="{FF2B5EF4-FFF2-40B4-BE49-F238E27FC236}">
+                <a16:creationId xmlns:a16="http://schemas.microsoft.com/office/drawing/2014/main" id="{B19D63BC-5503-4BF5-8EBE-72E93D53E048}"/>
+              </a:ext>
+            </a:extLst>
+          </p:cNvPr>
+          <p:cNvSpPr txBox="1"/>
+          <p:nvPr/>
+        </p:nvSpPr>
+        <p:spPr>
+          <a:xfrm>
+            <a:off x="4931949" y="1520441"/>
+            <a:ext cx="3711388" cy="2308324"/>
           </a:xfrm>
           <a:prstGeom prst="rect">
             <a:avLst/>
           </a:prstGeom>
           <a:noFill/>
-          <a:ln>
-            <a:noFill/>
+          <a:ln w="9525" cap="flat" cmpd="sng" algn="ctr">
+            <a:solidFill>
+              <a:schemeClr val="accent2"/>
+            </a:solidFill>
+            <a:prstDash val="solid"/>
+            <a:round/>
+            <a:headEnd type="none" w="med" len="med"/>
+            <a:tailEnd type="none" w="med" len="med"/>
           </a:ln>
+        </p:spPr>
+        <p:style>
+          <a:lnRef idx="0">
+            <a:scrgbClr r="0" g="0" b="0"/>
+          </a:lnRef>
+          <a:fillRef idx="0">
+            <a:scrgbClr r="0" g="0" b="0"/>
+          </a:fillRef>
+          <a:effectRef idx="0">
+            <a:scrgbClr r="0" g="0" b="0"/>
+          </a:effectRef>
+          <a:fontRef idx="minor">
+            <a:schemeClr val="accent2"/>
+          </a:fontRef>
+        </p:style>
+        <p:txBody>
+          <a:bodyPr wrap="square" rtlCol="0">
+            <a:spAutoFit/>
+          </a:bodyPr>
+          <a:lstStyle/>
+          <a:p>
+            <a:r>
+              <a:rPr kumimoji="1" lang="ja-JP" altLang="en-US" sz="3600" dirty="0">
+                <a:solidFill>
+                  <a:schemeClr val="tx1"/>
+                </a:solidFill>
+              </a:rPr>
+              <a:t>写真のように、</a:t>
+            </a:r>
+            <a:br>
+              <a:rPr kumimoji="1" lang="en-US" altLang="ja-JP" sz="3600" dirty="0">
+                <a:solidFill>
+                  <a:schemeClr val="tx1"/>
+                </a:solidFill>
+              </a:rPr>
+            </a:br>
+            <a:r>
+              <a:rPr kumimoji="1" lang="ja-JP" altLang="en-US" sz="3600" dirty="0">
+                <a:solidFill>
+                  <a:schemeClr val="tx1"/>
+                </a:solidFill>
+              </a:rPr>
+              <a:t>上タブの</a:t>
+            </a:r>
+            <a:r>
+              <a:rPr kumimoji="1" lang="en-US" altLang="ja-JP" sz="3600" dirty="0" err="1">
+                <a:solidFill>
+                  <a:schemeClr val="tx1"/>
+                </a:solidFill>
+              </a:rPr>
+              <a:t>GameObject</a:t>
+            </a:r>
+            <a:br>
+              <a:rPr kumimoji="1" lang="en-US" altLang="ja-JP" sz="3600" dirty="0">
+                <a:solidFill>
+                  <a:schemeClr val="tx1"/>
+                </a:solidFill>
+              </a:rPr>
+            </a:br>
+            <a:r>
+              <a:rPr kumimoji="1" lang="en-US" altLang="ja-JP" sz="3600" dirty="0">
+                <a:solidFill>
+                  <a:schemeClr val="tx1"/>
+                </a:solidFill>
+              </a:rPr>
+              <a:t>Cube</a:t>
+            </a:r>
+            <a:r>
+              <a:rPr kumimoji="1" lang="ja-JP" altLang="en-US" sz="3600" dirty="0">
+                <a:solidFill>
+                  <a:schemeClr val="tx1"/>
+                </a:solidFill>
+              </a:rPr>
+              <a:t>を選択</a:t>
+            </a:r>
+          </a:p>
+        </p:txBody>
+      </p:sp>
+    </p:spTree>
+    <p:extLst>
+      <p:ext uri="{BB962C8B-B14F-4D97-AF65-F5344CB8AC3E}">
+        <p14:creationId xmlns:p14="http://schemas.microsoft.com/office/powerpoint/2010/main" val="1010051285"/>
+      </p:ext>
+    </p:extLst>
+  </p:cSld>
+  <p:clrMapOvr>
+    <a:masterClrMapping/>
+  </p:clrMapOvr>
+</p:sld>
+</file>
+
+<file path=ppt/slides/slide12.xml><?xml version="1.0" encoding="utf-8"?>
+<p:sld xmlns:a="http://schemas.openxmlformats.org/drawingml/2006/main" xmlns:r="http://schemas.openxmlformats.org/officeDocument/2006/relationships" xmlns:p="http://schemas.openxmlformats.org/presentationml/2006/main">
+  <p:cSld>
+    <p:spTree>
+      <p:nvGrpSpPr>
+        <p:cNvPr id="1" name=""/>
+        <p:cNvGrpSpPr/>
+        <p:nvPr/>
+      </p:nvGrpSpPr>
+      <p:grpSpPr>
+        <a:xfrm>
+          <a:off x="0" y="0"/>
+          <a:ext cx="0" cy="0"/>
+          <a:chOff x="0" y="0"/>
+          <a:chExt cx="0" cy="0"/>
+        </a:xfrm>
+      </p:grpSpPr>
+      <p:pic>
+        <p:nvPicPr>
+          <p:cNvPr id="5" name="図 4">
+            <a:extLst>
+              <a:ext uri="{FF2B5EF4-FFF2-40B4-BE49-F238E27FC236}">
+                <a16:creationId xmlns:a16="http://schemas.microsoft.com/office/drawing/2014/main" id="{AE711715-5929-4530-8CA0-198297DE92AA}"/>
+              </a:ext>
+            </a:extLst>
+          </p:cNvPr>
+          <p:cNvPicPr>
+            <a:picLocks noChangeAspect="1"/>
+          </p:cNvPicPr>
+          <p:nvPr/>
+        </p:nvPicPr>
+        <p:blipFill>
+          <a:blip r:embed="rId2"/>
+          <a:stretch>
+            <a:fillRect/>
+          </a:stretch>
+        </p:blipFill>
+        <p:spPr>
+          <a:xfrm>
+            <a:off x="0" y="199185"/>
+            <a:ext cx="9144000" cy="4500562"/>
+          </a:xfrm>
+          <a:prstGeom prst="rect">
+            <a:avLst/>
+          </a:prstGeom>
         </p:spPr>
       </p:pic>
       <p:sp>
         <p:nvSpPr>
-          <p:cNvPr id="139" name="Google Shape;139;p23"/>
-          <p:cNvSpPr txBox="1"/>
+          <p:cNvPr id="7" name="正方形/長方形 6">
+            <a:extLst>
+              <a:ext uri="{FF2B5EF4-FFF2-40B4-BE49-F238E27FC236}">
+                <a16:creationId xmlns:a16="http://schemas.microsoft.com/office/drawing/2014/main" id="{2699B8F1-FD38-4454-A98A-DA356CF56482}"/>
+              </a:ext>
+            </a:extLst>
+          </p:cNvPr>
+          <p:cNvSpPr/>
           <p:nvPr/>
         </p:nvSpPr>
         <p:spPr>
           <a:xfrm>
-            <a:off x="4318350" y="152400"/>
-            <a:ext cx="3864600" cy="400200"/>
+            <a:off x="1672556" y="758656"/>
+            <a:ext cx="4750019" cy="923330"/>
           </a:xfrm>
           <a:prstGeom prst="rect">
             <a:avLst/>
           </a:prstGeom>
           <a:noFill/>
-          <a:ln>
-            <a:noFill/>
-          </a:ln>
         </p:spPr>
         <p:txBody>
-          <a:bodyPr anchorCtr="0" anchor="t" bIns="91425" lIns="91425" spcFirstLastPara="1" rIns="91425" wrap="square" tIns="91425">
+          <a:bodyPr wrap="none" lIns="91440" tIns="45720" rIns="91440" bIns="45720">
             <a:spAutoFit/>
           </a:bodyPr>
           <a:lstStyle/>
           <a:p>
-            <a:pPr indent="0" lvl="0" marL="0" rtl="0" algn="l">
-              <a:spcBef>
-                <a:spcPts val="0"/>
-              </a:spcBef>
-              <a:spcAft>
-                <a:spcPts val="0"/>
-              </a:spcAft>
-              <a:buNone/>
-            </a:pPr>
+            <a:pPr algn="ctr"/>
             <a:r>
-              <a:t/>
+              <a:rPr lang="en-US" altLang="ja-JP" sz="5400" b="1" cap="none" spc="50" dirty="0">
+                <a:ln w="9525" cmpd="sng">
+                  <a:solidFill>
+                    <a:schemeClr val="accent1"/>
+                  </a:solidFill>
+                  <a:prstDash val="solid"/>
+                </a:ln>
+                <a:solidFill>
+                  <a:srgbClr val="70AD47">
+                    <a:tint val="1000"/>
+                  </a:srgbClr>
+                </a:solidFill>
+                <a:effectLst>
+                  <a:glow rad="38100">
+                    <a:schemeClr val="accent1">
+                      <a:alpha val="40000"/>
+                    </a:schemeClr>
+                  </a:glow>
+                </a:effectLst>
+                <a:latin typeface="けいふぉんと" panose="02000600000000000000" pitchFamily="2" charset="-128"/>
+                <a:ea typeface="けいふぉんと" panose="02000600000000000000" pitchFamily="2" charset="-128"/>
+              </a:rPr>
+              <a:t>Cube</a:t>
             </a:r>
-            <a:endParaRPr b="1">
-              <a:solidFill>
-                <a:srgbClr val="FFFFFF"/>
-              </a:solidFill>
-              <a:latin typeface="Lato"/>
-              <a:ea typeface="Lato"/>
-              <a:cs typeface="Lato"/>
-              <a:sym typeface="Lato"/>
+            <a:r>
+              <a:rPr lang="ja-JP" altLang="en-US" sz="5400" b="1" cap="none" spc="50" dirty="0">
+                <a:ln w="9525" cmpd="sng">
+                  <a:solidFill>
+                    <a:schemeClr val="accent1"/>
+                  </a:solidFill>
+                  <a:prstDash val="solid"/>
+                </a:ln>
+                <a:solidFill>
+                  <a:srgbClr val="70AD47">
+                    <a:tint val="1000"/>
+                  </a:srgbClr>
+                </a:solidFill>
+                <a:effectLst>
+                  <a:glow rad="38100">
+                    <a:schemeClr val="accent1">
+                      <a:alpha val="40000"/>
+                    </a:schemeClr>
+                  </a:glow>
+                </a:effectLst>
+                <a:latin typeface="けいふぉんと" panose="02000600000000000000" pitchFamily="2" charset="-128"/>
+                <a:ea typeface="けいふぉんと" panose="02000600000000000000" pitchFamily="2" charset="-128"/>
+              </a:rPr>
+              <a:t>が爆誕！</a:t>
+            </a:r>
+          </a:p>
+        </p:txBody>
+      </p:sp>
+    </p:spTree>
+    <p:extLst>
+      <p:ext uri="{BB962C8B-B14F-4D97-AF65-F5344CB8AC3E}">
+        <p14:creationId xmlns:p14="http://schemas.microsoft.com/office/powerpoint/2010/main" val="2053447560"/>
+      </p:ext>
+    </p:extLst>
+  </p:cSld>
+  <p:clrMapOvr>
+    <a:masterClrMapping/>
+  </p:clrMapOvr>
+</p:sld>
+</file>
+
+<file path=ppt/slides/slide13.xml><?xml version="1.0" encoding="utf-8"?>
+<p:sld xmlns:a="http://schemas.openxmlformats.org/drawingml/2006/main" xmlns:r="http://schemas.openxmlformats.org/officeDocument/2006/relationships" xmlns:p="http://schemas.openxmlformats.org/presentationml/2006/main">
+  <p:cSld>
+    <p:spTree>
+      <p:nvGrpSpPr>
+        <p:cNvPr id="1" name=""/>
+        <p:cNvGrpSpPr/>
+        <p:nvPr/>
+      </p:nvGrpSpPr>
+      <p:grpSpPr>
+        <a:xfrm>
+          <a:off x="0" y="0"/>
+          <a:ext cx="0" cy="0"/>
+          <a:chOff x="0" y="0"/>
+          <a:chExt cx="0" cy="0"/>
+        </a:xfrm>
+      </p:grpSpPr>
+      <p:sp>
+        <p:nvSpPr>
+          <p:cNvPr id="2" name="タイトル 1">
+            <a:extLst>
+              <a:ext uri="{FF2B5EF4-FFF2-40B4-BE49-F238E27FC236}">
+                <a16:creationId xmlns:a16="http://schemas.microsoft.com/office/drawing/2014/main" id="{373C4E15-161E-4C37-B4BB-0D8576B1B1E9}"/>
+              </a:ext>
+            </a:extLst>
+          </p:cNvPr>
+          <p:cNvSpPr>
+            <a:spLocks noGrp="1"/>
+          </p:cNvSpPr>
+          <p:nvPr>
+            <p:ph type="title"/>
+          </p:nvPr>
+        </p:nvSpPr>
+        <p:spPr>
+          <a:xfrm>
+            <a:off x="0" y="4305990"/>
+            <a:ext cx="8520600" cy="645000"/>
+          </a:xfrm>
+        </p:spPr>
+        <p:txBody>
+          <a:bodyPr/>
+          <a:lstStyle/>
+          <a:p>
+            <a:r>
+              <a:rPr kumimoji="1" lang="ja-JP" altLang="en-US">
+                <a:latin typeface="ラノベPOP v2" panose="00000900000000000000" pitchFamily="50" charset="-128"/>
+                <a:ea typeface="ラノベPOP v2" panose="00000900000000000000" pitchFamily="50" charset="-128"/>
+                <a:cs typeface="ラノベPOP v2" panose="00000900000000000000" pitchFamily="50" charset="-128"/>
+              </a:rPr>
+              <a:t>オブジェクトを変形させてよう</a:t>
+            </a:r>
+            <a:endParaRPr kumimoji="1" lang="ja-JP" altLang="en-US" dirty="0">
+              <a:latin typeface="ラノベPOP v2" panose="00000900000000000000" pitchFamily="50" charset="-128"/>
+              <a:ea typeface="ラノベPOP v2" panose="00000900000000000000" pitchFamily="50" charset="-128"/>
+              <a:cs typeface="ラノベPOP v2" panose="00000900000000000000" pitchFamily="50" charset="-128"/>
             </a:endParaRPr>
           </a:p>
         </p:txBody>
       </p:sp>
     </p:spTree>
+    <p:extLst>
+      <p:ext uri="{BB962C8B-B14F-4D97-AF65-F5344CB8AC3E}">
+        <p14:creationId xmlns:p14="http://schemas.microsoft.com/office/powerpoint/2010/main" val="4271102036"/>
+      </p:ext>
+    </p:extLst>
   </p:cSld>
   <p:clrMapOvr>
     <a:masterClrMapping/>
@@ -8219,11 +8635,11 @@
 </file>
 
 <file path=ppt/slides/slide2.xml><?xml version="1.0" encoding="utf-8"?>
-<p:sld xmlns:a="http://schemas.openxmlformats.org/drawingml/2006/main" xmlns:r="http://schemas.openxmlformats.org/officeDocument/2006/relationships" xmlns:mc="http://schemas.openxmlformats.org/markup-compatibility/2006" xmlns:mv="urn:schemas-microsoft-com:mac:vml" xmlns:p="http://schemas.openxmlformats.org/presentationml/2006/main" xmlns:c="http://schemas.openxmlformats.org/drawingml/2006/chart" xmlns:dgm="http://schemas.openxmlformats.org/drawingml/2006/diagram" xmlns:o="urn:schemas-microsoft-com:office:office" xmlns:v="urn:schemas-microsoft-com:vml" xmlns:pvml="urn:schemas-microsoft-com:office:powerpoint" xmlns:com="http://schemas.openxmlformats.org/drawingml/2006/compatibility" xmlns:p14="http://schemas.microsoft.com/office/powerpoint/2010/main" xmlns:p15="http://schemas.microsoft.com/office/powerpoint/2012/main" xmlns:ahyp="http://schemas.microsoft.com/office/drawing/2018/hyperlinkcolor">
+<p:sld xmlns:a="http://schemas.openxmlformats.org/drawingml/2006/main" xmlns:r="http://schemas.openxmlformats.org/officeDocument/2006/relationships" xmlns:p="http://schemas.openxmlformats.org/presentationml/2006/main">
   <p:cSld>
     <p:spTree>
       <p:nvGrpSpPr>
-        <p:cNvPr id="73" name="Shape 73"/>
+        <p:cNvPr id="1" name="Shape 73"/>
         <p:cNvGrpSpPr/>
         <p:nvPr/>
       </p:nvGrpSpPr>
@@ -8238,7 +8654,9 @@
       <p:sp>
         <p:nvSpPr>
           <p:cNvPr id="74" name="Google Shape;74;p14"/>
-          <p:cNvSpPr txBox="1"/>
+          <p:cNvSpPr txBox="1">
+            <a:spLocks noGrp="1"/>
+          </p:cNvSpPr>
           <p:nvPr>
             <p:ph type="title"/>
           </p:nvPr>
@@ -8253,12 +8671,12 @@
           </a:prstGeom>
         </p:spPr>
         <p:txBody>
-          <a:bodyPr anchorCtr="0" anchor="t" bIns="91425" lIns="91425" spcFirstLastPara="1" rIns="91425" wrap="square" tIns="91425">
+          <a:bodyPr spcFirstLastPara="1" wrap="square" lIns="91425" tIns="91425" rIns="91425" bIns="91425" anchor="t" anchorCtr="0">
             <a:noAutofit/>
           </a:bodyPr>
           <a:lstStyle/>
           <a:p>
-            <a:pPr indent="0" lvl="0" marL="0" rtl="0" algn="l">
+            <a:pPr marL="0" lvl="0" indent="0" algn="l" rtl="0">
               <a:spcBef>
                 <a:spcPts val="0"/>
               </a:spcBef>
@@ -8274,7 +8692,7 @@
             <a:endParaRPr/>
           </a:p>
           <a:p>
-            <a:pPr indent="0" lvl="0" marL="0" rtl="0" algn="l">
+            <a:pPr marL="0" lvl="0" indent="0" algn="l" rtl="0">
               <a:spcBef>
                 <a:spcPts val="0"/>
               </a:spcBef>
@@ -8283,9 +8701,6 @@
               </a:spcAft>
               <a:buNone/>
             </a:pPr>
-            <a:r>
-              <a:t/>
-            </a:r>
             <a:endParaRPr/>
           </a:p>
         </p:txBody>
@@ -8293,9 +8708,11 @@
       <p:sp>
         <p:nvSpPr>
           <p:cNvPr id="75" name="Google Shape;75;p14"/>
-          <p:cNvSpPr txBox="1"/>
+          <p:cNvSpPr txBox="1">
+            <a:spLocks noGrp="1"/>
+          </p:cNvSpPr>
           <p:nvPr>
-            <p:ph idx="1" type="body"/>
+            <p:ph type="body" idx="1"/>
           </p:nvPr>
         </p:nvSpPr>
         <p:spPr>
@@ -8308,12 +8725,12 @@
           </a:prstGeom>
         </p:spPr>
         <p:txBody>
-          <a:bodyPr anchorCtr="0" anchor="t" bIns="91425" lIns="91425" spcFirstLastPara="1" rIns="91425" wrap="square" tIns="91425">
+          <a:bodyPr spcFirstLastPara="1" wrap="square" lIns="91425" tIns="91425" rIns="91425" bIns="91425" anchor="t" anchorCtr="0">
             <a:noAutofit/>
           </a:bodyPr>
           <a:lstStyle/>
           <a:p>
-            <a:pPr indent="0" lvl="0" marL="0" rtl="0" algn="l">
+            <a:pPr marL="0" lvl="0" indent="0" algn="l" rtl="0">
               <a:spcBef>
                 <a:spcPts val="0"/>
               </a:spcBef>
@@ -8329,7 +8746,7 @@
             <a:endParaRPr/>
           </a:p>
           <a:p>
-            <a:pPr indent="0" lvl="0" marL="0" rtl="0" algn="l">
+            <a:pPr marL="0" lvl="0" indent="0" algn="l" rtl="0">
               <a:spcBef>
                 <a:spcPts val="1600"/>
               </a:spcBef>
@@ -8345,7 +8762,7 @@
             <a:endParaRPr u="sng"/>
           </a:p>
           <a:p>
-            <a:pPr indent="0" lvl="0" marL="0" rtl="0" algn="l">
+            <a:pPr marL="0" lvl="0" indent="0" algn="l" rtl="0">
               <a:spcBef>
                 <a:spcPts val="1600"/>
               </a:spcBef>
@@ -8361,7 +8778,7 @@
             <a:endParaRPr u="sng"/>
           </a:p>
           <a:p>
-            <a:pPr indent="0" lvl="0" marL="0" rtl="0" algn="l">
+            <a:pPr marL="0" lvl="0" indent="0" algn="l" rtl="0">
               <a:spcBef>
                 <a:spcPts val="1600"/>
               </a:spcBef>
@@ -8370,13 +8787,10 @@
               </a:spcAft>
               <a:buNone/>
             </a:pPr>
-            <a:r>
-              <a:t/>
-            </a:r>
             <a:endParaRPr u="sng"/>
           </a:p>
           <a:p>
-            <a:pPr indent="0" lvl="0" marL="0" rtl="0" algn="l">
+            <a:pPr marL="0" lvl="0" indent="0" algn="l" rtl="0">
               <a:spcBef>
                 <a:spcPts val="1600"/>
               </a:spcBef>
@@ -8392,7 +8806,7 @@
             <a:endParaRPr/>
           </a:p>
           <a:p>
-            <a:pPr indent="0" lvl="0" marL="0" rtl="0" algn="l">
+            <a:pPr marL="0" lvl="0" indent="0" algn="l" rtl="0">
               <a:spcBef>
                 <a:spcPts val="1600"/>
               </a:spcBef>
@@ -8401,13 +8815,10 @@
               </a:spcAft>
               <a:buNone/>
             </a:pPr>
-            <a:r>
-              <a:t/>
-            </a:r>
             <a:endParaRPr/>
           </a:p>
           <a:p>
-            <a:pPr indent="0" lvl="0" marL="0" rtl="0" algn="l">
+            <a:pPr marL="0" lvl="0" indent="0" algn="l" rtl="0">
               <a:spcBef>
                 <a:spcPts val="1600"/>
               </a:spcBef>
@@ -8416,9 +8827,6 @@
               </a:spcAft>
               <a:buNone/>
             </a:pPr>
-            <a:r>
-              <a:t/>
-            </a:r>
             <a:endParaRPr/>
           </a:p>
         </p:txBody>
@@ -8432,11 +8840,11 @@
 </file>
 
 <file path=ppt/slides/slide3.xml><?xml version="1.0" encoding="utf-8"?>
-<p:sld xmlns:a="http://schemas.openxmlformats.org/drawingml/2006/main" xmlns:r="http://schemas.openxmlformats.org/officeDocument/2006/relationships" xmlns:mc="http://schemas.openxmlformats.org/markup-compatibility/2006" xmlns:mv="urn:schemas-microsoft-com:mac:vml" xmlns:p="http://schemas.openxmlformats.org/presentationml/2006/main" xmlns:c="http://schemas.openxmlformats.org/drawingml/2006/chart" xmlns:dgm="http://schemas.openxmlformats.org/drawingml/2006/diagram" xmlns:o="urn:schemas-microsoft-com:office:office" xmlns:v="urn:schemas-microsoft-com:vml" xmlns:pvml="urn:schemas-microsoft-com:office:powerpoint" xmlns:com="http://schemas.openxmlformats.org/drawingml/2006/compatibility" xmlns:p14="http://schemas.microsoft.com/office/powerpoint/2010/main" xmlns:p15="http://schemas.microsoft.com/office/powerpoint/2012/main" xmlns:ahyp="http://schemas.microsoft.com/office/drawing/2018/hyperlinkcolor">
+<p:sld xmlns:a="http://schemas.openxmlformats.org/drawingml/2006/main" xmlns:r="http://schemas.openxmlformats.org/officeDocument/2006/relationships" xmlns:p="http://schemas.openxmlformats.org/presentationml/2006/main">
   <p:cSld>
     <p:spTree>
       <p:nvGrpSpPr>
-        <p:cNvPr id="79" name="Shape 79"/>
+        <p:cNvPr id="1" name="Shape 79"/>
         <p:cNvGrpSpPr/>
         <p:nvPr/>
       </p:nvGrpSpPr>
@@ -8451,7 +8859,9 @@
       <p:sp>
         <p:nvSpPr>
           <p:cNvPr id="80" name="Google Shape;80;p15"/>
-          <p:cNvSpPr txBox="1"/>
+          <p:cNvSpPr txBox="1">
+            <a:spLocks noGrp="1"/>
+          </p:cNvSpPr>
           <p:nvPr>
             <p:ph type="title"/>
           </p:nvPr>
@@ -8466,12 +8876,12 @@
           </a:prstGeom>
         </p:spPr>
         <p:txBody>
-          <a:bodyPr anchorCtr="0" anchor="t" bIns="91425" lIns="91425" spcFirstLastPara="1" rIns="91425" wrap="square" tIns="91425">
+          <a:bodyPr spcFirstLastPara="1" wrap="square" lIns="91425" tIns="91425" rIns="91425" bIns="91425" anchor="t" anchorCtr="0">
             <a:noAutofit/>
           </a:bodyPr>
           <a:lstStyle/>
           <a:p>
-            <a:pPr indent="0" lvl="0" marL="0" rtl="0" algn="l">
+            <a:pPr marL="0" lvl="0" indent="0" algn="l" rtl="0">
               <a:spcBef>
                 <a:spcPts val="0"/>
               </a:spcBef>
@@ -8491,9 +8901,11 @@
       <p:sp>
         <p:nvSpPr>
           <p:cNvPr id="81" name="Google Shape;81;p15"/>
-          <p:cNvSpPr txBox="1"/>
+          <p:cNvSpPr txBox="1">
+            <a:spLocks noGrp="1"/>
+          </p:cNvSpPr>
           <p:nvPr>
-            <p:ph idx="1" type="body"/>
+            <p:ph type="body" idx="1"/>
           </p:nvPr>
         </p:nvSpPr>
         <p:spPr>
@@ -8506,12 +8918,12 @@
           </a:prstGeom>
         </p:spPr>
         <p:txBody>
-          <a:bodyPr anchorCtr="0" anchor="t" bIns="91425" lIns="91425" spcFirstLastPara="1" rIns="91425" wrap="square" tIns="91425">
+          <a:bodyPr spcFirstLastPara="1" wrap="square" lIns="91425" tIns="91425" rIns="91425" bIns="91425" anchor="t" anchorCtr="0">
             <a:noAutofit/>
           </a:bodyPr>
           <a:lstStyle/>
           <a:p>
-            <a:pPr indent="0" lvl="0" marL="0" rtl="0" algn="l">
+            <a:pPr marL="0" lvl="0" indent="0" algn="l" rtl="0">
               <a:spcBef>
                 <a:spcPts val="0"/>
               </a:spcBef>
@@ -8527,7 +8939,7 @@
             <a:endParaRPr/>
           </a:p>
           <a:p>
-            <a:pPr indent="0" lvl="0" marL="0" rtl="0" algn="l">
+            <a:pPr marL="0" lvl="0" indent="0" algn="l" rtl="0">
               <a:spcBef>
                 <a:spcPts val="1600"/>
               </a:spcBef>
@@ -8543,7 +8955,7 @@
             <a:endParaRPr/>
           </a:p>
           <a:p>
-            <a:pPr indent="0" lvl="0" marL="0" rtl="0" algn="l">
+            <a:pPr marL="0" lvl="0" indent="0" algn="l" rtl="0">
               <a:spcBef>
                 <a:spcPts val="1600"/>
               </a:spcBef>
@@ -8569,11 +8981,11 @@
 </file>
 
 <file path=ppt/slides/slide4.xml><?xml version="1.0" encoding="utf-8"?>
-<p:sld xmlns:a="http://schemas.openxmlformats.org/drawingml/2006/main" xmlns:r="http://schemas.openxmlformats.org/officeDocument/2006/relationships" xmlns:mc="http://schemas.openxmlformats.org/markup-compatibility/2006" xmlns:mv="urn:schemas-microsoft-com:mac:vml" xmlns:p="http://schemas.openxmlformats.org/presentationml/2006/main" xmlns:c="http://schemas.openxmlformats.org/drawingml/2006/chart" xmlns:dgm="http://schemas.openxmlformats.org/drawingml/2006/diagram" xmlns:o="urn:schemas-microsoft-com:office:office" xmlns:v="urn:schemas-microsoft-com:vml" xmlns:pvml="urn:schemas-microsoft-com:office:powerpoint" xmlns:com="http://schemas.openxmlformats.org/drawingml/2006/compatibility" xmlns:p14="http://schemas.microsoft.com/office/powerpoint/2010/main" xmlns:p15="http://schemas.microsoft.com/office/powerpoint/2012/main" xmlns:ahyp="http://schemas.microsoft.com/office/drawing/2018/hyperlinkcolor">
+<p:sld xmlns:a="http://schemas.openxmlformats.org/drawingml/2006/main" xmlns:r="http://schemas.openxmlformats.org/officeDocument/2006/relationships" xmlns:p="http://schemas.openxmlformats.org/presentationml/2006/main">
   <p:cSld>
     <p:spTree>
       <p:nvGrpSpPr>
-        <p:cNvPr id="85" name="Shape 85"/>
+        <p:cNvPr id="1" name="Shape 85"/>
         <p:cNvGrpSpPr/>
         <p:nvPr/>
       </p:nvGrpSpPr>
@@ -8605,12 +9017,12 @@
           </a:ln>
         </p:spPr>
         <p:txBody>
-          <a:bodyPr anchorCtr="0" anchor="t" bIns="91425" lIns="91425" spcFirstLastPara="1" rIns="91425" wrap="square" tIns="91425">
+          <a:bodyPr spcFirstLastPara="1" wrap="square" lIns="91425" tIns="91425" rIns="91425" bIns="91425" anchor="t" anchorCtr="0">
             <a:spAutoFit/>
           </a:bodyPr>
           <a:lstStyle/>
           <a:p>
-            <a:pPr indent="0" lvl="0" marL="0" rtl="0" algn="l">
+            <a:pPr marL="0" lvl="0" indent="0" algn="l" rtl="0">
               <a:spcBef>
                 <a:spcPts val="0"/>
               </a:spcBef>
@@ -8663,12 +9075,12 @@
           </a:ln>
         </p:spPr>
         <p:txBody>
-          <a:bodyPr anchorCtr="0" anchor="t" bIns="91425" lIns="91425" spcFirstLastPara="1" rIns="91425" wrap="square" tIns="91425">
+          <a:bodyPr spcFirstLastPara="1" wrap="square" lIns="91425" tIns="91425" rIns="91425" bIns="91425" anchor="t" anchorCtr="0">
             <a:spAutoFit/>
           </a:bodyPr>
           <a:lstStyle/>
           <a:p>
-            <a:pPr indent="0" lvl="0" marL="914400" rtl="0" algn="l">
+            <a:pPr marL="914400" lvl="0" indent="0" algn="l" rtl="0">
               <a:spcBef>
                 <a:spcPts val="0"/>
               </a:spcBef>
@@ -8678,7 +9090,7 @@
               <a:buNone/>
             </a:pPr>
             <a:r>
-              <a:rPr b="1" lang="ja" sz="3200">
+              <a:rPr lang="ja" sz="3200" b="1">
                 <a:solidFill>
                   <a:schemeClr val="dk1"/>
                 </a:solidFill>
@@ -8689,7 +9101,7 @@
               </a:rPr>
               <a:t>今回作るゲーム！ピンボール！</a:t>
             </a:r>
-            <a:endParaRPr b="1" sz="3200">
+            <a:endParaRPr sz="3200" b="1">
               <a:solidFill>
                 <a:schemeClr val="dk1"/>
               </a:solidFill>
@@ -8710,11 +9122,11 @@
 </file>
 
 <file path=ppt/slides/slide5.xml><?xml version="1.0" encoding="utf-8"?>
-<p:sld xmlns:a="http://schemas.openxmlformats.org/drawingml/2006/main" xmlns:r="http://schemas.openxmlformats.org/officeDocument/2006/relationships" xmlns:mc="http://schemas.openxmlformats.org/markup-compatibility/2006" xmlns:mv="urn:schemas-microsoft-com:mac:vml" xmlns:p="http://schemas.openxmlformats.org/presentationml/2006/main" xmlns:c="http://schemas.openxmlformats.org/drawingml/2006/chart" xmlns:dgm="http://schemas.openxmlformats.org/drawingml/2006/diagram" xmlns:o="urn:schemas-microsoft-com:office:office" xmlns:v="urn:schemas-microsoft-com:vml" xmlns:pvml="urn:schemas-microsoft-com:office:powerpoint" xmlns:com="http://schemas.openxmlformats.org/drawingml/2006/compatibility" xmlns:p14="http://schemas.microsoft.com/office/powerpoint/2010/main" xmlns:p15="http://schemas.microsoft.com/office/powerpoint/2012/main" xmlns:ahyp="http://schemas.microsoft.com/office/drawing/2018/hyperlinkcolor">
+<p:sld xmlns:a="http://schemas.openxmlformats.org/drawingml/2006/main" xmlns:r="http://schemas.openxmlformats.org/officeDocument/2006/relationships" xmlns:p="http://schemas.openxmlformats.org/presentationml/2006/main">
   <p:cSld>
     <p:spTree>
       <p:nvGrpSpPr>
-        <p:cNvPr id="91" name="Shape 91"/>
+        <p:cNvPr id="1" name="Shape 91"/>
         <p:cNvGrpSpPr/>
         <p:nvPr/>
       </p:nvGrpSpPr>
@@ -8774,12 +9186,12 @@
           </a:ln>
         </p:spPr>
         <p:txBody>
-          <a:bodyPr anchorCtr="0" anchor="t" bIns="91425" lIns="91425" spcFirstLastPara="1" rIns="91425" wrap="square" tIns="91425">
+          <a:bodyPr spcFirstLastPara="1" wrap="square" lIns="91425" tIns="91425" rIns="91425" bIns="91425" anchor="t" anchorCtr="0">
             <a:spAutoFit/>
           </a:bodyPr>
           <a:lstStyle/>
           <a:p>
-            <a:pPr indent="0" lvl="0" marL="0" rtl="0" algn="l">
+            <a:pPr marL="0" lvl="0" indent="0" algn="l" rtl="0">
               <a:spcBef>
                 <a:spcPts val="0"/>
               </a:spcBef>
@@ -8789,7 +9201,7 @@
               <a:buNone/>
             </a:pPr>
             <a:r>
-              <a:rPr b="1" lang="ja">
+              <a:rPr lang="ja" b="1">
                 <a:solidFill>
                   <a:srgbClr val="FFFFFF"/>
                 </a:solidFill>
@@ -8832,12 +9244,12 @@
           </a:ln>
         </p:spPr>
         <p:txBody>
-          <a:bodyPr anchorCtr="0" anchor="t" bIns="91425" lIns="91425" spcFirstLastPara="1" rIns="91425" wrap="square" tIns="91425">
+          <a:bodyPr spcFirstLastPara="1" wrap="square" lIns="91425" tIns="91425" rIns="91425" bIns="91425" anchor="t" anchorCtr="0">
             <a:spAutoFit/>
           </a:bodyPr>
           <a:lstStyle/>
           <a:p>
-            <a:pPr indent="0" lvl="0" marL="0" rtl="0" algn="l">
+            <a:pPr marL="0" lvl="0" indent="0" algn="l" rtl="0">
               <a:spcBef>
                 <a:spcPts val="0"/>
               </a:spcBef>
@@ -8847,7 +9259,7 @@
               <a:buNone/>
             </a:pPr>
             <a:r>
-              <a:rPr b="1" lang="ja">
+              <a:rPr lang="ja" b="1">
                 <a:solidFill>
                   <a:srgbClr val="FFFFFF"/>
                 </a:solidFill>
@@ -8869,7 +9281,7 @@
             </a:endParaRPr>
           </a:p>
           <a:p>
-            <a:pPr indent="0" lvl="0" marL="0" rtl="0" algn="l">
+            <a:pPr marL="0" lvl="0" indent="0" algn="l" rtl="0">
               <a:spcBef>
                 <a:spcPts val="0"/>
               </a:spcBef>
@@ -8879,7 +9291,7 @@
               <a:buNone/>
             </a:pPr>
             <a:r>
-              <a:rPr b="1" lang="ja">
+              <a:rPr lang="ja" b="1">
                 <a:solidFill>
                   <a:srgbClr val="FFFFFF"/>
                 </a:solidFill>
@@ -8905,7 +9317,9 @@
       <p:sp>
         <p:nvSpPr>
           <p:cNvPr id="95" name="Google Shape;95;p17"/>
-          <p:cNvSpPr txBox="1"/>
+          <p:cNvSpPr txBox="1">
+            <a:spLocks noGrp="1"/>
+          </p:cNvSpPr>
           <p:nvPr>
             <p:ph type="title"/>
           </p:nvPr>
@@ -8920,12 +9334,12 @@
           </a:prstGeom>
         </p:spPr>
         <p:txBody>
-          <a:bodyPr anchorCtr="0" anchor="t" bIns="91425" lIns="91425" spcFirstLastPara="1" rIns="91425" wrap="square" tIns="91425">
+          <a:bodyPr spcFirstLastPara="1" wrap="square" lIns="91425" tIns="91425" rIns="91425" bIns="91425" anchor="t" anchorCtr="0">
             <a:noAutofit/>
           </a:bodyPr>
           <a:lstStyle/>
           <a:p>
-            <a:pPr indent="0" lvl="0" marL="0" rtl="0" algn="l">
+            <a:pPr marL="0" lvl="0" indent="0" algn="l" rtl="0">
               <a:spcBef>
                 <a:spcPts val="0"/>
               </a:spcBef>
@@ -8951,11 +9365,11 @@
 </file>
 
 <file path=ppt/slides/slide6.xml><?xml version="1.0" encoding="utf-8"?>
-<p:sld xmlns:a="http://schemas.openxmlformats.org/drawingml/2006/main" xmlns:r="http://schemas.openxmlformats.org/officeDocument/2006/relationships" xmlns:mc="http://schemas.openxmlformats.org/markup-compatibility/2006" xmlns:mv="urn:schemas-microsoft-com:mac:vml" xmlns:p="http://schemas.openxmlformats.org/presentationml/2006/main" xmlns:c="http://schemas.openxmlformats.org/drawingml/2006/chart" xmlns:dgm="http://schemas.openxmlformats.org/drawingml/2006/diagram" xmlns:o="urn:schemas-microsoft-com:office:office" xmlns:v="urn:schemas-microsoft-com:vml" xmlns:pvml="urn:schemas-microsoft-com:office:powerpoint" xmlns:com="http://schemas.openxmlformats.org/drawingml/2006/compatibility" xmlns:p14="http://schemas.microsoft.com/office/powerpoint/2010/main" xmlns:p15="http://schemas.microsoft.com/office/powerpoint/2012/main" xmlns:ahyp="http://schemas.microsoft.com/office/drawing/2018/hyperlinkcolor">
+<p:sld xmlns:a="http://schemas.openxmlformats.org/drawingml/2006/main" xmlns:r="http://schemas.openxmlformats.org/officeDocument/2006/relationships" xmlns:p="http://schemas.openxmlformats.org/presentationml/2006/main">
   <p:cSld>
     <p:spTree>
       <p:nvGrpSpPr>
-        <p:cNvPr id="99" name="Shape 99"/>
+        <p:cNvPr id="1" name="Shape 99"/>
         <p:cNvGrpSpPr/>
         <p:nvPr/>
       </p:nvGrpSpPr>
@@ -8970,14 +9384,16 @@
       <p:sp>
         <p:nvSpPr>
           <p:cNvPr id="100" name="Google Shape;100;p18"/>
-          <p:cNvSpPr txBox="1"/>
+          <p:cNvSpPr txBox="1">
+            <a:spLocks noGrp="1"/>
+          </p:cNvSpPr>
           <p:nvPr>
             <p:ph type="title"/>
           </p:nvPr>
         </p:nvSpPr>
         <p:spPr>
           <a:xfrm>
-            <a:off x="0" y="4295975"/>
+            <a:off x="248771" y="4107717"/>
             <a:ext cx="8520600" cy="645000"/>
           </a:xfrm>
           <a:prstGeom prst="rect">
@@ -8985,12 +9401,12 @@
           </a:prstGeom>
         </p:spPr>
         <p:txBody>
-          <a:bodyPr anchorCtr="0" anchor="t" bIns="91425" lIns="91425" spcFirstLastPara="1" rIns="91425" wrap="square" tIns="91425">
+          <a:bodyPr spcFirstLastPara="1" wrap="square" lIns="91425" tIns="91425" rIns="91425" bIns="91425" anchor="t" anchorCtr="0">
             <a:noAutofit/>
           </a:bodyPr>
           <a:lstStyle/>
           <a:p>
-            <a:pPr indent="0" lvl="0" marL="0" rtl="0" algn="l">
+            <a:pPr marL="0" lvl="0" indent="0" algn="l" rtl="0">
               <a:spcBef>
                 <a:spcPts val="0"/>
               </a:spcBef>
@@ -9000,7 +9416,7 @@
               <a:buNone/>
             </a:pPr>
             <a:r>
-              <a:rPr b="0" lang="ja" sz="2800">
+              <a:rPr lang="ja" sz="4800" b="0" dirty="0">
                 <a:solidFill>
                   <a:srgbClr val="FFFFFF"/>
                 </a:solidFill>
@@ -9011,7 +9427,7 @@
               </a:rPr>
               <a:t>オブジェクトを出してみる</a:t>
             </a:r>
-            <a:endParaRPr b="0" sz="2800">
+            <a:endParaRPr sz="4800" b="0" dirty="0">
               <a:solidFill>
                 <a:srgbClr val="FFFFFF"/>
               </a:solidFill>
@@ -9032,11 +9448,11 @@
 </file>
 
 <file path=ppt/slides/slide7.xml><?xml version="1.0" encoding="utf-8"?>
-<p:sld xmlns:a="http://schemas.openxmlformats.org/drawingml/2006/main" xmlns:r="http://schemas.openxmlformats.org/officeDocument/2006/relationships" xmlns:mc="http://schemas.openxmlformats.org/markup-compatibility/2006" xmlns:mv="urn:schemas-microsoft-com:mac:vml" xmlns:p="http://schemas.openxmlformats.org/presentationml/2006/main" xmlns:c="http://schemas.openxmlformats.org/drawingml/2006/chart" xmlns:dgm="http://schemas.openxmlformats.org/drawingml/2006/diagram" xmlns:o="urn:schemas-microsoft-com:office:office" xmlns:v="urn:schemas-microsoft-com:vml" xmlns:pvml="urn:schemas-microsoft-com:office:powerpoint" xmlns:com="http://schemas.openxmlformats.org/drawingml/2006/compatibility" xmlns:p14="http://schemas.microsoft.com/office/powerpoint/2010/main" xmlns:p15="http://schemas.microsoft.com/office/powerpoint/2012/main" xmlns:ahyp="http://schemas.microsoft.com/office/drawing/2018/hyperlinkcolor">
+<p:sld xmlns:a="http://schemas.openxmlformats.org/drawingml/2006/main" xmlns:r="http://schemas.openxmlformats.org/officeDocument/2006/relationships" xmlns:p="http://schemas.openxmlformats.org/presentationml/2006/main">
   <p:cSld>
     <p:spTree>
       <p:nvGrpSpPr>
-        <p:cNvPr id="104" name="Shape 104"/>
+        <p:cNvPr id="1" name="Shape 104"/>
         <p:cNvGrpSpPr/>
         <p:nvPr/>
       </p:nvGrpSpPr>
@@ -9071,14 +9487,14 @@
             <a:avLst/>
           </a:prstGeom>
           <a:noFill/>
-          <a:ln cap="flat" cmpd="sng" w="9525">
+          <a:ln w="9525" cap="flat" cmpd="sng">
             <a:solidFill>
               <a:srgbClr val="FF0000"/>
             </a:solidFill>
             <a:prstDash val="solid"/>
             <a:round/>
-            <a:headEnd len="sm" w="sm" type="none"/>
-            <a:tailEnd len="sm" w="sm" type="none"/>
+            <a:headEnd type="none" w="sm" len="sm"/>
+            <a:tailEnd type="none" w="sm" len="sm"/>
           </a:ln>
         </p:spPr>
       </p:pic>
@@ -9094,9 +9510,13 @@
             <a:ext cx="2081150" cy="1506775"/>
           </a:xfrm>
           <a:custGeom>
-            <a:rect b="b" l="l" r="r" t="t"/>
+            <a:avLst/>
+            <a:gdLst/>
+            <a:ahLst/>
+            <a:cxnLst/>
+            <a:rect l="l" t="t" r="r" b="b"/>
             <a:pathLst>
-              <a:path extrusionOk="0" h="60271" w="83246">
+              <a:path w="83246" h="60271" extrusionOk="0">
                 <a:moveTo>
                   <a:pt x="25991" y="392"/>
                 </a:moveTo>
@@ -9159,23 +9579,23 @@
             <a:avLst/>
           </a:prstGeom>
           <a:noFill/>
-          <a:ln cap="flat" cmpd="sng" w="9525">
+          <a:ln w="9525" cap="flat" cmpd="sng">
             <a:solidFill>
               <a:srgbClr val="FF0000"/>
             </a:solidFill>
             <a:prstDash val="solid"/>
             <a:round/>
-            <a:headEnd len="sm" w="sm" type="none"/>
-            <a:tailEnd len="sm" w="sm" type="none"/>
+            <a:headEnd type="none" w="sm" len="sm"/>
+            <a:tailEnd type="none" w="sm" len="sm"/>
           </a:ln>
         </p:spPr>
         <p:txBody>
-          <a:bodyPr anchorCtr="0" anchor="ctr" bIns="91425" lIns="91425" spcFirstLastPara="1" rIns="91425" wrap="square" tIns="91425">
+          <a:bodyPr spcFirstLastPara="1" wrap="square" lIns="91425" tIns="91425" rIns="91425" bIns="91425" anchor="ctr" anchorCtr="0">
             <a:noAutofit/>
           </a:bodyPr>
           <a:lstStyle/>
           <a:p>
-            <a:pPr indent="0" lvl="0" marL="0" rtl="0" algn="l">
+            <a:pPr marL="0" lvl="0" indent="0" algn="l" rtl="0">
               <a:spcBef>
                 <a:spcPts val="0"/>
               </a:spcBef>
@@ -9184,9 +9604,6 @@
               </a:spcAft>
               <a:buNone/>
             </a:pPr>
-            <a:r>
-              <a:t/>
-            </a:r>
             <a:endParaRPr/>
           </a:p>
         </p:txBody>
@@ -9208,21 +9625,23 @@
         </p:spPr>
         <p:txBody>
           <a:bodyPr>
-            <a:prstTxWarp prst="textPlain"/>
+            <a:prstTxWarp prst="textPlain">
+              <a:avLst/>
+            </a:prstTxWarp>
           </a:bodyPr>
           <a:lstStyle/>
           <a:p>
             <a:pPr lvl="0" algn="ctr"/>
             <a:r>
               <a:rPr b="0" i="0">
-                <a:ln cap="flat" cmpd="sng" w="9525">
+                <a:ln w="9525" cap="flat" cmpd="sng">
                   <a:solidFill>
                     <a:srgbClr val="000000"/>
                   </a:solidFill>
                   <a:prstDash val="solid"/>
                   <a:round/>
-                  <a:headEnd len="sm" w="sm" type="none"/>
-                  <a:tailEnd len="sm" w="sm" type="none"/>
+                  <a:headEnd type="none" w="sm" len="sm"/>
+                  <a:tailEnd type="none" w="sm" len="sm"/>
                 </a:ln>
                 <a:solidFill>
                   <a:srgbClr val="FFFFFF"/>
@@ -9233,14 +9652,14 @@
             </a:r>
             <a:br>
               <a:rPr b="0" i="0">
-                <a:ln cap="flat" cmpd="sng" w="9525">
+                <a:ln w="9525" cap="flat" cmpd="sng">
                   <a:solidFill>
                     <a:srgbClr val="000000"/>
                   </a:solidFill>
                   <a:prstDash val="solid"/>
                   <a:round/>
-                  <a:headEnd len="sm" w="sm" type="none"/>
-                  <a:tailEnd len="sm" w="sm" type="none"/>
+                  <a:headEnd type="none" w="sm" len="sm"/>
+                  <a:tailEnd type="none" w="sm" len="sm"/>
                 </a:ln>
                 <a:solidFill>
                   <a:srgbClr val="FFFFFF"/>
@@ -9250,14 +9669,14 @@
             </a:br>
             <a:r>
               <a:rPr b="0" i="0">
-                <a:ln cap="flat" cmpd="sng" w="9525">
+                <a:ln w="9525" cap="flat" cmpd="sng">
                   <a:solidFill>
                     <a:srgbClr val="000000"/>
                   </a:solidFill>
                   <a:prstDash val="solid"/>
                   <a:round/>
-                  <a:headEnd len="sm" w="sm" type="none"/>
-                  <a:tailEnd len="sm" w="sm" type="none"/>
+                  <a:headEnd type="none" w="sm" len="sm"/>
+                  <a:tailEnd type="none" w="sm" len="sm"/>
                 </a:ln>
                 <a:solidFill>
                   <a:srgbClr val="FFFFFF"/>
@@ -9277,32 +9696,32 @@
   <p:timing>
     <p:tnLst>
       <p:par>
-        <p:cTn dur="indefinite" nodeType="tmRoot" restart="never">
+        <p:cTn id="1" dur="indefinite" restart="never" nodeType="tmRoot">
           <p:childTnLst>
             <p:seq concurrent="1" nextAc="seek">
-              <p:cTn dur="indefinite" id="2" nodeType="mainSeq">
+              <p:cTn id="2" dur="indefinite" nodeType="mainSeq">
                 <p:childTnLst>
                   <p:par>
-                    <p:cTn fill="hold">
+                    <p:cTn id="3" fill="hold">
                       <p:stCondLst>
                         <p:cond delay="indefinite"/>
                       </p:stCondLst>
                       <p:childTnLst>
                         <p:par>
-                          <p:cTn fill="hold">
+                          <p:cTn id="4" fill="hold">
                             <p:stCondLst>
                               <p:cond delay="0"/>
                             </p:stCondLst>
                             <p:childTnLst>
                               <p:par>
-                                <p:cTn fill="hold" nodeType="clickEffect" presetClass="entr" presetID="10" presetSubtype="0">
+                                <p:cTn id="5" presetID="10" presetClass="entr" presetSubtype="0" fill="hold" nodeType="clickEffect">
                                   <p:stCondLst>
                                     <p:cond delay="0"/>
                                   </p:stCondLst>
                                   <p:childTnLst>
                                     <p:set>
                                       <p:cBhvr>
-                                        <p:cTn dur="1" fill="hold">
+                                        <p:cTn id="6" dur="1" fill="hold">
                                           <p:stCondLst>
                                             <p:cond delay="0"/>
                                           </p:stCondLst>
@@ -9318,9 +9737,9 @@
                                         <p:strVal val="visible"/>
                                       </p:to>
                                     </p:set>
-                                    <p:animEffect filter="fade" transition="in">
+                                    <p:animEffect transition="in" filter="fade">
                                       <p:cBhvr>
-                                        <p:cTn dur="1000"/>
+                                        <p:cTn id="7" dur="1000"/>
                                         <p:tgtEl>
                                           <p:spTgt spid="105"/>
                                         </p:tgtEl>
@@ -9338,14 +9757,14 @@
                 </p:childTnLst>
               </p:cTn>
               <p:prevCondLst>
-                <p:cond evt="onPrev">
+                <p:cond evt="onPrev" delay="0">
                   <p:tgtEl>
                     <p:sldTgt/>
                   </p:tgtEl>
                 </p:cond>
               </p:prevCondLst>
               <p:nextCondLst>
-                <p:cond evt="onNext">
+                <p:cond evt="onNext" delay="0">
                   <p:tgtEl>
                     <p:sldTgt/>
                   </p:tgtEl>
@@ -9361,11 +9780,11 @@
 </file>
 
 <file path=ppt/slides/slide8.xml><?xml version="1.0" encoding="utf-8"?>
-<p:sld xmlns:a="http://schemas.openxmlformats.org/drawingml/2006/main" xmlns:r="http://schemas.openxmlformats.org/officeDocument/2006/relationships" xmlns:mc="http://schemas.openxmlformats.org/markup-compatibility/2006" xmlns:mv="urn:schemas-microsoft-com:mac:vml" xmlns:p="http://schemas.openxmlformats.org/presentationml/2006/main" xmlns:c="http://schemas.openxmlformats.org/drawingml/2006/chart" xmlns:dgm="http://schemas.openxmlformats.org/drawingml/2006/diagram" xmlns:o="urn:schemas-microsoft-com:office:office" xmlns:v="urn:schemas-microsoft-com:vml" xmlns:pvml="urn:schemas-microsoft-com:office:powerpoint" xmlns:com="http://schemas.openxmlformats.org/drawingml/2006/compatibility" xmlns:p14="http://schemas.microsoft.com/office/powerpoint/2010/main" xmlns:p15="http://schemas.microsoft.com/office/powerpoint/2012/main" xmlns:ahyp="http://schemas.microsoft.com/office/drawing/2018/hyperlinkcolor">
+<p:sld xmlns:a="http://schemas.openxmlformats.org/drawingml/2006/main" xmlns:r="http://schemas.openxmlformats.org/officeDocument/2006/relationships" xmlns:p="http://schemas.openxmlformats.org/presentationml/2006/main">
   <p:cSld>
     <p:spTree>
       <p:nvGrpSpPr>
-        <p:cNvPr id="112" name="Shape 112"/>
+        <p:cNvPr id="1" name="Shape 112"/>
         <p:cNvGrpSpPr/>
         <p:nvPr/>
       </p:nvGrpSpPr>
@@ -9425,12 +9844,12 @@
           </a:ln>
         </p:spPr>
         <p:txBody>
-          <a:bodyPr anchorCtr="0" anchor="t" bIns="91425" lIns="91425" spcFirstLastPara="1" rIns="91425" wrap="square" tIns="91425">
+          <a:bodyPr spcFirstLastPara="1" wrap="square" lIns="91425" tIns="91425" rIns="91425" bIns="91425" anchor="t" anchorCtr="0">
             <a:noAutofit/>
           </a:bodyPr>
           <a:lstStyle/>
           <a:p>
-            <a:pPr indent="0" lvl="0" marL="0" rtl="0" algn="l">
+            <a:pPr marL="0" lvl="0" indent="0" algn="l" rtl="0">
               <a:spcBef>
                 <a:spcPts val="0"/>
               </a:spcBef>
@@ -9440,7 +9859,7 @@
               <a:buNone/>
             </a:pPr>
             <a:r>
-              <a:rPr b="1" lang="ja">
+              <a:rPr lang="ja" b="1">
                 <a:solidFill>
                   <a:srgbClr val="FFFFFF"/>
                 </a:solidFill>
@@ -9462,7 +9881,7 @@
             </a:endParaRPr>
           </a:p>
           <a:p>
-            <a:pPr indent="0" lvl="0" marL="0" rtl="0" algn="l">
+            <a:pPr marL="0" lvl="0" indent="0" algn="l" rtl="0">
               <a:spcBef>
                 <a:spcPts val="0"/>
               </a:spcBef>
@@ -9471,9 +9890,6 @@
               </a:spcAft>
               <a:buNone/>
             </a:pPr>
-            <a:r>
-              <a:t/>
-            </a:r>
             <a:endParaRPr b="1">
               <a:solidFill>
                 <a:srgbClr val="FFFFFF"/>
@@ -9485,7 +9901,7 @@
             </a:endParaRPr>
           </a:p>
           <a:p>
-            <a:pPr indent="0" lvl="0" marL="0" rtl="0" algn="l">
+            <a:pPr marL="0" lvl="0" indent="0" algn="l" rtl="0">
               <a:spcBef>
                 <a:spcPts val="0"/>
               </a:spcBef>
@@ -9494,9 +9910,6 @@
               </a:spcAft>
               <a:buNone/>
             </a:pPr>
-            <a:r>
-              <a:t/>
-            </a:r>
             <a:endParaRPr b="1">
               <a:solidFill>
                 <a:srgbClr val="FFFFFF"/>
@@ -9508,7 +9921,7 @@
             </a:endParaRPr>
           </a:p>
           <a:p>
-            <a:pPr indent="0" lvl="0" marL="0" rtl="0" algn="l">
+            <a:pPr marL="0" lvl="0" indent="0" algn="l" rtl="0">
               <a:spcBef>
                 <a:spcPts val="0"/>
               </a:spcBef>
@@ -9518,7 +9931,7 @@
               <a:buNone/>
             </a:pPr>
             <a:r>
-              <a:rPr b="1" lang="ja" sz="1700">
+              <a:rPr lang="ja" sz="1700" b="1">
                 <a:solidFill>
                   <a:srgbClr val="FFFFFF"/>
                 </a:solidFill>
@@ -9529,7 +9942,7 @@
               </a:rPr>
               <a:t>GameObject</a:t>
             </a:r>
-            <a:endParaRPr b="1" sz="1700">
+            <a:endParaRPr sz="1700" b="1">
               <a:solidFill>
                 <a:srgbClr val="FFFFFF"/>
               </a:solidFill>
@@ -9540,7 +9953,7 @@
             </a:endParaRPr>
           </a:p>
           <a:p>
-            <a:pPr indent="0" lvl="0" marL="0" rtl="0" algn="l">
+            <a:pPr marL="0" lvl="0" indent="0" algn="l" rtl="0">
               <a:spcBef>
                 <a:spcPts val="0"/>
               </a:spcBef>
@@ -9550,7 +9963,7 @@
               <a:buNone/>
             </a:pPr>
             <a:r>
-              <a:rPr b="1" lang="ja" sz="1700">
+              <a:rPr lang="ja" sz="1700" b="1">
                 <a:solidFill>
                   <a:srgbClr val="FFFFFF"/>
                 </a:solidFill>
@@ -9561,7 +9974,7 @@
               </a:rPr>
               <a:t>・３D Object</a:t>
             </a:r>
-            <a:endParaRPr b="1" sz="1700">
+            <a:endParaRPr sz="1700" b="1">
               <a:solidFill>
                 <a:srgbClr val="FFFFFF"/>
               </a:solidFill>
@@ -9572,7 +9985,7 @@
             </a:endParaRPr>
           </a:p>
           <a:p>
-            <a:pPr indent="0" lvl="0" marL="0" rtl="0" algn="l">
+            <a:pPr marL="0" lvl="0" indent="0" algn="l" rtl="0">
               <a:spcBef>
                 <a:spcPts val="0"/>
               </a:spcBef>
@@ -9582,7 +9995,7 @@
               <a:buNone/>
             </a:pPr>
             <a:r>
-              <a:rPr b="1" lang="ja" sz="1700">
+              <a:rPr lang="ja" sz="1700" b="1">
                 <a:solidFill>
                   <a:srgbClr val="FFFFFF"/>
                 </a:solidFill>
@@ -9594,7 +10007,7 @@
               <a:t>・Cubeを選</a:t>
             </a:r>
             <a:r>
-              <a:rPr b="1" lang="ja">
+              <a:rPr lang="ja" b="1">
                 <a:solidFill>
                   <a:srgbClr val="FFFFFF"/>
                 </a:solidFill>
@@ -9626,11 +10039,11 @@
 </file>
 
 <file path=ppt/slides/slide9.xml><?xml version="1.0" encoding="utf-8"?>
-<p:sld xmlns:a="http://schemas.openxmlformats.org/drawingml/2006/main" xmlns:r="http://schemas.openxmlformats.org/officeDocument/2006/relationships" xmlns:mc="http://schemas.openxmlformats.org/markup-compatibility/2006" xmlns:mv="urn:schemas-microsoft-com:mac:vml" xmlns:p="http://schemas.openxmlformats.org/presentationml/2006/main" xmlns:c="http://schemas.openxmlformats.org/drawingml/2006/chart" xmlns:dgm="http://schemas.openxmlformats.org/drawingml/2006/diagram" xmlns:o="urn:schemas-microsoft-com:office:office" xmlns:v="urn:schemas-microsoft-com:vml" xmlns:pvml="urn:schemas-microsoft-com:office:powerpoint" xmlns:com="http://schemas.openxmlformats.org/drawingml/2006/compatibility" xmlns:p14="http://schemas.microsoft.com/office/powerpoint/2010/main" xmlns:p15="http://schemas.microsoft.com/office/powerpoint/2012/main" xmlns:ahyp="http://schemas.microsoft.com/office/drawing/2018/hyperlinkcolor">
+<p:sld xmlns:a="http://schemas.openxmlformats.org/drawingml/2006/main" xmlns:r="http://schemas.openxmlformats.org/officeDocument/2006/relationships" xmlns:p="http://schemas.openxmlformats.org/presentationml/2006/main">
   <p:cSld>
     <p:spTree>
       <p:nvGrpSpPr>
-        <p:cNvPr id="118" name="Shape 118"/>
+        <p:cNvPr id="1" name="Shape 118"/>
         <p:cNvGrpSpPr/>
         <p:nvPr/>
       </p:nvGrpSpPr>
@@ -9645,9 +10058,11 @@
       <p:sp>
         <p:nvSpPr>
           <p:cNvPr id="119" name="Google Shape;119;p21"/>
-          <p:cNvSpPr txBox="1"/>
+          <p:cNvSpPr txBox="1">
+            <a:spLocks noGrp="1"/>
+          </p:cNvSpPr>
           <p:nvPr>
-            <p:ph idx="1" type="body"/>
+            <p:ph type="body" idx="1"/>
           </p:nvPr>
         </p:nvSpPr>
         <p:spPr>
@@ -9660,12 +10075,12 @@
           </a:prstGeom>
         </p:spPr>
         <p:txBody>
-          <a:bodyPr anchorCtr="0" anchor="t" bIns="91425" lIns="91425" spcFirstLastPara="1" rIns="91425" wrap="square" tIns="91425">
+          <a:bodyPr spcFirstLastPara="1" wrap="square" lIns="91425" tIns="91425" rIns="91425" bIns="91425" anchor="t" anchorCtr="0">
             <a:noAutofit/>
           </a:bodyPr>
           <a:lstStyle/>
           <a:p>
-            <a:pPr indent="0" lvl="0" marL="0" rtl="0" algn="l">
+            <a:pPr marL="0" lvl="0" indent="0" algn="l" rtl="0">
               <a:spcBef>
                 <a:spcPts val="0"/>
               </a:spcBef>
@@ -9674,9 +10089,6 @@
               </a:spcAft>
               <a:buNone/>
             </a:pPr>
-            <a:r>
-              <a:t/>
-            </a:r>
             <a:endParaRPr/>
           </a:p>
         </p:txBody>
@@ -9726,21 +10138,23 @@
         </p:spPr>
         <p:txBody>
           <a:bodyPr>
-            <a:prstTxWarp prst="textPlain"/>
+            <a:prstTxWarp prst="textPlain">
+              <a:avLst/>
+            </a:prstTxWarp>
           </a:bodyPr>
           <a:lstStyle/>
           <a:p>
             <a:pPr lvl="0" algn="ctr"/>
             <a:r>
               <a:rPr b="0" i="0">
-                <a:ln cap="flat" cmpd="sng" w="9525">
+                <a:ln w="9525" cap="flat" cmpd="sng">
                   <a:solidFill>
                     <a:schemeClr val="dk2"/>
                   </a:solidFill>
                   <a:prstDash val="solid"/>
                   <a:round/>
-                  <a:headEnd len="sm" w="sm" type="none"/>
-                  <a:tailEnd len="sm" w="sm" type="none"/>
+                  <a:headEnd type="none" w="sm" len="sm"/>
+                  <a:tailEnd type="none" w="sm" len="sm"/>
                 </a:ln>
                 <a:solidFill>
                   <a:srgbClr val="FFFFFF"/>
@@ -9751,14 +10165,14 @@
             </a:r>
             <a:br>
               <a:rPr b="0" i="0">
-                <a:ln cap="flat" cmpd="sng" w="9525">
+                <a:ln w="9525" cap="flat" cmpd="sng">
                   <a:solidFill>
                     <a:schemeClr val="dk2"/>
                   </a:solidFill>
                   <a:prstDash val="solid"/>
                   <a:round/>
-                  <a:headEnd len="sm" w="sm" type="none"/>
-                  <a:tailEnd len="sm" w="sm" type="none"/>
+                  <a:headEnd type="none" w="sm" len="sm"/>
+                  <a:tailEnd type="none" w="sm" len="sm"/>
                 </a:ln>
                 <a:solidFill>
                   <a:srgbClr val="FFFFFF"/>
@@ -9768,14 +10182,14 @@
             </a:br>
             <a:r>
               <a:rPr b="0" i="0">
-                <a:ln cap="flat" cmpd="sng" w="9525">
+                <a:ln w="9525" cap="flat" cmpd="sng">
                   <a:solidFill>
                     <a:schemeClr val="dk2"/>
                   </a:solidFill>
                   <a:prstDash val="solid"/>
                   <a:round/>
-                  <a:headEnd len="sm" w="sm" type="none"/>
-                  <a:tailEnd len="sm" w="sm" type="none"/>
+                  <a:headEnd type="none" w="sm" len="sm"/>
+                  <a:tailEnd type="none" w="sm" len="sm"/>
                 </a:ln>
                 <a:solidFill>
                   <a:srgbClr val="FFFFFF"/>
@@ -9795,32 +10209,32 @@
   <p:timing>
     <p:tnLst>
       <p:par>
-        <p:cTn dur="indefinite" nodeType="tmRoot" restart="never">
+        <p:cTn id="1" dur="indefinite" restart="never" nodeType="tmRoot">
           <p:childTnLst>
             <p:seq concurrent="1" nextAc="seek">
-              <p:cTn dur="indefinite" id="2" nodeType="mainSeq">
+              <p:cTn id="2" dur="indefinite" nodeType="mainSeq">
                 <p:childTnLst>
                   <p:par>
-                    <p:cTn fill="hold">
+                    <p:cTn id="3" fill="hold">
                       <p:stCondLst>
                         <p:cond delay="indefinite"/>
                       </p:stCondLst>
                       <p:childTnLst>
                         <p:par>
-                          <p:cTn fill="hold">
+                          <p:cTn id="4" fill="hold">
                             <p:stCondLst>
                               <p:cond delay="0"/>
                             </p:stCondLst>
                             <p:childTnLst>
                               <p:par>
-                                <p:cTn fill="hold" nodeType="clickEffect" presetClass="entr" presetID="10" presetSubtype="0">
+                                <p:cTn id="5" presetID="10" presetClass="entr" presetSubtype="0" fill="hold" nodeType="clickEffect">
                                   <p:stCondLst>
                                     <p:cond delay="0"/>
                                   </p:stCondLst>
                                   <p:childTnLst>
                                     <p:set>
                                       <p:cBhvr>
-                                        <p:cTn dur="1" fill="hold">
+                                        <p:cTn id="6" dur="1" fill="hold">
                                           <p:stCondLst>
                                             <p:cond delay="0"/>
                                           </p:stCondLst>
@@ -9836,9 +10250,9 @@
                                         <p:strVal val="visible"/>
                                       </p:to>
                                     </p:set>
-                                    <p:animEffect filter="fade" transition="in">
+                                    <p:animEffect transition="in" filter="fade">
                                       <p:cBhvr>
-                                        <p:cTn dur="1000"/>
+                                        <p:cTn id="7" dur="1000"/>
                                         <p:tgtEl>
                                           <p:spTgt spid="120"/>
                                         </p:tgtEl>
@@ -9856,14 +10270,14 @@
                 </p:childTnLst>
               </p:cTn>
               <p:prevCondLst>
-                <p:cond evt="onPrev">
+                <p:cond evt="onPrev" delay="0">
                   <p:tgtEl>
                     <p:sldTgt/>
                   </p:tgtEl>
                 </p:cond>
               </p:prevCondLst>
               <p:nextCondLst>
-                <p:cond evt="onNext">
+                <p:cond evt="onNext" delay="0">
                   <p:tgtEl>
                     <p:sldTgt/>
                   </p:tgtEl>
@@ -9879,7 +10293,288 @@
 </file>
 
 <file path=ppt/theme/theme1.xml><?xml version="1.0" encoding="utf-8"?>
-<a:theme xmlns:a="http://schemas.openxmlformats.org/drawingml/2006/main" xmlns:r="http://schemas.openxmlformats.org/officeDocument/2006/relationships">
+<a:theme xmlns:a="http://schemas.openxmlformats.org/drawingml/2006/main" name="Blue &amp; Gold">
+  <a:themeElements>
+    <a:clrScheme name="Blue &amp; Gold">
+      <a:dk1>
+        <a:srgbClr val="FFFFFF"/>
+      </a:dk1>
+      <a:lt1>
+        <a:srgbClr val="01AFD1"/>
+      </a:lt1>
+      <a:dk2>
+        <a:srgbClr val="1E2D31"/>
+      </a:dk2>
+      <a:lt2>
+        <a:srgbClr val="BFC7CA"/>
+      </a:lt2>
+      <a:accent1>
+        <a:srgbClr val="006F85"/>
+      </a:accent1>
+      <a:accent2>
+        <a:srgbClr val="AF4345"/>
+      </a:accent2>
+      <a:accent3>
+        <a:srgbClr val="47D06A"/>
+      </a:accent3>
+      <a:accent4>
+        <a:srgbClr val="F58F8F"/>
+      </a:accent4>
+      <a:accent5>
+        <a:srgbClr val="F6CD4C"/>
+      </a:accent5>
+      <a:accent6>
+        <a:srgbClr val="F8E71C"/>
+      </a:accent6>
+      <a:hlink>
+        <a:srgbClr val="F6CD4C"/>
+      </a:hlink>
+      <a:folHlink>
+        <a:srgbClr val="F6CD4C"/>
+      </a:folHlink>
+    </a:clrScheme>
+    <a:fontScheme name="Office">
+      <a:majorFont>
+        <a:latin typeface="Arial"/>
+        <a:ea typeface=""/>
+        <a:cs typeface=""/>
+        <a:font script="Jpan" typeface="ＭＳ Ｐゴシック"/>
+        <a:font script="Hang" typeface="맑은 고딕"/>
+        <a:font script="Hans" typeface="宋体"/>
+        <a:font script="Hant" typeface="新細明體"/>
+        <a:font script="Arab" typeface="Times New Roman"/>
+        <a:font script="Hebr" typeface="Times New Roman"/>
+        <a:font script="Thai" typeface="Angsana New"/>
+        <a:font script="Ethi" typeface="Nyala"/>
+        <a:font script="Beng" typeface="Vrinda"/>
+        <a:font script="Gujr" typeface="Shruti"/>
+        <a:font script="Khmr" typeface="MoolBoran"/>
+        <a:font script="Knda" typeface="Tunga"/>
+        <a:font script="Guru" typeface="Raavi"/>
+        <a:font script="Cans" typeface="Euphemia"/>
+        <a:font script="Cher" typeface="Plantagenet Cherokee"/>
+        <a:font script="Yiii" typeface="Microsoft Yi Baiti"/>
+        <a:font script="Tibt" typeface="Microsoft Himalaya"/>
+        <a:font script="Thaa" typeface="MV Boli"/>
+        <a:font script="Deva" typeface="Mangal"/>
+        <a:font script="Telu" typeface="Gautami"/>
+        <a:font script="Taml" typeface="Latha"/>
+        <a:font script="Syrc" typeface="Estrangelo Edessa"/>
+        <a:font script="Orya" typeface="Kalinga"/>
+        <a:font script="Mlym" typeface="Kartika"/>
+        <a:font script="Laoo" typeface="DokChampa"/>
+        <a:font script="Sinh" typeface="Iskoola Pota"/>
+        <a:font script="Mong" typeface="Mongolian Baiti"/>
+        <a:font script="Viet" typeface="Times New Roman"/>
+        <a:font script="Uigh" typeface="Microsoft Uighur"/>
+        <a:font script="Geor" typeface="Sylfaen"/>
+      </a:majorFont>
+      <a:minorFont>
+        <a:latin typeface="Arial"/>
+        <a:ea typeface=""/>
+        <a:cs typeface=""/>
+        <a:font script="Jpan" typeface="ＭＳ Ｐゴシック"/>
+        <a:font script="Hang" typeface="맑은 고딕"/>
+        <a:font script="Hans" typeface="宋体"/>
+        <a:font script="Hant" typeface="新細明體"/>
+        <a:font script="Arab" typeface="Arial"/>
+        <a:font script="Hebr" typeface="Arial"/>
+        <a:font script="Thai" typeface="Cordia New"/>
+        <a:font script="Ethi" typeface="Nyala"/>
+        <a:font script="Beng" typeface="Vrinda"/>
+        <a:font script="Gujr" typeface="Shruti"/>
+        <a:font script="Khmr" typeface="DaunPenh"/>
+        <a:font script="Knda" typeface="Tunga"/>
+        <a:font script="Guru" typeface="Raavi"/>
+        <a:font script="Cans" typeface="Euphemia"/>
+        <a:font script="Cher" typeface="Plantagenet Cherokee"/>
+        <a:font script="Yiii" typeface="Microsoft Yi Baiti"/>
+        <a:font script="Tibt" typeface="Microsoft Himalaya"/>
+        <a:font script="Thaa" typeface="MV Boli"/>
+        <a:font script="Deva" typeface="Mangal"/>
+        <a:font script="Telu" typeface="Gautami"/>
+        <a:font script="Taml" typeface="Latha"/>
+        <a:font script="Syrc" typeface="Estrangelo Edessa"/>
+        <a:font script="Orya" typeface="Kalinga"/>
+        <a:font script="Mlym" typeface="Kartika"/>
+        <a:font script="Laoo" typeface="DokChampa"/>
+        <a:font script="Sinh" typeface="Iskoola Pota"/>
+        <a:font script="Mong" typeface="Mongolian Baiti"/>
+        <a:font script="Viet" typeface="Arial"/>
+        <a:font script="Uigh" typeface="Microsoft Uighur"/>
+        <a:font script="Geor" typeface="Sylfaen"/>
+      </a:minorFont>
+    </a:fontScheme>
+    <a:fmtScheme name="Office">
+      <a:fillStyleLst>
+        <a:solidFill>
+          <a:schemeClr val="phClr"/>
+        </a:solidFill>
+        <a:gradFill rotWithShape="1">
+          <a:gsLst>
+            <a:gs pos="0">
+              <a:schemeClr val="phClr">
+                <a:tint val="50000"/>
+                <a:satMod val="300000"/>
+              </a:schemeClr>
+            </a:gs>
+            <a:gs pos="35000">
+              <a:schemeClr val="phClr">
+                <a:tint val="37000"/>
+                <a:satMod val="300000"/>
+              </a:schemeClr>
+            </a:gs>
+            <a:gs pos="100000">
+              <a:schemeClr val="phClr">
+                <a:tint val="15000"/>
+                <a:satMod val="350000"/>
+              </a:schemeClr>
+            </a:gs>
+          </a:gsLst>
+          <a:lin ang="16200000" scaled="1"/>
+        </a:gradFill>
+        <a:gradFill rotWithShape="1">
+          <a:gsLst>
+            <a:gs pos="0">
+              <a:schemeClr val="phClr">
+                <a:tint val="100000"/>
+                <a:shade val="100000"/>
+                <a:satMod val="130000"/>
+              </a:schemeClr>
+            </a:gs>
+            <a:gs pos="100000">
+              <a:schemeClr val="phClr">
+                <a:tint val="50000"/>
+                <a:shade val="100000"/>
+                <a:satMod val="350000"/>
+              </a:schemeClr>
+            </a:gs>
+          </a:gsLst>
+          <a:lin ang="16200000" scaled="0"/>
+        </a:gradFill>
+      </a:fillStyleLst>
+      <a:lnStyleLst>
+        <a:ln w="9525" cap="flat" cmpd="sng" algn="ctr">
+          <a:solidFill>
+            <a:schemeClr val="phClr">
+              <a:shade val="95000"/>
+              <a:satMod val="105000"/>
+            </a:schemeClr>
+          </a:solidFill>
+          <a:prstDash val="solid"/>
+        </a:ln>
+        <a:ln w="25400" cap="flat" cmpd="sng" algn="ctr">
+          <a:solidFill>
+            <a:schemeClr val="phClr"/>
+          </a:solidFill>
+          <a:prstDash val="solid"/>
+        </a:ln>
+        <a:ln w="38100" cap="flat" cmpd="sng" algn="ctr">
+          <a:solidFill>
+            <a:schemeClr val="phClr"/>
+          </a:solidFill>
+          <a:prstDash val="solid"/>
+        </a:ln>
+      </a:lnStyleLst>
+      <a:effectStyleLst>
+        <a:effectStyle>
+          <a:effectLst>
+            <a:outerShdw blurRad="40000" dist="20000" dir="5400000" rotWithShape="0">
+              <a:srgbClr val="000000">
+                <a:alpha val="38000"/>
+              </a:srgbClr>
+            </a:outerShdw>
+          </a:effectLst>
+        </a:effectStyle>
+        <a:effectStyle>
+          <a:effectLst>
+            <a:outerShdw blurRad="40000" dist="23000" dir="5400000" rotWithShape="0">
+              <a:srgbClr val="000000">
+                <a:alpha val="35000"/>
+              </a:srgbClr>
+            </a:outerShdw>
+          </a:effectLst>
+        </a:effectStyle>
+        <a:effectStyle>
+          <a:effectLst>
+            <a:outerShdw blurRad="40000" dist="23000" dir="5400000" rotWithShape="0">
+              <a:srgbClr val="000000">
+                <a:alpha val="35000"/>
+              </a:srgbClr>
+            </a:outerShdw>
+          </a:effectLst>
+          <a:scene3d>
+            <a:camera prst="orthographicFront">
+              <a:rot lat="0" lon="0" rev="0"/>
+            </a:camera>
+            <a:lightRig rig="threePt" dir="t">
+              <a:rot lat="0" lon="0" rev="1200000"/>
+            </a:lightRig>
+          </a:scene3d>
+          <a:sp3d>
+            <a:bevelT w="63500" h="25400"/>
+          </a:sp3d>
+        </a:effectStyle>
+      </a:effectStyleLst>
+      <a:bgFillStyleLst>
+        <a:solidFill>
+          <a:schemeClr val="phClr"/>
+        </a:solidFill>
+        <a:gradFill rotWithShape="1">
+          <a:gsLst>
+            <a:gs pos="0">
+              <a:schemeClr val="phClr">
+                <a:tint val="40000"/>
+                <a:satMod val="350000"/>
+              </a:schemeClr>
+            </a:gs>
+            <a:gs pos="40000">
+              <a:schemeClr val="phClr">
+                <a:tint val="45000"/>
+                <a:shade val="99000"/>
+                <a:satMod val="350000"/>
+              </a:schemeClr>
+            </a:gs>
+            <a:gs pos="100000">
+              <a:schemeClr val="phClr">
+                <a:shade val="20000"/>
+                <a:satMod val="255000"/>
+              </a:schemeClr>
+            </a:gs>
+          </a:gsLst>
+          <a:path path="circle">
+            <a:fillToRect l="50000" t="-80000" r="50000" b="180000"/>
+          </a:path>
+        </a:gradFill>
+        <a:gradFill rotWithShape="1">
+          <a:gsLst>
+            <a:gs pos="0">
+              <a:schemeClr val="phClr">
+                <a:tint val="80000"/>
+                <a:satMod val="300000"/>
+              </a:schemeClr>
+            </a:gs>
+            <a:gs pos="100000">
+              <a:schemeClr val="phClr">
+                <a:shade val="30000"/>
+                <a:satMod val="200000"/>
+              </a:schemeClr>
+            </a:gs>
+          </a:gsLst>
+          <a:path path="circle">
+            <a:fillToRect l="50000" t="50000" r="50000" b="50000"/>
+          </a:path>
+        </a:gradFill>
+      </a:bgFillStyleLst>
+    </a:fmtScheme>
+  </a:themeElements>
+  <a:objectDefaults/>
+  <a:extraClrSchemeLst/>
+</a:theme>
+</file>
+
+<file path=ppt/theme/theme2.xml><?xml version="1.0" encoding="utf-8"?>
+<a:theme xmlns:a="http://schemas.openxmlformats.org/drawingml/2006/main">
   <a:themeElements>
     <a:clrScheme name="Default">
       <a:dk1>
@@ -10154,284 +10849,7 @@
       </a:bgFillStyleLst>
     </a:fmtScheme>
   </a:themeElements>
-</a:theme>
-</file>
-
-<file path=ppt/theme/theme2.xml><?xml version="1.0" encoding="utf-8"?>
-<a:theme xmlns:a="http://schemas.openxmlformats.org/drawingml/2006/main" xmlns:r="http://schemas.openxmlformats.org/officeDocument/2006/relationships" name="Blue &amp; Gold">
-  <a:themeElements>
-    <a:clrScheme name="Blue &amp; Gold">
-      <a:dk1>
-        <a:srgbClr val="FFFFFF"/>
-      </a:dk1>
-      <a:lt1>
-        <a:srgbClr val="01AFD1"/>
-      </a:lt1>
-      <a:dk2>
-        <a:srgbClr val="1E2D31"/>
-      </a:dk2>
-      <a:lt2>
-        <a:srgbClr val="BFC7CA"/>
-      </a:lt2>
-      <a:accent1>
-        <a:srgbClr val="006F85"/>
-      </a:accent1>
-      <a:accent2>
-        <a:srgbClr val="AF4345"/>
-      </a:accent2>
-      <a:accent3>
-        <a:srgbClr val="47D06A"/>
-      </a:accent3>
-      <a:accent4>
-        <a:srgbClr val="F58F8F"/>
-      </a:accent4>
-      <a:accent5>
-        <a:srgbClr val="F6CD4C"/>
-      </a:accent5>
-      <a:accent6>
-        <a:srgbClr val="F8E71C"/>
-      </a:accent6>
-      <a:hlink>
-        <a:srgbClr val="F6CD4C"/>
-      </a:hlink>
-      <a:folHlink>
-        <a:srgbClr val="F6CD4C"/>
-      </a:folHlink>
-    </a:clrScheme>
-    <a:fontScheme name="Office">
-      <a:majorFont>
-        <a:latin typeface="Arial"/>
-        <a:ea typeface=""/>
-        <a:cs typeface=""/>
-        <a:font script="Jpan" typeface="ＭＳ Ｐゴシック"/>
-        <a:font script="Hang" typeface="맑은 고딕"/>
-        <a:font script="Hans" typeface="宋体"/>
-        <a:font script="Hant" typeface="新細明體"/>
-        <a:font script="Arab" typeface="Times New Roman"/>
-        <a:font script="Hebr" typeface="Times New Roman"/>
-        <a:font script="Thai" typeface="Angsana New"/>
-        <a:font script="Ethi" typeface="Nyala"/>
-        <a:font script="Beng" typeface="Vrinda"/>
-        <a:font script="Gujr" typeface="Shruti"/>
-        <a:font script="Khmr" typeface="MoolBoran"/>
-        <a:font script="Knda" typeface="Tunga"/>
-        <a:font script="Guru" typeface="Raavi"/>
-        <a:font script="Cans" typeface="Euphemia"/>
-        <a:font script="Cher" typeface="Plantagenet Cherokee"/>
-        <a:font script="Yiii" typeface="Microsoft Yi Baiti"/>
-        <a:font script="Tibt" typeface="Microsoft Himalaya"/>
-        <a:font script="Thaa" typeface="MV Boli"/>
-        <a:font script="Deva" typeface="Mangal"/>
-        <a:font script="Telu" typeface="Gautami"/>
-        <a:font script="Taml" typeface="Latha"/>
-        <a:font script="Syrc" typeface="Estrangelo Edessa"/>
-        <a:font script="Orya" typeface="Kalinga"/>
-        <a:font script="Mlym" typeface="Kartika"/>
-        <a:font script="Laoo" typeface="DokChampa"/>
-        <a:font script="Sinh" typeface="Iskoola Pota"/>
-        <a:font script="Mong" typeface="Mongolian Baiti"/>
-        <a:font script="Viet" typeface="Times New Roman"/>
-        <a:font script="Uigh" typeface="Microsoft Uighur"/>
-        <a:font script="Geor" typeface="Sylfaen"/>
-      </a:majorFont>
-      <a:minorFont>
-        <a:latin typeface="Arial"/>
-        <a:ea typeface=""/>
-        <a:cs typeface=""/>
-        <a:font script="Jpan" typeface="ＭＳ Ｐゴシック"/>
-        <a:font script="Hang" typeface="맑은 고딕"/>
-        <a:font script="Hans" typeface="宋体"/>
-        <a:font script="Hant" typeface="新細明體"/>
-        <a:font script="Arab" typeface="Arial"/>
-        <a:font script="Hebr" typeface="Arial"/>
-        <a:font script="Thai" typeface="Cordia New"/>
-        <a:font script="Ethi" typeface="Nyala"/>
-        <a:font script="Beng" typeface="Vrinda"/>
-        <a:font script="Gujr" typeface="Shruti"/>
-        <a:font script="Khmr" typeface="DaunPenh"/>
-        <a:font script="Knda" typeface="Tunga"/>
-        <a:font script="Guru" typeface="Raavi"/>
-        <a:font script="Cans" typeface="Euphemia"/>
-        <a:font script="Cher" typeface="Plantagenet Cherokee"/>
-        <a:font script="Yiii" typeface="Microsoft Yi Baiti"/>
-        <a:font script="Tibt" typeface="Microsoft Himalaya"/>
-        <a:font script="Thaa" typeface="MV Boli"/>
-        <a:font script="Deva" typeface="Mangal"/>
-        <a:font script="Telu" typeface="Gautami"/>
-        <a:font script="Taml" typeface="Latha"/>
-        <a:font script="Syrc" typeface="Estrangelo Edessa"/>
-        <a:font script="Orya" typeface="Kalinga"/>
-        <a:font script="Mlym" typeface="Kartika"/>
-        <a:font script="Laoo" typeface="DokChampa"/>
-        <a:font script="Sinh" typeface="Iskoola Pota"/>
-        <a:font script="Mong" typeface="Mongolian Baiti"/>
-        <a:font script="Viet" typeface="Arial"/>
-        <a:font script="Uigh" typeface="Microsoft Uighur"/>
-        <a:font script="Geor" typeface="Sylfaen"/>
-      </a:minorFont>
-    </a:fontScheme>
-    <a:fmtScheme name="Office">
-      <a:fillStyleLst>
-        <a:solidFill>
-          <a:schemeClr val="phClr"/>
-        </a:solidFill>
-        <a:gradFill rotWithShape="1">
-          <a:gsLst>
-            <a:gs pos="0">
-              <a:schemeClr val="phClr">
-                <a:tint val="50000"/>
-                <a:satMod val="300000"/>
-              </a:schemeClr>
-            </a:gs>
-            <a:gs pos="35000">
-              <a:schemeClr val="phClr">
-                <a:tint val="37000"/>
-                <a:satMod val="300000"/>
-              </a:schemeClr>
-            </a:gs>
-            <a:gs pos="100000">
-              <a:schemeClr val="phClr">
-                <a:tint val="15000"/>
-                <a:satMod val="350000"/>
-              </a:schemeClr>
-            </a:gs>
-          </a:gsLst>
-          <a:lin ang="16200000" scaled="1"/>
-        </a:gradFill>
-        <a:gradFill rotWithShape="1">
-          <a:gsLst>
-            <a:gs pos="0">
-              <a:schemeClr val="phClr">
-                <a:tint val="100000"/>
-                <a:shade val="100000"/>
-                <a:satMod val="130000"/>
-              </a:schemeClr>
-            </a:gs>
-            <a:gs pos="100000">
-              <a:schemeClr val="phClr">
-                <a:tint val="50000"/>
-                <a:shade val="100000"/>
-                <a:satMod val="350000"/>
-              </a:schemeClr>
-            </a:gs>
-          </a:gsLst>
-          <a:lin ang="16200000" scaled="0"/>
-        </a:gradFill>
-      </a:fillStyleLst>
-      <a:lnStyleLst>
-        <a:ln w="9525" cap="flat" cmpd="sng" algn="ctr">
-          <a:solidFill>
-            <a:schemeClr val="phClr">
-              <a:shade val="95000"/>
-              <a:satMod val="105000"/>
-            </a:schemeClr>
-          </a:solidFill>
-          <a:prstDash val="solid"/>
-        </a:ln>
-        <a:ln w="25400" cap="flat" cmpd="sng" algn="ctr">
-          <a:solidFill>
-            <a:schemeClr val="phClr"/>
-          </a:solidFill>
-          <a:prstDash val="solid"/>
-        </a:ln>
-        <a:ln w="38100" cap="flat" cmpd="sng" algn="ctr">
-          <a:solidFill>
-            <a:schemeClr val="phClr"/>
-          </a:solidFill>
-          <a:prstDash val="solid"/>
-        </a:ln>
-      </a:lnStyleLst>
-      <a:effectStyleLst>
-        <a:effectStyle>
-          <a:effectLst>
-            <a:outerShdw blurRad="40000" dist="20000" dir="5400000" rotWithShape="0">
-              <a:srgbClr val="000000">
-                <a:alpha val="38000"/>
-              </a:srgbClr>
-            </a:outerShdw>
-          </a:effectLst>
-        </a:effectStyle>
-        <a:effectStyle>
-          <a:effectLst>
-            <a:outerShdw blurRad="40000" dist="23000" dir="5400000" rotWithShape="0">
-              <a:srgbClr val="000000">
-                <a:alpha val="35000"/>
-              </a:srgbClr>
-            </a:outerShdw>
-          </a:effectLst>
-        </a:effectStyle>
-        <a:effectStyle>
-          <a:effectLst>
-            <a:outerShdw blurRad="40000" dist="23000" dir="5400000" rotWithShape="0">
-              <a:srgbClr val="000000">
-                <a:alpha val="35000"/>
-              </a:srgbClr>
-            </a:outerShdw>
-          </a:effectLst>
-          <a:scene3d>
-            <a:camera prst="orthographicFront">
-              <a:rot lat="0" lon="0" rev="0"/>
-            </a:camera>
-            <a:lightRig rig="threePt" dir="t">
-              <a:rot lat="0" lon="0" rev="1200000"/>
-            </a:lightRig>
-          </a:scene3d>
-          <a:sp3d>
-            <a:bevelT w="63500" h="25400"/>
-          </a:sp3d>
-        </a:effectStyle>
-      </a:effectStyleLst>
-      <a:bgFillStyleLst>
-        <a:solidFill>
-          <a:schemeClr val="phClr"/>
-        </a:solidFill>
-        <a:gradFill rotWithShape="1">
-          <a:gsLst>
-            <a:gs pos="0">
-              <a:schemeClr val="phClr">
-                <a:tint val="40000"/>
-                <a:satMod val="350000"/>
-              </a:schemeClr>
-            </a:gs>
-            <a:gs pos="40000">
-              <a:schemeClr val="phClr">
-                <a:tint val="45000"/>
-                <a:shade val="99000"/>
-                <a:satMod val="350000"/>
-              </a:schemeClr>
-            </a:gs>
-            <a:gs pos="100000">
-              <a:schemeClr val="phClr">
-                <a:shade val="20000"/>
-                <a:satMod val="255000"/>
-              </a:schemeClr>
-            </a:gs>
-          </a:gsLst>
-          <a:path path="circle">
-            <a:fillToRect l="50000" t="-80000" r="50000" b="180000"/>
-          </a:path>
-        </a:gradFill>
-        <a:gradFill rotWithShape="1">
-          <a:gsLst>
-            <a:gs pos="0">
-              <a:schemeClr val="phClr">
-                <a:tint val="80000"/>
-                <a:satMod val="300000"/>
-              </a:schemeClr>
-            </a:gs>
-            <a:gs pos="100000">
-              <a:schemeClr val="phClr">
-                <a:shade val="30000"/>
-                <a:satMod val="200000"/>
-              </a:schemeClr>
-            </a:gs>
-          </a:gsLst>
-          <a:path path="circle">
-            <a:fillToRect l="50000" t="50000" r="50000" b="50000"/>
-          </a:path>
-        </a:gradFill>
-      </a:bgFillStyleLst>
-    </a:fmtScheme>
-  </a:themeElements>
+  <a:objectDefaults/>
+  <a:extraClrSchemeLst/>
 </a:theme>
 </file>